--- a/doc/Predicting Fetal Anomalies Using Cardiotocography Data.pptx
+++ b/doc/Predicting Fetal Anomalies Using Cardiotocography Data.pptx
@@ -1,32 +1,32 @@
 
 <file path=ppt/presentation.xml><?xml version="1.0" encoding="utf-8"?>
-<p:presentation xmlns:a="http://schemas.openxmlformats.org/drawingml/2006/main" xmlns:r="http://schemas.openxmlformats.org/officeDocument/2006/relationships" xmlns:mc="http://schemas.openxmlformats.org/markup-compatibility/2006" xmlns:mv="urn:schemas-microsoft-com:mac:vml" xmlns:p="http://schemas.openxmlformats.org/presentationml/2006/main" xmlns:c="http://schemas.openxmlformats.org/drawingml/2006/chart" xmlns:dgm="http://schemas.openxmlformats.org/drawingml/2006/diagram" xmlns:o="urn:schemas-microsoft-com:office:office" xmlns:v="urn:schemas-microsoft-com:vml" xmlns:pvml="urn:schemas-microsoft-com:office:powerpoint" xmlns:com="http://schemas.openxmlformats.org/drawingml/2006/compatibility" xmlns:p14="http://schemas.microsoft.com/office/powerpoint/2010/main" xmlns:p15="http://schemas.microsoft.com/office/powerpoint/2012/main" xmlns:ahyp="http://schemas.microsoft.com/office/drawing/2018/hyperlinkcolor" autoCompressPictures="0" strictFirstAndLastChars="0" saveSubsetFonts="1">
+<p:presentation xmlns:a="http://schemas.openxmlformats.org/drawingml/2006/main" xmlns:r="http://schemas.openxmlformats.org/officeDocument/2006/relationships" xmlns:p="http://schemas.openxmlformats.org/presentationml/2006/main" strictFirstAndLastChars="0" saveSubsetFonts="1" autoCompressPictures="0">
   <p:sldMasterIdLst>
-    <p:sldMasterId id="2147483659" r:id="rId5"/>
+    <p:sldMasterId id="2147483659" r:id="rId1"/>
   </p:sldMasterIdLst>
   <p:notesMasterIdLst>
-    <p:notesMasterId r:id="rId6"/>
+    <p:notesMasterId r:id="rId16"/>
   </p:notesMasterIdLst>
   <p:sldIdLst>
-    <p:sldId id="256" r:id="rId7"/>
-    <p:sldId id="257" r:id="rId8"/>
-    <p:sldId id="258" r:id="rId9"/>
-    <p:sldId id="259" r:id="rId10"/>
-    <p:sldId id="260" r:id="rId11"/>
-    <p:sldId id="261" r:id="rId12"/>
-    <p:sldId id="262" r:id="rId13"/>
-    <p:sldId id="263" r:id="rId14"/>
-    <p:sldId id="264" r:id="rId15"/>
-    <p:sldId id="265" r:id="rId16"/>
-    <p:sldId id="266" r:id="rId17"/>
-    <p:sldId id="267" r:id="rId18"/>
-    <p:sldId id="268" r:id="rId19"/>
-    <p:sldId id="269" r:id="rId20"/>
+    <p:sldId id="256" r:id="rId2"/>
+    <p:sldId id="257" r:id="rId3"/>
+    <p:sldId id="258" r:id="rId4"/>
+    <p:sldId id="259" r:id="rId5"/>
+    <p:sldId id="260" r:id="rId6"/>
+    <p:sldId id="261" r:id="rId7"/>
+    <p:sldId id="262" r:id="rId8"/>
+    <p:sldId id="263" r:id="rId9"/>
+    <p:sldId id="264" r:id="rId10"/>
+    <p:sldId id="265" r:id="rId11"/>
+    <p:sldId id="266" r:id="rId12"/>
+    <p:sldId id="267" r:id="rId13"/>
+    <p:sldId id="268" r:id="rId14"/>
+    <p:sldId id="269" r:id="rId15"/>
   </p:sldIdLst>
-  <p:sldSz cy="5143500" cx="9144000"/>
+  <p:sldSz cx="9144000" cy="5143500" type="screen16x9"/>
   <p:notesSz cx="6858000" cy="9144000"/>
   <p:defaultTextStyle>
-    <a:defPPr lvl="0" marR="0" rtl="0" algn="l">
+    <a:defPPr marR="0" lvl="0" algn="l" rtl="0">
       <a:lnSpc>
         <a:spcPct val="100000"/>
       </a:lnSpc>
@@ -37,7 +37,7 @@
         <a:spcPts val="0"/>
       </a:spcAft>
     </a:defPPr>
-    <a:lvl1pPr lvl="0" marR="0" rtl="0" algn="l">
+    <a:lvl1pPr marR="0" lvl="0" algn="l" rtl="0">
       <a:lnSpc>
         <a:spcPct val="100000"/>
       </a:lnSpc>
@@ -51,7 +51,7 @@
         <a:srgbClr val="000000"/>
       </a:buClr>
       <a:buFont typeface="Arial"/>
-      <a:defRPr b="0" i="0" sz="1400" u="none" cap="none" strike="noStrike">
+      <a:defRPr sz="1400" b="0" i="0" u="none" strike="noStrike" cap="none">
         <a:solidFill>
           <a:srgbClr val="000000"/>
         </a:solidFill>
@@ -61,7 +61,7 @@
         <a:sym typeface="Arial"/>
       </a:defRPr>
     </a:lvl1pPr>
-    <a:lvl2pPr lvl="1" marR="0" rtl="0" algn="l">
+    <a:lvl2pPr marR="0" lvl="1" algn="l" rtl="0">
       <a:lnSpc>
         <a:spcPct val="100000"/>
       </a:lnSpc>
@@ -75,7 +75,7 @@
         <a:srgbClr val="000000"/>
       </a:buClr>
       <a:buFont typeface="Arial"/>
-      <a:defRPr b="0" i="0" sz="1400" u="none" cap="none" strike="noStrike">
+      <a:defRPr sz="1400" b="0" i="0" u="none" strike="noStrike" cap="none">
         <a:solidFill>
           <a:srgbClr val="000000"/>
         </a:solidFill>
@@ -85,7 +85,7 @@
         <a:sym typeface="Arial"/>
       </a:defRPr>
     </a:lvl2pPr>
-    <a:lvl3pPr lvl="2" marR="0" rtl="0" algn="l">
+    <a:lvl3pPr marR="0" lvl="2" algn="l" rtl="0">
       <a:lnSpc>
         <a:spcPct val="100000"/>
       </a:lnSpc>
@@ -99,7 +99,7 @@
         <a:srgbClr val="000000"/>
       </a:buClr>
       <a:buFont typeface="Arial"/>
-      <a:defRPr b="0" i="0" sz="1400" u="none" cap="none" strike="noStrike">
+      <a:defRPr sz="1400" b="0" i="0" u="none" strike="noStrike" cap="none">
         <a:solidFill>
           <a:srgbClr val="000000"/>
         </a:solidFill>
@@ -109,7 +109,7 @@
         <a:sym typeface="Arial"/>
       </a:defRPr>
     </a:lvl3pPr>
-    <a:lvl4pPr lvl="3" marR="0" rtl="0" algn="l">
+    <a:lvl4pPr marR="0" lvl="3" algn="l" rtl="0">
       <a:lnSpc>
         <a:spcPct val="100000"/>
       </a:lnSpc>
@@ -123,7 +123,7 @@
         <a:srgbClr val="000000"/>
       </a:buClr>
       <a:buFont typeface="Arial"/>
-      <a:defRPr b="0" i="0" sz="1400" u="none" cap="none" strike="noStrike">
+      <a:defRPr sz="1400" b="0" i="0" u="none" strike="noStrike" cap="none">
         <a:solidFill>
           <a:srgbClr val="000000"/>
         </a:solidFill>
@@ -133,7 +133,7 @@
         <a:sym typeface="Arial"/>
       </a:defRPr>
     </a:lvl4pPr>
-    <a:lvl5pPr lvl="4" marR="0" rtl="0" algn="l">
+    <a:lvl5pPr marR="0" lvl="4" algn="l" rtl="0">
       <a:lnSpc>
         <a:spcPct val="100000"/>
       </a:lnSpc>
@@ -147,7 +147,7 @@
         <a:srgbClr val="000000"/>
       </a:buClr>
       <a:buFont typeface="Arial"/>
-      <a:defRPr b="0" i="0" sz="1400" u="none" cap="none" strike="noStrike">
+      <a:defRPr sz="1400" b="0" i="0" u="none" strike="noStrike" cap="none">
         <a:solidFill>
           <a:srgbClr val="000000"/>
         </a:solidFill>
@@ -157,7 +157,7 @@
         <a:sym typeface="Arial"/>
       </a:defRPr>
     </a:lvl5pPr>
-    <a:lvl6pPr lvl="5" marR="0" rtl="0" algn="l">
+    <a:lvl6pPr marR="0" lvl="5" algn="l" rtl="0">
       <a:lnSpc>
         <a:spcPct val="100000"/>
       </a:lnSpc>
@@ -171,7 +171,7 @@
         <a:srgbClr val="000000"/>
       </a:buClr>
       <a:buFont typeface="Arial"/>
-      <a:defRPr b="0" i="0" sz="1400" u="none" cap="none" strike="noStrike">
+      <a:defRPr sz="1400" b="0" i="0" u="none" strike="noStrike" cap="none">
         <a:solidFill>
           <a:srgbClr val="000000"/>
         </a:solidFill>
@@ -181,7 +181,7 @@
         <a:sym typeface="Arial"/>
       </a:defRPr>
     </a:lvl6pPr>
-    <a:lvl7pPr lvl="6" marR="0" rtl="0" algn="l">
+    <a:lvl7pPr marR="0" lvl="6" algn="l" rtl="0">
       <a:lnSpc>
         <a:spcPct val="100000"/>
       </a:lnSpc>
@@ -195,7 +195,7 @@
         <a:srgbClr val="000000"/>
       </a:buClr>
       <a:buFont typeface="Arial"/>
-      <a:defRPr b="0" i="0" sz="1400" u="none" cap="none" strike="noStrike">
+      <a:defRPr sz="1400" b="0" i="0" u="none" strike="noStrike" cap="none">
         <a:solidFill>
           <a:srgbClr val="000000"/>
         </a:solidFill>
@@ -205,7 +205,7 @@
         <a:sym typeface="Arial"/>
       </a:defRPr>
     </a:lvl7pPr>
-    <a:lvl8pPr lvl="7" marR="0" rtl="0" algn="l">
+    <a:lvl8pPr marR="0" lvl="7" algn="l" rtl="0">
       <a:lnSpc>
         <a:spcPct val="100000"/>
       </a:lnSpc>
@@ -219,7 +219,7 @@
         <a:srgbClr val="000000"/>
       </a:buClr>
       <a:buFont typeface="Arial"/>
-      <a:defRPr b="0" i="0" sz="1400" u="none" cap="none" strike="noStrike">
+      <a:defRPr sz="1400" b="0" i="0" u="none" strike="noStrike" cap="none">
         <a:solidFill>
           <a:srgbClr val="000000"/>
         </a:solidFill>
@@ -229,7 +229,7 @@
         <a:sym typeface="Arial"/>
       </a:defRPr>
     </a:lvl8pPr>
-    <a:lvl9pPr lvl="8" marR="0" rtl="0" algn="l">
+    <a:lvl9pPr marR="0" lvl="8" algn="l" rtl="0">
       <a:lnSpc>
         <a:spcPct val="100000"/>
       </a:lnSpc>
@@ -243,7 +243,7 @@
         <a:srgbClr val="000000"/>
       </a:buClr>
       <a:buFont typeface="Arial"/>
-      <a:defRPr b="0" i="0" sz="1400" u="none" cap="none" strike="noStrike">
+      <a:defRPr sz="1400" b="0" i="0" u="none" strike="noStrike" cap="none">
         <a:solidFill>
           <a:srgbClr val="000000"/>
         </a:solidFill>
@@ -256,7 +256,7 @@
   </p:defaultTextStyle>
   <p:extLst>
     <p:ext uri="{EFAFB233-063F-42B5-8137-9DF3F51BA10A}">
-      <p15:sldGuideLst>
+      <p15:sldGuideLst xmlns:p15="http://schemas.microsoft.com/office/powerpoint/2012/main">
         <p15:guide id="1" orient="horz" pos="1620">
           <p15:clr>
             <a:srgbClr val="747775"/>
@@ -274,11 +274,16 @@
 </file>
 
 <file path=ppt/notesMasters/notesMaster1.xml><?xml version="1.0" encoding="utf-8"?>
-<p:notesMaster xmlns:a="http://schemas.openxmlformats.org/drawingml/2006/main" xmlns:r="http://schemas.openxmlformats.org/officeDocument/2006/relationships" xmlns:mc="http://schemas.openxmlformats.org/markup-compatibility/2006" xmlns:mv="urn:schemas-microsoft-com:mac:vml" xmlns:p="http://schemas.openxmlformats.org/presentationml/2006/main" xmlns:c="http://schemas.openxmlformats.org/drawingml/2006/chart" xmlns:dgm="http://schemas.openxmlformats.org/drawingml/2006/diagram" xmlns:o="urn:schemas-microsoft-com:office:office" xmlns:v="urn:schemas-microsoft-com:vml" xmlns:pvml="urn:schemas-microsoft-com:office:powerpoint" xmlns:com="http://schemas.openxmlformats.org/drawingml/2006/compatibility" xmlns:p14="http://schemas.microsoft.com/office/powerpoint/2010/main" xmlns:p15="http://schemas.microsoft.com/office/powerpoint/2012/main" xmlns:ahyp="http://schemas.microsoft.com/office/drawing/2018/hyperlinkcolor">
+<p:notesMaster xmlns:a="http://schemas.openxmlformats.org/drawingml/2006/main" xmlns:r="http://schemas.openxmlformats.org/officeDocument/2006/relationships" xmlns:p="http://schemas.openxmlformats.org/presentationml/2006/main">
   <p:cSld>
+    <p:bg>
+      <p:bgRef idx="1001">
+        <a:schemeClr val="bg1"/>
+      </p:bgRef>
+    </p:bg>
     <p:spTree>
       <p:nvGrpSpPr>
-        <p:cNvPr id="2" name="Shape 2"/>
+        <p:cNvPr id="1" name="Shape 2"/>
         <p:cNvGrpSpPr/>
         <p:nvPr/>
       </p:nvGrpSpPr>
@@ -293,9 +298,11 @@
       <p:sp>
         <p:nvSpPr>
           <p:cNvPr id="3" name="Google Shape;3;n"/>
-          <p:cNvSpPr/>
+          <p:cNvSpPr>
+            <a:spLocks noGrp="1" noRot="1" noChangeAspect="1"/>
+          </p:cNvSpPr>
           <p:nvPr>
-            <p:ph idx="2" type="sldImg"/>
+            <p:ph type="sldImg" idx="2"/>
           </p:nvPr>
         </p:nvSpPr>
         <p:spPr>
@@ -304,9 +311,13 @@
             <a:ext cx="6096075" cy="3429000"/>
           </a:xfrm>
           <a:custGeom>
-            <a:rect b="b" l="l" r="r" t="t"/>
+            <a:avLst/>
+            <a:gdLst/>
+            <a:ahLst/>
+            <a:cxnLst/>
+            <a:rect l="l" t="t" r="r" b="b"/>
             <a:pathLst>
-              <a:path extrusionOk="0" h="120000" w="120000">
+              <a:path w="120000" h="120000" extrusionOk="0">
                 <a:moveTo>
                   <a:pt x="0" y="0"/>
                 </a:moveTo>
@@ -324,23 +335,25 @@
             </a:pathLst>
           </a:custGeom>
           <a:noFill/>
-          <a:ln cap="flat" cmpd="sng" w="9525">
+          <a:ln w="9525" cap="flat" cmpd="sng">
             <a:solidFill>
               <a:srgbClr val="000000"/>
             </a:solidFill>
             <a:prstDash val="solid"/>
             <a:round/>
-            <a:headEnd len="sm" w="sm" type="none"/>
-            <a:tailEnd len="sm" w="sm" type="none"/>
+            <a:headEnd type="none" w="sm" len="sm"/>
+            <a:tailEnd type="none" w="sm" len="sm"/>
           </a:ln>
         </p:spPr>
       </p:sp>
       <p:sp>
         <p:nvSpPr>
           <p:cNvPr id="4" name="Google Shape;4;n"/>
-          <p:cNvSpPr txBox="1"/>
+          <p:cNvSpPr txBox="1">
+            <a:spLocks noGrp="1"/>
+          </p:cNvSpPr>
           <p:nvPr>
-            <p:ph idx="1" type="body"/>
+            <p:ph type="body" idx="1"/>
           </p:nvPr>
         </p:nvSpPr>
         <p:spPr>
@@ -357,11 +370,11 @@
           </a:ln>
         </p:spPr>
         <p:txBody>
-          <a:bodyPr anchorCtr="0" anchor="t" bIns="91425" lIns="91425" spcFirstLastPara="1" rIns="91425" wrap="square" tIns="91425">
+          <a:bodyPr spcFirstLastPara="1" wrap="square" lIns="91425" tIns="91425" rIns="91425" bIns="91425" anchor="t" anchorCtr="0">
             <a:noAutofit/>
           </a:bodyPr>
           <a:lstStyle>
-            <a:lvl1pPr indent="-298450" lvl="0" marL="457200">
+            <a:lvl1pPr marL="457200" lvl="0" indent="-298450">
               <a:spcBef>
                 <a:spcPts val="0"/>
               </a:spcBef>
@@ -372,7 +385,7 @@
               <a:buChar char="●"/>
               <a:defRPr sz="1100"/>
             </a:lvl1pPr>
-            <a:lvl2pPr indent="-298450" lvl="1" marL="914400">
+            <a:lvl2pPr marL="914400" lvl="1" indent="-298450">
               <a:spcBef>
                 <a:spcPts val="0"/>
               </a:spcBef>
@@ -383,7 +396,7 @@
               <a:buChar char="○"/>
               <a:defRPr sz="1100"/>
             </a:lvl2pPr>
-            <a:lvl3pPr indent="-298450" lvl="2" marL="1371600">
+            <a:lvl3pPr marL="1371600" lvl="2" indent="-298450">
               <a:spcBef>
                 <a:spcPts val="0"/>
               </a:spcBef>
@@ -394,7 +407,7 @@
               <a:buChar char="■"/>
               <a:defRPr sz="1100"/>
             </a:lvl3pPr>
-            <a:lvl4pPr indent="-298450" lvl="3" marL="1828800">
+            <a:lvl4pPr marL="1828800" lvl="3" indent="-298450">
               <a:spcBef>
                 <a:spcPts val="0"/>
               </a:spcBef>
@@ -405,7 +418,7 @@
               <a:buChar char="●"/>
               <a:defRPr sz="1100"/>
             </a:lvl4pPr>
-            <a:lvl5pPr indent="-298450" lvl="4" marL="2286000">
+            <a:lvl5pPr marL="2286000" lvl="4" indent="-298450">
               <a:spcBef>
                 <a:spcPts val="0"/>
               </a:spcBef>
@@ -416,7 +429,7 @@
               <a:buChar char="○"/>
               <a:defRPr sz="1100"/>
             </a:lvl5pPr>
-            <a:lvl6pPr indent="-298450" lvl="5" marL="2743200">
+            <a:lvl6pPr marL="2743200" lvl="5" indent="-298450">
               <a:spcBef>
                 <a:spcPts val="0"/>
               </a:spcBef>
@@ -427,7 +440,7 @@
               <a:buChar char="■"/>
               <a:defRPr sz="1100"/>
             </a:lvl6pPr>
-            <a:lvl7pPr indent="-298450" lvl="6" marL="3200400">
+            <a:lvl7pPr marL="3200400" lvl="6" indent="-298450">
               <a:spcBef>
                 <a:spcPts val="0"/>
               </a:spcBef>
@@ -438,7 +451,7 @@
               <a:buChar char="●"/>
               <a:defRPr sz="1100"/>
             </a:lvl7pPr>
-            <a:lvl8pPr indent="-298450" lvl="7" marL="3657600">
+            <a:lvl8pPr marL="3657600" lvl="7" indent="-298450">
               <a:spcBef>
                 <a:spcPts val="0"/>
               </a:spcBef>
@@ -449,7 +462,7 @@
               <a:buChar char="○"/>
               <a:defRPr sz="1100"/>
             </a:lvl8pPr>
-            <a:lvl9pPr indent="-298450" lvl="8" marL="4114800">
+            <a:lvl9pPr marL="4114800" lvl="8" indent="-298450">
               <a:spcBef>
                 <a:spcPts val="0"/>
               </a:spcBef>
@@ -461,14 +474,16 @@
               <a:defRPr sz="1100"/>
             </a:lvl9pPr>
           </a:lstStyle>
-          <a:p/>
+          <a:p>
+            <a:endParaRPr/>
+          </a:p>
         </p:txBody>
       </p:sp>
     </p:spTree>
   </p:cSld>
-  <p:clrMap accent1="accent1" accent2="accent2" accent3="accent3" accent4="accent4" accent5="accent5" accent6="accent6" bg1="lt1" bg2="dk2" tx1="dk1" tx2="lt2" folHlink="folHlink" hlink="hlink"/>
+  <p:clrMap bg1="lt1" tx1="dk1" bg2="dk2" tx2="lt2" accent1="accent1" accent2="accent2" accent3="accent3" accent4="accent4" accent5="accent5" accent6="accent6" hlink="hlink" folHlink="folHlink"/>
   <p:notesStyle>
-    <a:defPPr lvl="0" marR="0" rtl="0" algn="l">
+    <a:defPPr marR="0" lvl="0" algn="l" rtl="0">
       <a:lnSpc>
         <a:spcPct val="100000"/>
       </a:lnSpc>
@@ -479,7 +494,7 @@
         <a:spcPts val="0"/>
       </a:spcAft>
     </a:defPPr>
-    <a:lvl1pPr lvl="0" marR="0" rtl="0" algn="l">
+    <a:lvl1pPr marR="0" lvl="0" algn="l" rtl="0">
       <a:lnSpc>
         <a:spcPct val="100000"/>
       </a:lnSpc>
@@ -493,7 +508,7 @@
         <a:srgbClr val="000000"/>
       </a:buClr>
       <a:buFont typeface="Arial"/>
-      <a:defRPr b="0" i="0" sz="1400" u="none" cap="none" strike="noStrike">
+      <a:defRPr sz="1400" b="0" i="0" u="none" strike="noStrike" cap="none">
         <a:solidFill>
           <a:srgbClr val="000000"/>
         </a:solidFill>
@@ -503,7 +518,7 @@
         <a:sym typeface="Arial"/>
       </a:defRPr>
     </a:lvl1pPr>
-    <a:lvl2pPr lvl="1" marR="0" rtl="0" algn="l">
+    <a:lvl2pPr marR="0" lvl="1" algn="l" rtl="0">
       <a:lnSpc>
         <a:spcPct val="100000"/>
       </a:lnSpc>
@@ -517,7 +532,7 @@
         <a:srgbClr val="000000"/>
       </a:buClr>
       <a:buFont typeface="Arial"/>
-      <a:defRPr b="0" i="0" sz="1400" u="none" cap="none" strike="noStrike">
+      <a:defRPr sz="1400" b="0" i="0" u="none" strike="noStrike" cap="none">
         <a:solidFill>
           <a:srgbClr val="000000"/>
         </a:solidFill>
@@ -527,7 +542,7 @@
         <a:sym typeface="Arial"/>
       </a:defRPr>
     </a:lvl2pPr>
-    <a:lvl3pPr lvl="2" marR="0" rtl="0" algn="l">
+    <a:lvl3pPr marR="0" lvl="2" algn="l" rtl="0">
       <a:lnSpc>
         <a:spcPct val="100000"/>
       </a:lnSpc>
@@ -541,7 +556,7 @@
         <a:srgbClr val="000000"/>
       </a:buClr>
       <a:buFont typeface="Arial"/>
-      <a:defRPr b="0" i="0" sz="1400" u="none" cap="none" strike="noStrike">
+      <a:defRPr sz="1400" b="0" i="0" u="none" strike="noStrike" cap="none">
         <a:solidFill>
           <a:srgbClr val="000000"/>
         </a:solidFill>
@@ -551,7 +566,7 @@
         <a:sym typeface="Arial"/>
       </a:defRPr>
     </a:lvl3pPr>
-    <a:lvl4pPr lvl="3" marR="0" rtl="0" algn="l">
+    <a:lvl4pPr marR="0" lvl="3" algn="l" rtl="0">
       <a:lnSpc>
         <a:spcPct val="100000"/>
       </a:lnSpc>
@@ -565,7 +580,7 @@
         <a:srgbClr val="000000"/>
       </a:buClr>
       <a:buFont typeface="Arial"/>
-      <a:defRPr b="0" i="0" sz="1400" u="none" cap="none" strike="noStrike">
+      <a:defRPr sz="1400" b="0" i="0" u="none" strike="noStrike" cap="none">
         <a:solidFill>
           <a:srgbClr val="000000"/>
         </a:solidFill>
@@ -575,7 +590,7 @@
         <a:sym typeface="Arial"/>
       </a:defRPr>
     </a:lvl4pPr>
-    <a:lvl5pPr lvl="4" marR="0" rtl="0" algn="l">
+    <a:lvl5pPr marR="0" lvl="4" algn="l" rtl="0">
       <a:lnSpc>
         <a:spcPct val="100000"/>
       </a:lnSpc>
@@ -589,7 +604,7 @@
         <a:srgbClr val="000000"/>
       </a:buClr>
       <a:buFont typeface="Arial"/>
-      <a:defRPr b="0" i="0" sz="1400" u="none" cap="none" strike="noStrike">
+      <a:defRPr sz="1400" b="0" i="0" u="none" strike="noStrike" cap="none">
         <a:solidFill>
           <a:srgbClr val="000000"/>
         </a:solidFill>
@@ -599,7 +614,7 @@
         <a:sym typeface="Arial"/>
       </a:defRPr>
     </a:lvl5pPr>
-    <a:lvl6pPr lvl="5" marR="0" rtl="0" algn="l">
+    <a:lvl6pPr marR="0" lvl="5" algn="l" rtl="0">
       <a:lnSpc>
         <a:spcPct val="100000"/>
       </a:lnSpc>
@@ -613,7 +628,7 @@
         <a:srgbClr val="000000"/>
       </a:buClr>
       <a:buFont typeface="Arial"/>
-      <a:defRPr b="0" i="0" sz="1400" u="none" cap="none" strike="noStrike">
+      <a:defRPr sz="1400" b="0" i="0" u="none" strike="noStrike" cap="none">
         <a:solidFill>
           <a:srgbClr val="000000"/>
         </a:solidFill>
@@ -623,7 +638,7 @@
         <a:sym typeface="Arial"/>
       </a:defRPr>
     </a:lvl6pPr>
-    <a:lvl7pPr lvl="6" marR="0" rtl="0" algn="l">
+    <a:lvl7pPr marR="0" lvl="6" algn="l" rtl="0">
       <a:lnSpc>
         <a:spcPct val="100000"/>
       </a:lnSpc>
@@ -637,7 +652,7 @@
         <a:srgbClr val="000000"/>
       </a:buClr>
       <a:buFont typeface="Arial"/>
-      <a:defRPr b="0" i="0" sz="1400" u="none" cap="none" strike="noStrike">
+      <a:defRPr sz="1400" b="0" i="0" u="none" strike="noStrike" cap="none">
         <a:solidFill>
           <a:srgbClr val="000000"/>
         </a:solidFill>
@@ -647,7 +662,7 @@
         <a:sym typeface="Arial"/>
       </a:defRPr>
     </a:lvl7pPr>
-    <a:lvl8pPr lvl="7" marR="0" rtl="0" algn="l">
+    <a:lvl8pPr marR="0" lvl="7" algn="l" rtl="0">
       <a:lnSpc>
         <a:spcPct val="100000"/>
       </a:lnSpc>
@@ -661,7 +676,7 @@
         <a:srgbClr val="000000"/>
       </a:buClr>
       <a:buFont typeface="Arial"/>
-      <a:defRPr b="0" i="0" sz="1400" u="none" cap="none" strike="noStrike">
+      <a:defRPr sz="1400" b="0" i="0" u="none" strike="noStrike" cap="none">
         <a:solidFill>
           <a:srgbClr val="000000"/>
         </a:solidFill>
@@ -671,7 +686,7 @@
         <a:sym typeface="Arial"/>
       </a:defRPr>
     </a:lvl8pPr>
-    <a:lvl9pPr lvl="8" marR="0" rtl="0" algn="l">
+    <a:lvl9pPr marR="0" lvl="8" algn="l" rtl="0">
       <a:lnSpc>
         <a:spcPct val="100000"/>
       </a:lnSpc>
@@ -685,7 +700,7 @@
         <a:srgbClr val="000000"/>
       </a:buClr>
       <a:buFont typeface="Arial"/>
-      <a:defRPr b="0" i="0" sz="1400" u="none" cap="none" strike="noStrike">
+      <a:defRPr sz="1400" b="0" i="0" u="none" strike="noStrike" cap="none">
         <a:solidFill>
           <a:srgbClr val="000000"/>
         </a:solidFill>
@@ -700,11 +715,11 @@
 </file>
 
 <file path=ppt/notesSlides/notesSlide1.xml><?xml version="1.0" encoding="utf-8"?>
-<p:notes xmlns:a="http://schemas.openxmlformats.org/drawingml/2006/main" xmlns:r="http://schemas.openxmlformats.org/officeDocument/2006/relationships" xmlns:mc="http://schemas.openxmlformats.org/markup-compatibility/2006" xmlns:mv="urn:schemas-microsoft-com:mac:vml" xmlns:p="http://schemas.openxmlformats.org/presentationml/2006/main" xmlns:c="http://schemas.openxmlformats.org/drawingml/2006/chart" xmlns:dgm="http://schemas.openxmlformats.org/drawingml/2006/diagram" xmlns:o="urn:schemas-microsoft-com:office:office" xmlns:v="urn:schemas-microsoft-com:vml" xmlns:pvml="urn:schemas-microsoft-com:office:powerpoint" xmlns:com="http://schemas.openxmlformats.org/drawingml/2006/compatibility" xmlns:p14="http://schemas.microsoft.com/office/powerpoint/2010/main" xmlns:p15="http://schemas.microsoft.com/office/powerpoint/2012/main" xmlns:ahyp="http://schemas.microsoft.com/office/drawing/2018/hyperlinkcolor" showMasterPhAnim="0" showMasterSp="0">
+<p:notes xmlns:a="http://schemas.openxmlformats.org/drawingml/2006/main" xmlns:r="http://schemas.openxmlformats.org/officeDocument/2006/relationships" xmlns:p="http://schemas.openxmlformats.org/presentationml/2006/main" showMasterSp="0" showMasterPhAnim="0">
   <p:cSld>
     <p:spTree>
       <p:nvGrpSpPr>
-        <p:cNvPr id="50" name="Shape 50"/>
+        <p:cNvPr id="1" name="Shape 50"/>
         <p:cNvGrpSpPr/>
         <p:nvPr/>
       </p:nvGrpSpPr>
@@ -719,9 +734,11 @@
       <p:sp>
         <p:nvSpPr>
           <p:cNvPr id="51" name="Google Shape;51;p:notes"/>
-          <p:cNvSpPr/>
+          <p:cNvSpPr>
+            <a:spLocks noGrp="1" noRot="1" noChangeAspect="1"/>
+          </p:cNvSpPr>
           <p:nvPr>
-            <p:ph idx="2" type="sldImg"/>
+            <p:ph type="sldImg" idx="2"/>
           </p:nvPr>
         </p:nvSpPr>
         <p:spPr>
@@ -730,9 +747,13 @@
             <a:ext cx="6096075" cy="3429000"/>
           </a:xfrm>
           <a:custGeom>
-            <a:rect b="b" l="l" r="r" t="t"/>
+            <a:avLst/>
+            <a:gdLst/>
+            <a:ahLst/>
+            <a:cxnLst/>
+            <a:rect l="l" t="t" r="r" b="b"/>
             <a:pathLst>
-              <a:path extrusionOk="0" h="120000" w="120000">
+              <a:path w="120000" h="120000" extrusionOk="0">
                 <a:moveTo>
                   <a:pt x="0" y="0"/>
                 </a:moveTo>
@@ -754,9 +775,11 @@
       <p:sp>
         <p:nvSpPr>
           <p:cNvPr id="52" name="Google Shape;52;p:notes"/>
-          <p:cNvSpPr txBox="1"/>
+          <p:cNvSpPr txBox="1">
+            <a:spLocks noGrp="1"/>
+          </p:cNvSpPr>
           <p:nvPr>
-            <p:ph idx="1" type="body"/>
+            <p:ph type="body" idx="1"/>
           </p:nvPr>
         </p:nvSpPr>
         <p:spPr>
@@ -769,12 +792,12 @@
           </a:prstGeom>
         </p:spPr>
         <p:txBody>
-          <a:bodyPr anchorCtr="0" anchor="t" bIns="91425" lIns="91425" spcFirstLastPara="1" rIns="91425" wrap="square" tIns="91425">
+          <a:bodyPr spcFirstLastPara="1" wrap="square" lIns="91425" tIns="91425" rIns="91425" bIns="91425" anchor="t" anchorCtr="0">
             <a:noAutofit/>
           </a:bodyPr>
           <a:lstStyle/>
           <a:p>
-            <a:pPr indent="0" lvl="0" marL="0" rtl="0" algn="l">
+            <a:pPr marL="0" lvl="0" indent="0" algn="l" rtl="0">
               <a:spcBef>
                 <a:spcPts val="0"/>
               </a:spcBef>
@@ -783,9 +806,6 @@
               </a:spcAft>
               <a:buNone/>
             </a:pPr>
-            <a:r>
-              <a:t/>
-            </a:r>
             <a:endParaRPr/>
           </a:p>
         </p:txBody>
@@ -799,11 +819,11 @@
 </file>
 
 <file path=ppt/notesSlides/notesSlide10.xml><?xml version="1.0" encoding="utf-8"?>
-<p:notes xmlns:a="http://schemas.openxmlformats.org/drawingml/2006/main" xmlns:r="http://schemas.openxmlformats.org/officeDocument/2006/relationships" xmlns:mc="http://schemas.openxmlformats.org/markup-compatibility/2006" xmlns:mv="urn:schemas-microsoft-com:mac:vml" xmlns:p="http://schemas.openxmlformats.org/presentationml/2006/main" xmlns:c="http://schemas.openxmlformats.org/drawingml/2006/chart" xmlns:dgm="http://schemas.openxmlformats.org/drawingml/2006/diagram" xmlns:o="urn:schemas-microsoft-com:office:office" xmlns:v="urn:schemas-microsoft-com:vml" xmlns:pvml="urn:schemas-microsoft-com:office:powerpoint" xmlns:com="http://schemas.openxmlformats.org/drawingml/2006/compatibility" xmlns:p14="http://schemas.microsoft.com/office/powerpoint/2010/main" xmlns:p15="http://schemas.microsoft.com/office/powerpoint/2012/main" xmlns:ahyp="http://schemas.microsoft.com/office/drawing/2018/hyperlinkcolor" showMasterPhAnim="0" showMasterSp="0">
+<p:notes xmlns:a="http://schemas.openxmlformats.org/drawingml/2006/main" xmlns:r="http://schemas.openxmlformats.org/officeDocument/2006/relationships" xmlns:p="http://schemas.openxmlformats.org/presentationml/2006/main" showMasterSp="0" showMasterPhAnim="0">
   <p:cSld>
     <p:spTree>
       <p:nvGrpSpPr>
-        <p:cNvPr id="109" name="Shape 109"/>
+        <p:cNvPr id="1" name="Shape 109"/>
         <p:cNvGrpSpPr/>
         <p:nvPr/>
       </p:nvGrpSpPr>
@@ -818,9 +838,11 @@
       <p:sp>
         <p:nvSpPr>
           <p:cNvPr id="110" name="Google Shape;110;g2fd6564d57e_0_70:notes"/>
-          <p:cNvSpPr/>
+          <p:cNvSpPr>
+            <a:spLocks noGrp="1" noRot="1" noChangeAspect="1"/>
+          </p:cNvSpPr>
           <p:nvPr>
-            <p:ph idx="2" type="sldImg"/>
+            <p:ph type="sldImg" idx="2"/>
           </p:nvPr>
         </p:nvSpPr>
         <p:spPr>
@@ -829,9 +851,13 @@
             <a:ext cx="6096000" cy="3429000"/>
           </a:xfrm>
           <a:custGeom>
-            <a:rect b="b" l="l" r="r" t="t"/>
+            <a:avLst/>
+            <a:gdLst/>
+            <a:ahLst/>
+            <a:cxnLst/>
+            <a:rect l="l" t="t" r="r" b="b"/>
             <a:pathLst>
-              <a:path extrusionOk="0" h="120000" w="120000">
+              <a:path w="120000" h="120000" extrusionOk="0">
                 <a:moveTo>
                   <a:pt x="0" y="0"/>
                 </a:moveTo>
@@ -853,9 +879,11 @@
       <p:sp>
         <p:nvSpPr>
           <p:cNvPr id="111" name="Google Shape;111;g2fd6564d57e_0_70:notes"/>
-          <p:cNvSpPr txBox="1"/>
+          <p:cNvSpPr txBox="1">
+            <a:spLocks noGrp="1"/>
+          </p:cNvSpPr>
           <p:nvPr>
-            <p:ph idx="1" type="body"/>
+            <p:ph type="body" idx="1"/>
           </p:nvPr>
         </p:nvSpPr>
         <p:spPr>
@@ -868,12 +896,12 @@
           </a:prstGeom>
         </p:spPr>
         <p:txBody>
-          <a:bodyPr anchorCtr="0" anchor="t" bIns="91425" lIns="91425" spcFirstLastPara="1" rIns="91425" wrap="square" tIns="91425">
+          <a:bodyPr spcFirstLastPara="1" wrap="square" lIns="91425" tIns="91425" rIns="91425" bIns="91425" anchor="t" anchorCtr="0">
             <a:noAutofit/>
           </a:bodyPr>
           <a:lstStyle/>
           <a:p>
-            <a:pPr indent="0" lvl="0" marL="0" rtl="0" algn="l">
+            <a:pPr marL="0" lvl="0" indent="0" algn="l" rtl="0">
               <a:spcBef>
                 <a:spcPts val="0"/>
               </a:spcBef>
@@ -882,9 +910,6 @@
               </a:spcAft>
               <a:buNone/>
             </a:pPr>
-            <a:r>
-              <a:t/>
-            </a:r>
             <a:endParaRPr/>
           </a:p>
         </p:txBody>
@@ -898,11 +923,11 @@
 </file>
 
 <file path=ppt/notesSlides/notesSlide11.xml><?xml version="1.0" encoding="utf-8"?>
-<p:notes xmlns:a="http://schemas.openxmlformats.org/drawingml/2006/main" xmlns:r="http://schemas.openxmlformats.org/officeDocument/2006/relationships" xmlns:mc="http://schemas.openxmlformats.org/markup-compatibility/2006" xmlns:mv="urn:schemas-microsoft-com:mac:vml" xmlns:p="http://schemas.openxmlformats.org/presentationml/2006/main" xmlns:c="http://schemas.openxmlformats.org/drawingml/2006/chart" xmlns:dgm="http://schemas.openxmlformats.org/drawingml/2006/diagram" xmlns:o="urn:schemas-microsoft-com:office:office" xmlns:v="urn:schemas-microsoft-com:vml" xmlns:pvml="urn:schemas-microsoft-com:office:powerpoint" xmlns:com="http://schemas.openxmlformats.org/drawingml/2006/compatibility" xmlns:p14="http://schemas.microsoft.com/office/powerpoint/2010/main" xmlns:p15="http://schemas.microsoft.com/office/powerpoint/2012/main" xmlns:ahyp="http://schemas.microsoft.com/office/drawing/2018/hyperlinkcolor" showMasterPhAnim="0" showMasterSp="0">
+<p:notes xmlns:a="http://schemas.openxmlformats.org/drawingml/2006/main" xmlns:r="http://schemas.openxmlformats.org/officeDocument/2006/relationships" xmlns:p="http://schemas.openxmlformats.org/presentationml/2006/main" showMasterSp="0" showMasterPhAnim="0">
   <p:cSld>
     <p:spTree>
       <p:nvGrpSpPr>
-        <p:cNvPr id="115" name="Shape 115"/>
+        <p:cNvPr id="1" name="Shape 115"/>
         <p:cNvGrpSpPr/>
         <p:nvPr/>
       </p:nvGrpSpPr>
@@ -917,9 +942,11 @@
       <p:sp>
         <p:nvSpPr>
           <p:cNvPr id="116" name="Google Shape;116;g2fd6564d57e_0_77:notes"/>
-          <p:cNvSpPr/>
+          <p:cNvSpPr>
+            <a:spLocks noGrp="1" noRot="1" noChangeAspect="1"/>
+          </p:cNvSpPr>
           <p:nvPr>
-            <p:ph idx="2" type="sldImg"/>
+            <p:ph type="sldImg" idx="2"/>
           </p:nvPr>
         </p:nvSpPr>
         <p:spPr>
@@ -928,9 +955,13 @@
             <a:ext cx="6096000" cy="3429000"/>
           </a:xfrm>
           <a:custGeom>
-            <a:rect b="b" l="l" r="r" t="t"/>
+            <a:avLst/>
+            <a:gdLst/>
+            <a:ahLst/>
+            <a:cxnLst/>
+            <a:rect l="l" t="t" r="r" b="b"/>
             <a:pathLst>
-              <a:path extrusionOk="0" h="120000" w="120000">
+              <a:path w="120000" h="120000" extrusionOk="0">
                 <a:moveTo>
                   <a:pt x="0" y="0"/>
                 </a:moveTo>
@@ -952,9 +983,11 @@
       <p:sp>
         <p:nvSpPr>
           <p:cNvPr id="117" name="Google Shape;117;g2fd6564d57e_0_77:notes"/>
-          <p:cNvSpPr txBox="1"/>
+          <p:cNvSpPr txBox="1">
+            <a:spLocks noGrp="1"/>
+          </p:cNvSpPr>
           <p:nvPr>
-            <p:ph idx="1" type="body"/>
+            <p:ph type="body" idx="1"/>
           </p:nvPr>
         </p:nvSpPr>
         <p:spPr>
@@ -967,12 +1000,12 @@
           </a:prstGeom>
         </p:spPr>
         <p:txBody>
-          <a:bodyPr anchorCtr="0" anchor="t" bIns="91425" lIns="91425" spcFirstLastPara="1" rIns="91425" wrap="square" tIns="91425">
+          <a:bodyPr spcFirstLastPara="1" wrap="square" lIns="91425" tIns="91425" rIns="91425" bIns="91425" anchor="t" anchorCtr="0">
             <a:noAutofit/>
           </a:bodyPr>
           <a:lstStyle/>
           <a:p>
-            <a:pPr indent="0" lvl="0" marL="0" rtl="0" algn="l">
+            <a:pPr marL="0" lvl="0" indent="0" algn="l" rtl="0">
               <a:spcBef>
                 <a:spcPts val="0"/>
               </a:spcBef>
@@ -981,9 +1014,6 @@
               </a:spcAft>
               <a:buNone/>
             </a:pPr>
-            <a:r>
-              <a:t/>
-            </a:r>
             <a:endParaRPr/>
           </a:p>
         </p:txBody>
@@ -997,11 +1027,11 @@
 </file>
 
 <file path=ppt/notesSlides/notesSlide12.xml><?xml version="1.0" encoding="utf-8"?>
-<p:notes xmlns:a="http://schemas.openxmlformats.org/drawingml/2006/main" xmlns:r="http://schemas.openxmlformats.org/officeDocument/2006/relationships" xmlns:mc="http://schemas.openxmlformats.org/markup-compatibility/2006" xmlns:mv="urn:schemas-microsoft-com:mac:vml" xmlns:p="http://schemas.openxmlformats.org/presentationml/2006/main" xmlns:c="http://schemas.openxmlformats.org/drawingml/2006/chart" xmlns:dgm="http://schemas.openxmlformats.org/drawingml/2006/diagram" xmlns:o="urn:schemas-microsoft-com:office:office" xmlns:v="urn:schemas-microsoft-com:vml" xmlns:pvml="urn:schemas-microsoft-com:office:powerpoint" xmlns:com="http://schemas.openxmlformats.org/drawingml/2006/compatibility" xmlns:p14="http://schemas.microsoft.com/office/powerpoint/2010/main" xmlns:p15="http://schemas.microsoft.com/office/powerpoint/2012/main" xmlns:ahyp="http://schemas.microsoft.com/office/drawing/2018/hyperlinkcolor" showMasterPhAnim="0" showMasterSp="0">
+<p:notes xmlns:a="http://schemas.openxmlformats.org/drawingml/2006/main" xmlns:r="http://schemas.openxmlformats.org/officeDocument/2006/relationships" xmlns:p="http://schemas.openxmlformats.org/presentationml/2006/main" showMasterSp="0" showMasterPhAnim="0">
   <p:cSld>
     <p:spTree>
       <p:nvGrpSpPr>
-        <p:cNvPr id="121" name="Shape 121"/>
+        <p:cNvPr id="1" name="Shape 121"/>
         <p:cNvGrpSpPr/>
         <p:nvPr/>
       </p:nvGrpSpPr>
@@ -1016,20 +1046,26 @@
       <p:sp>
         <p:nvSpPr>
           <p:cNvPr id="122" name="Google Shape;122;g2fe0effd923_0_0:notes"/>
-          <p:cNvSpPr/>
+          <p:cNvSpPr>
+            <a:spLocks noGrp="1" noRot="1" noChangeAspect="1"/>
+          </p:cNvSpPr>
           <p:nvPr>
-            <p:ph idx="2" type="sldImg"/>
+            <p:ph type="sldImg" idx="2"/>
           </p:nvPr>
         </p:nvSpPr>
         <p:spPr>
           <a:xfrm>
-            <a:off x="381300" y="685800"/>
+            <a:off x="381000" y="685800"/>
             <a:ext cx="6096000" cy="3429000"/>
           </a:xfrm>
           <a:custGeom>
-            <a:rect b="b" l="l" r="r" t="t"/>
+            <a:avLst/>
+            <a:gdLst/>
+            <a:ahLst/>
+            <a:cxnLst/>
+            <a:rect l="l" t="t" r="r" b="b"/>
             <a:pathLst>
-              <a:path extrusionOk="0" h="120000" w="120000">
+              <a:path w="120000" h="120000" extrusionOk="0">
                 <a:moveTo>
                   <a:pt x="0" y="0"/>
                 </a:moveTo>
@@ -1051,9 +1087,11 @@
       <p:sp>
         <p:nvSpPr>
           <p:cNvPr id="123" name="Google Shape;123;g2fe0effd923_0_0:notes"/>
-          <p:cNvSpPr txBox="1"/>
+          <p:cNvSpPr txBox="1">
+            <a:spLocks noGrp="1"/>
+          </p:cNvSpPr>
           <p:nvPr>
-            <p:ph idx="1" type="body"/>
+            <p:ph type="body" idx="1"/>
           </p:nvPr>
         </p:nvSpPr>
         <p:spPr>
@@ -1066,12 +1104,12 @@
           </a:prstGeom>
         </p:spPr>
         <p:txBody>
-          <a:bodyPr anchorCtr="0" anchor="t" bIns="91425" lIns="91425" spcFirstLastPara="1" rIns="91425" wrap="square" tIns="91425">
+          <a:bodyPr spcFirstLastPara="1" wrap="square" lIns="91425" tIns="91425" rIns="91425" bIns="91425" anchor="t" anchorCtr="0">
             <a:noAutofit/>
           </a:bodyPr>
           <a:lstStyle/>
           <a:p>
-            <a:pPr indent="0" lvl="0" marL="0" rtl="0" algn="l">
+            <a:pPr marL="0" lvl="0" indent="0" algn="l" rtl="0">
               <a:spcBef>
                 <a:spcPts val="0"/>
               </a:spcBef>
@@ -1080,9 +1118,6 @@
               </a:spcAft>
               <a:buNone/>
             </a:pPr>
-            <a:r>
-              <a:t/>
-            </a:r>
             <a:endParaRPr/>
           </a:p>
         </p:txBody>
@@ -1096,11 +1131,11 @@
 </file>
 
 <file path=ppt/notesSlides/notesSlide13.xml><?xml version="1.0" encoding="utf-8"?>
-<p:notes xmlns:a="http://schemas.openxmlformats.org/drawingml/2006/main" xmlns:r="http://schemas.openxmlformats.org/officeDocument/2006/relationships" xmlns:mc="http://schemas.openxmlformats.org/markup-compatibility/2006" xmlns:mv="urn:schemas-microsoft-com:mac:vml" xmlns:p="http://schemas.openxmlformats.org/presentationml/2006/main" xmlns:c="http://schemas.openxmlformats.org/drawingml/2006/chart" xmlns:dgm="http://schemas.openxmlformats.org/drawingml/2006/diagram" xmlns:o="urn:schemas-microsoft-com:office:office" xmlns:v="urn:schemas-microsoft-com:vml" xmlns:pvml="urn:schemas-microsoft-com:office:powerpoint" xmlns:com="http://schemas.openxmlformats.org/drawingml/2006/compatibility" xmlns:p14="http://schemas.microsoft.com/office/powerpoint/2010/main" xmlns:p15="http://schemas.microsoft.com/office/powerpoint/2012/main" xmlns:ahyp="http://schemas.microsoft.com/office/drawing/2018/hyperlinkcolor" showMasterPhAnim="0" showMasterSp="0">
+<p:notes xmlns:a="http://schemas.openxmlformats.org/drawingml/2006/main" xmlns:r="http://schemas.openxmlformats.org/officeDocument/2006/relationships" xmlns:p="http://schemas.openxmlformats.org/presentationml/2006/main" showMasterSp="0" showMasterPhAnim="0">
   <p:cSld>
     <p:spTree>
       <p:nvGrpSpPr>
-        <p:cNvPr id="127" name="Shape 127"/>
+        <p:cNvPr id="1" name="Shape 127"/>
         <p:cNvGrpSpPr/>
         <p:nvPr/>
       </p:nvGrpSpPr>
@@ -1115,9 +1150,11 @@
       <p:sp>
         <p:nvSpPr>
           <p:cNvPr id="128" name="Google Shape;128;g2fd6564d57e_0_83:notes"/>
-          <p:cNvSpPr/>
+          <p:cNvSpPr>
+            <a:spLocks noGrp="1" noRot="1" noChangeAspect="1"/>
+          </p:cNvSpPr>
           <p:nvPr>
-            <p:ph idx="2" type="sldImg"/>
+            <p:ph type="sldImg" idx="2"/>
           </p:nvPr>
         </p:nvSpPr>
         <p:spPr>
@@ -1126,9 +1163,13 @@
             <a:ext cx="6096000" cy="3429000"/>
           </a:xfrm>
           <a:custGeom>
-            <a:rect b="b" l="l" r="r" t="t"/>
+            <a:avLst/>
+            <a:gdLst/>
+            <a:ahLst/>
+            <a:cxnLst/>
+            <a:rect l="l" t="t" r="r" b="b"/>
             <a:pathLst>
-              <a:path extrusionOk="0" h="120000" w="120000">
+              <a:path w="120000" h="120000" extrusionOk="0">
                 <a:moveTo>
                   <a:pt x="0" y="0"/>
                 </a:moveTo>
@@ -1150,9 +1191,11 @@
       <p:sp>
         <p:nvSpPr>
           <p:cNvPr id="129" name="Google Shape;129;g2fd6564d57e_0_83:notes"/>
-          <p:cNvSpPr txBox="1"/>
+          <p:cNvSpPr txBox="1">
+            <a:spLocks noGrp="1"/>
+          </p:cNvSpPr>
           <p:nvPr>
-            <p:ph idx="1" type="body"/>
+            <p:ph type="body" idx="1"/>
           </p:nvPr>
         </p:nvSpPr>
         <p:spPr>
@@ -1165,12 +1208,12 @@
           </a:prstGeom>
         </p:spPr>
         <p:txBody>
-          <a:bodyPr anchorCtr="0" anchor="t" bIns="91425" lIns="91425" spcFirstLastPara="1" rIns="91425" wrap="square" tIns="91425">
+          <a:bodyPr spcFirstLastPara="1" wrap="square" lIns="91425" tIns="91425" rIns="91425" bIns="91425" anchor="t" anchorCtr="0">
             <a:noAutofit/>
           </a:bodyPr>
           <a:lstStyle/>
           <a:p>
-            <a:pPr indent="0" lvl="0" marL="0" rtl="0" algn="l">
+            <a:pPr marL="0" lvl="0" indent="0" algn="l" rtl="0">
               <a:spcBef>
                 <a:spcPts val="0"/>
               </a:spcBef>
@@ -1179,9 +1222,6 @@
               </a:spcAft>
               <a:buNone/>
             </a:pPr>
-            <a:r>
-              <a:t/>
-            </a:r>
             <a:endParaRPr/>
           </a:p>
         </p:txBody>
@@ -1195,11 +1235,11 @@
 </file>
 
 <file path=ppt/notesSlides/notesSlide14.xml><?xml version="1.0" encoding="utf-8"?>
-<p:notes xmlns:a="http://schemas.openxmlformats.org/drawingml/2006/main" xmlns:r="http://schemas.openxmlformats.org/officeDocument/2006/relationships" xmlns:mc="http://schemas.openxmlformats.org/markup-compatibility/2006" xmlns:mv="urn:schemas-microsoft-com:mac:vml" xmlns:p="http://schemas.openxmlformats.org/presentationml/2006/main" xmlns:c="http://schemas.openxmlformats.org/drawingml/2006/chart" xmlns:dgm="http://schemas.openxmlformats.org/drawingml/2006/diagram" xmlns:o="urn:schemas-microsoft-com:office:office" xmlns:v="urn:schemas-microsoft-com:vml" xmlns:pvml="urn:schemas-microsoft-com:office:powerpoint" xmlns:com="http://schemas.openxmlformats.org/drawingml/2006/compatibility" xmlns:p14="http://schemas.microsoft.com/office/powerpoint/2010/main" xmlns:p15="http://schemas.microsoft.com/office/powerpoint/2012/main" xmlns:ahyp="http://schemas.microsoft.com/office/drawing/2018/hyperlinkcolor" showMasterPhAnim="0" showMasterSp="0">
+<p:notes xmlns:a="http://schemas.openxmlformats.org/drawingml/2006/main" xmlns:r="http://schemas.openxmlformats.org/officeDocument/2006/relationships" xmlns:p="http://schemas.openxmlformats.org/presentationml/2006/main" showMasterSp="0" showMasterPhAnim="0">
   <p:cSld>
     <p:spTree>
       <p:nvGrpSpPr>
-        <p:cNvPr id="133" name="Shape 133"/>
+        <p:cNvPr id="1" name="Shape 133"/>
         <p:cNvGrpSpPr/>
         <p:nvPr/>
       </p:nvGrpSpPr>
@@ -1214,20 +1254,26 @@
       <p:sp>
         <p:nvSpPr>
           <p:cNvPr id="134" name="Google Shape;134;g2fd6564d57e_0_89:notes"/>
-          <p:cNvSpPr/>
+          <p:cNvSpPr>
+            <a:spLocks noGrp="1" noRot="1" noChangeAspect="1"/>
+          </p:cNvSpPr>
           <p:nvPr>
-            <p:ph idx="2" type="sldImg"/>
+            <p:ph type="sldImg" idx="2"/>
           </p:nvPr>
         </p:nvSpPr>
         <p:spPr>
           <a:xfrm>
-            <a:off x="381300" y="685800"/>
+            <a:off x="381000" y="685800"/>
             <a:ext cx="6096000" cy="3429000"/>
           </a:xfrm>
           <a:custGeom>
-            <a:rect b="b" l="l" r="r" t="t"/>
+            <a:avLst/>
+            <a:gdLst/>
+            <a:ahLst/>
+            <a:cxnLst/>
+            <a:rect l="l" t="t" r="r" b="b"/>
             <a:pathLst>
-              <a:path extrusionOk="0" h="120000" w="120000">
+              <a:path w="120000" h="120000" extrusionOk="0">
                 <a:moveTo>
                   <a:pt x="0" y="0"/>
                 </a:moveTo>
@@ -1249,9 +1295,11 @@
       <p:sp>
         <p:nvSpPr>
           <p:cNvPr id="135" name="Google Shape;135;g2fd6564d57e_0_89:notes"/>
-          <p:cNvSpPr txBox="1"/>
+          <p:cNvSpPr txBox="1">
+            <a:spLocks noGrp="1"/>
+          </p:cNvSpPr>
           <p:nvPr>
-            <p:ph idx="1" type="body"/>
+            <p:ph type="body" idx="1"/>
           </p:nvPr>
         </p:nvSpPr>
         <p:spPr>
@@ -1264,12 +1312,12 @@
           </a:prstGeom>
         </p:spPr>
         <p:txBody>
-          <a:bodyPr anchorCtr="0" anchor="t" bIns="91425" lIns="91425" spcFirstLastPara="1" rIns="91425" wrap="square" tIns="91425">
+          <a:bodyPr spcFirstLastPara="1" wrap="square" lIns="91425" tIns="91425" rIns="91425" bIns="91425" anchor="t" anchorCtr="0">
             <a:noAutofit/>
           </a:bodyPr>
           <a:lstStyle/>
           <a:p>
-            <a:pPr indent="0" lvl="0" marL="0" rtl="0" algn="l">
+            <a:pPr marL="0" lvl="0" indent="0" algn="l" rtl="0">
               <a:spcBef>
                 <a:spcPts val="0"/>
               </a:spcBef>
@@ -1278,9 +1326,6 @@
               </a:spcAft>
               <a:buNone/>
             </a:pPr>
-            <a:r>
-              <a:t/>
-            </a:r>
             <a:endParaRPr/>
           </a:p>
         </p:txBody>
@@ -1294,11 +1339,11 @@
 </file>
 
 <file path=ppt/notesSlides/notesSlide2.xml><?xml version="1.0" encoding="utf-8"?>
-<p:notes xmlns:a="http://schemas.openxmlformats.org/drawingml/2006/main" xmlns:r="http://schemas.openxmlformats.org/officeDocument/2006/relationships" xmlns:mc="http://schemas.openxmlformats.org/markup-compatibility/2006" xmlns:mv="urn:schemas-microsoft-com:mac:vml" xmlns:p="http://schemas.openxmlformats.org/presentationml/2006/main" xmlns:c="http://schemas.openxmlformats.org/drawingml/2006/chart" xmlns:dgm="http://schemas.openxmlformats.org/drawingml/2006/diagram" xmlns:o="urn:schemas-microsoft-com:office:office" xmlns:v="urn:schemas-microsoft-com:vml" xmlns:pvml="urn:schemas-microsoft-com:office:powerpoint" xmlns:com="http://schemas.openxmlformats.org/drawingml/2006/compatibility" xmlns:p14="http://schemas.microsoft.com/office/powerpoint/2010/main" xmlns:p15="http://schemas.microsoft.com/office/powerpoint/2012/main" xmlns:ahyp="http://schemas.microsoft.com/office/drawing/2018/hyperlinkcolor" showMasterPhAnim="0" showMasterSp="0">
+<p:notes xmlns:a="http://schemas.openxmlformats.org/drawingml/2006/main" xmlns:r="http://schemas.openxmlformats.org/officeDocument/2006/relationships" xmlns:p="http://schemas.openxmlformats.org/presentationml/2006/main" showMasterSp="0" showMasterPhAnim="0">
   <p:cSld>
     <p:spTree>
       <p:nvGrpSpPr>
-        <p:cNvPr id="57" name="Shape 57"/>
+        <p:cNvPr id="1" name="Shape 57"/>
         <p:cNvGrpSpPr/>
         <p:nvPr/>
       </p:nvGrpSpPr>
@@ -1313,9 +1358,11 @@
       <p:sp>
         <p:nvSpPr>
           <p:cNvPr id="58" name="Google Shape;58;g2fd653d279f_0_10:notes"/>
-          <p:cNvSpPr/>
+          <p:cNvSpPr>
+            <a:spLocks noGrp="1" noRot="1" noChangeAspect="1"/>
+          </p:cNvSpPr>
           <p:nvPr>
-            <p:ph idx="2" type="sldImg"/>
+            <p:ph type="sldImg" idx="2"/>
           </p:nvPr>
         </p:nvSpPr>
         <p:spPr>
@@ -1324,9 +1371,13 @@
             <a:ext cx="6096000" cy="3429000"/>
           </a:xfrm>
           <a:custGeom>
-            <a:rect b="b" l="l" r="r" t="t"/>
+            <a:avLst/>
+            <a:gdLst/>
+            <a:ahLst/>
+            <a:cxnLst/>
+            <a:rect l="l" t="t" r="r" b="b"/>
             <a:pathLst>
-              <a:path extrusionOk="0" h="120000" w="120000">
+              <a:path w="120000" h="120000" extrusionOk="0">
                 <a:moveTo>
                   <a:pt x="0" y="0"/>
                 </a:moveTo>
@@ -1348,9 +1399,11 @@
       <p:sp>
         <p:nvSpPr>
           <p:cNvPr id="59" name="Google Shape;59;g2fd653d279f_0_10:notes"/>
-          <p:cNvSpPr txBox="1"/>
+          <p:cNvSpPr txBox="1">
+            <a:spLocks noGrp="1"/>
+          </p:cNvSpPr>
           <p:nvPr>
-            <p:ph idx="1" type="body"/>
+            <p:ph type="body" idx="1"/>
           </p:nvPr>
         </p:nvSpPr>
         <p:spPr>
@@ -1363,12 +1416,12 @@
           </a:prstGeom>
         </p:spPr>
         <p:txBody>
-          <a:bodyPr anchorCtr="0" anchor="t" bIns="91425" lIns="91425" spcFirstLastPara="1" rIns="91425" wrap="square" tIns="91425">
+          <a:bodyPr spcFirstLastPara="1" wrap="square" lIns="91425" tIns="91425" rIns="91425" bIns="91425" anchor="t" anchorCtr="0">
             <a:noAutofit/>
           </a:bodyPr>
           <a:lstStyle/>
           <a:p>
-            <a:pPr indent="0" lvl="0" marL="0" rtl="0" algn="l">
+            <a:pPr marL="0" lvl="0" indent="0" algn="l" rtl="0">
               <a:spcBef>
                 <a:spcPts val="0"/>
               </a:spcBef>
@@ -1377,9 +1430,6 @@
               </a:spcAft>
               <a:buNone/>
             </a:pPr>
-            <a:r>
-              <a:t/>
-            </a:r>
             <a:endParaRPr/>
           </a:p>
         </p:txBody>
@@ -1393,11 +1443,11 @@
 </file>
 
 <file path=ppt/notesSlides/notesSlide3.xml><?xml version="1.0" encoding="utf-8"?>
-<p:notes xmlns:a="http://schemas.openxmlformats.org/drawingml/2006/main" xmlns:r="http://schemas.openxmlformats.org/officeDocument/2006/relationships" xmlns:mc="http://schemas.openxmlformats.org/markup-compatibility/2006" xmlns:mv="urn:schemas-microsoft-com:mac:vml" xmlns:p="http://schemas.openxmlformats.org/presentationml/2006/main" xmlns:c="http://schemas.openxmlformats.org/drawingml/2006/chart" xmlns:dgm="http://schemas.openxmlformats.org/drawingml/2006/diagram" xmlns:o="urn:schemas-microsoft-com:office:office" xmlns:v="urn:schemas-microsoft-com:vml" xmlns:pvml="urn:schemas-microsoft-com:office:powerpoint" xmlns:com="http://schemas.openxmlformats.org/drawingml/2006/compatibility" xmlns:p14="http://schemas.microsoft.com/office/powerpoint/2010/main" xmlns:p15="http://schemas.microsoft.com/office/powerpoint/2012/main" xmlns:ahyp="http://schemas.microsoft.com/office/drawing/2018/hyperlinkcolor" showMasterPhAnim="0" showMasterSp="0">
+<p:notes xmlns:a="http://schemas.openxmlformats.org/drawingml/2006/main" xmlns:r="http://schemas.openxmlformats.org/officeDocument/2006/relationships" xmlns:p="http://schemas.openxmlformats.org/presentationml/2006/main" showMasterSp="0" showMasterPhAnim="0">
   <p:cSld>
     <p:spTree>
       <p:nvGrpSpPr>
-        <p:cNvPr id="63" name="Shape 63"/>
+        <p:cNvPr id="1" name="Shape 63"/>
         <p:cNvGrpSpPr/>
         <p:nvPr/>
       </p:nvGrpSpPr>
@@ -1412,9 +1462,11 @@
       <p:sp>
         <p:nvSpPr>
           <p:cNvPr id="64" name="Google Shape;64;g2fd6564d57e_0_5:notes"/>
-          <p:cNvSpPr/>
+          <p:cNvSpPr>
+            <a:spLocks noGrp="1" noRot="1" noChangeAspect="1"/>
+          </p:cNvSpPr>
           <p:nvPr>
-            <p:ph idx="2" type="sldImg"/>
+            <p:ph type="sldImg" idx="2"/>
           </p:nvPr>
         </p:nvSpPr>
         <p:spPr>
@@ -1423,9 +1475,13 @@
             <a:ext cx="6096000" cy="3429000"/>
           </a:xfrm>
           <a:custGeom>
-            <a:rect b="b" l="l" r="r" t="t"/>
+            <a:avLst/>
+            <a:gdLst/>
+            <a:ahLst/>
+            <a:cxnLst/>
+            <a:rect l="l" t="t" r="r" b="b"/>
             <a:pathLst>
-              <a:path extrusionOk="0" h="120000" w="120000">
+              <a:path w="120000" h="120000" extrusionOk="0">
                 <a:moveTo>
                   <a:pt x="0" y="0"/>
                 </a:moveTo>
@@ -1447,9 +1503,11 @@
       <p:sp>
         <p:nvSpPr>
           <p:cNvPr id="65" name="Google Shape;65;g2fd6564d57e_0_5:notes"/>
-          <p:cNvSpPr txBox="1"/>
+          <p:cNvSpPr txBox="1">
+            <a:spLocks noGrp="1"/>
+          </p:cNvSpPr>
           <p:nvPr>
-            <p:ph idx="1" type="body"/>
+            <p:ph type="body" idx="1"/>
           </p:nvPr>
         </p:nvSpPr>
         <p:spPr>
@@ -1462,12 +1520,12 @@
           </a:prstGeom>
         </p:spPr>
         <p:txBody>
-          <a:bodyPr anchorCtr="0" anchor="t" bIns="91425" lIns="91425" spcFirstLastPara="1" rIns="91425" wrap="square" tIns="91425">
+          <a:bodyPr spcFirstLastPara="1" wrap="square" lIns="91425" tIns="91425" rIns="91425" bIns="91425" anchor="t" anchorCtr="0">
             <a:noAutofit/>
           </a:bodyPr>
           <a:lstStyle/>
           <a:p>
-            <a:pPr indent="0" lvl="0" marL="0" rtl="0" algn="l">
+            <a:pPr marL="0" lvl="0" indent="0" algn="l" rtl="0">
               <a:spcBef>
                 <a:spcPts val="0"/>
               </a:spcBef>
@@ -1476,9 +1534,6 @@
               </a:spcAft>
               <a:buNone/>
             </a:pPr>
-            <a:r>
-              <a:t/>
-            </a:r>
             <a:endParaRPr/>
           </a:p>
         </p:txBody>
@@ -1492,11 +1547,11 @@
 </file>
 
 <file path=ppt/notesSlides/notesSlide4.xml><?xml version="1.0" encoding="utf-8"?>
-<p:notes xmlns:a="http://schemas.openxmlformats.org/drawingml/2006/main" xmlns:r="http://schemas.openxmlformats.org/officeDocument/2006/relationships" xmlns:mc="http://schemas.openxmlformats.org/markup-compatibility/2006" xmlns:mv="urn:schemas-microsoft-com:mac:vml" xmlns:p="http://schemas.openxmlformats.org/presentationml/2006/main" xmlns:c="http://schemas.openxmlformats.org/drawingml/2006/chart" xmlns:dgm="http://schemas.openxmlformats.org/drawingml/2006/diagram" xmlns:o="urn:schemas-microsoft-com:office:office" xmlns:v="urn:schemas-microsoft-com:vml" xmlns:pvml="urn:schemas-microsoft-com:office:powerpoint" xmlns:com="http://schemas.openxmlformats.org/drawingml/2006/compatibility" xmlns:p14="http://schemas.microsoft.com/office/powerpoint/2010/main" xmlns:p15="http://schemas.microsoft.com/office/powerpoint/2012/main" xmlns:ahyp="http://schemas.microsoft.com/office/drawing/2018/hyperlinkcolor" showMasterPhAnim="0" showMasterSp="0">
+<p:notes xmlns:a="http://schemas.openxmlformats.org/drawingml/2006/main" xmlns:r="http://schemas.openxmlformats.org/officeDocument/2006/relationships" xmlns:p="http://schemas.openxmlformats.org/presentationml/2006/main" showMasterSp="0" showMasterPhAnim="0">
   <p:cSld>
     <p:spTree>
       <p:nvGrpSpPr>
-        <p:cNvPr id="69" name="Shape 69"/>
+        <p:cNvPr id="1" name="Shape 69"/>
         <p:cNvGrpSpPr/>
         <p:nvPr/>
       </p:nvGrpSpPr>
@@ -1511,9 +1566,11 @@
       <p:sp>
         <p:nvSpPr>
           <p:cNvPr id="70" name="Google Shape;70;g2fd6564d57e_0_14:notes"/>
-          <p:cNvSpPr/>
+          <p:cNvSpPr>
+            <a:spLocks noGrp="1" noRot="1" noChangeAspect="1"/>
+          </p:cNvSpPr>
           <p:nvPr>
-            <p:ph idx="2" type="sldImg"/>
+            <p:ph type="sldImg" idx="2"/>
           </p:nvPr>
         </p:nvSpPr>
         <p:spPr>
@@ -1522,9 +1579,13 @@
             <a:ext cx="6096000" cy="3429000"/>
           </a:xfrm>
           <a:custGeom>
-            <a:rect b="b" l="l" r="r" t="t"/>
+            <a:avLst/>
+            <a:gdLst/>
+            <a:ahLst/>
+            <a:cxnLst/>
+            <a:rect l="l" t="t" r="r" b="b"/>
             <a:pathLst>
-              <a:path extrusionOk="0" h="120000" w="120000">
+              <a:path w="120000" h="120000" extrusionOk="0">
                 <a:moveTo>
                   <a:pt x="0" y="0"/>
                 </a:moveTo>
@@ -1546,9 +1607,11 @@
       <p:sp>
         <p:nvSpPr>
           <p:cNvPr id="71" name="Google Shape;71;g2fd6564d57e_0_14:notes"/>
-          <p:cNvSpPr txBox="1"/>
+          <p:cNvSpPr txBox="1">
+            <a:spLocks noGrp="1"/>
+          </p:cNvSpPr>
           <p:nvPr>
-            <p:ph idx="1" type="body"/>
+            <p:ph type="body" idx="1"/>
           </p:nvPr>
         </p:nvSpPr>
         <p:spPr>
@@ -1561,12 +1624,12 @@
           </a:prstGeom>
         </p:spPr>
         <p:txBody>
-          <a:bodyPr anchorCtr="0" anchor="t" bIns="91425" lIns="91425" spcFirstLastPara="1" rIns="91425" wrap="square" tIns="91425">
+          <a:bodyPr spcFirstLastPara="1" wrap="square" lIns="91425" tIns="91425" rIns="91425" bIns="91425" anchor="t" anchorCtr="0">
             <a:noAutofit/>
           </a:bodyPr>
           <a:lstStyle/>
           <a:p>
-            <a:pPr indent="0" lvl="0" marL="0" rtl="0" algn="l">
+            <a:pPr marL="0" lvl="0" indent="0" algn="l" rtl="0">
               <a:spcBef>
                 <a:spcPts val="0"/>
               </a:spcBef>
@@ -1575,9 +1638,6 @@
               </a:spcAft>
               <a:buNone/>
             </a:pPr>
-            <a:r>
-              <a:t/>
-            </a:r>
             <a:endParaRPr/>
           </a:p>
         </p:txBody>
@@ -1591,11 +1651,11 @@
 </file>
 
 <file path=ppt/notesSlides/notesSlide5.xml><?xml version="1.0" encoding="utf-8"?>
-<p:notes xmlns:a="http://schemas.openxmlformats.org/drawingml/2006/main" xmlns:r="http://schemas.openxmlformats.org/officeDocument/2006/relationships" xmlns:mc="http://schemas.openxmlformats.org/markup-compatibility/2006" xmlns:mv="urn:schemas-microsoft-com:mac:vml" xmlns:p="http://schemas.openxmlformats.org/presentationml/2006/main" xmlns:c="http://schemas.openxmlformats.org/drawingml/2006/chart" xmlns:dgm="http://schemas.openxmlformats.org/drawingml/2006/diagram" xmlns:o="urn:schemas-microsoft-com:office:office" xmlns:v="urn:schemas-microsoft-com:vml" xmlns:pvml="urn:schemas-microsoft-com:office:powerpoint" xmlns:com="http://schemas.openxmlformats.org/drawingml/2006/compatibility" xmlns:p14="http://schemas.microsoft.com/office/powerpoint/2010/main" xmlns:p15="http://schemas.microsoft.com/office/powerpoint/2012/main" xmlns:ahyp="http://schemas.microsoft.com/office/drawing/2018/hyperlinkcolor" showMasterPhAnim="0" showMasterSp="0">
+<p:notes xmlns:a="http://schemas.openxmlformats.org/drawingml/2006/main" xmlns:r="http://schemas.openxmlformats.org/officeDocument/2006/relationships" xmlns:p="http://schemas.openxmlformats.org/presentationml/2006/main" showMasterSp="0" showMasterPhAnim="0">
   <p:cSld>
     <p:spTree>
       <p:nvGrpSpPr>
-        <p:cNvPr id="75" name="Shape 75"/>
+        <p:cNvPr id="1" name="Shape 75"/>
         <p:cNvGrpSpPr/>
         <p:nvPr/>
       </p:nvGrpSpPr>
@@ -1610,9 +1670,11 @@
       <p:sp>
         <p:nvSpPr>
           <p:cNvPr id="76" name="Google Shape;76;g2fd6564d57e_0_21:notes"/>
-          <p:cNvSpPr/>
+          <p:cNvSpPr>
+            <a:spLocks noGrp="1" noRot="1" noChangeAspect="1"/>
+          </p:cNvSpPr>
           <p:nvPr>
-            <p:ph idx="2" type="sldImg"/>
+            <p:ph type="sldImg" idx="2"/>
           </p:nvPr>
         </p:nvSpPr>
         <p:spPr>
@@ -1621,9 +1683,13 @@
             <a:ext cx="6096000" cy="3429000"/>
           </a:xfrm>
           <a:custGeom>
-            <a:rect b="b" l="l" r="r" t="t"/>
+            <a:avLst/>
+            <a:gdLst/>
+            <a:ahLst/>
+            <a:cxnLst/>
+            <a:rect l="l" t="t" r="r" b="b"/>
             <a:pathLst>
-              <a:path extrusionOk="0" h="120000" w="120000">
+              <a:path w="120000" h="120000" extrusionOk="0">
                 <a:moveTo>
                   <a:pt x="0" y="0"/>
                 </a:moveTo>
@@ -1645,9 +1711,11 @@
       <p:sp>
         <p:nvSpPr>
           <p:cNvPr id="77" name="Google Shape;77;g2fd6564d57e_0_21:notes"/>
-          <p:cNvSpPr txBox="1"/>
+          <p:cNvSpPr txBox="1">
+            <a:spLocks noGrp="1"/>
+          </p:cNvSpPr>
           <p:nvPr>
-            <p:ph idx="1" type="body"/>
+            <p:ph type="body" idx="1"/>
           </p:nvPr>
         </p:nvSpPr>
         <p:spPr>
@@ -1660,12 +1728,12 @@
           </a:prstGeom>
         </p:spPr>
         <p:txBody>
-          <a:bodyPr anchorCtr="0" anchor="t" bIns="91425" lIns="91425" spcFirstLastPara="1" rIns="91425" wrap="square" tIns="91425">
+          <a:bodyPr spcFirstLastPara="1" wrap="square" lIns="91425" tIns="91425" rIns="91425" bIns="91425" anchor="t" anchorCtr="0">
             <a:noAutofit/>
           </a:bodyPr>
           <a:lstStyle/>
           <a:p>
-            <a:pPr indent="0" lvl="0" marL="0" rtl="0" algn="l">
+            <a:pPr marL="0" lvl="0" indent="0" algn="l" rtl="0">
               <a:spcBef>
                 <a:spcPts val="0"/>
               </a:spcBef>
@@ -1674,9 +1742,6 @@
               </a:spcAft>
               <a:buNone/>
             </a:pPr>
-            <a:r>
-              <a:t/>
-            </a:r>
             <a:endParaRPr/>
           </a:p>
         </p:txBody>
@@ -1690,11 +1755,11 @@
 </file>
 
 <file path=ppt/notesSlides/notesSlide6.xml><?xml version="1.0" encoding="utf-8"?>
-<p:notes xmlns:a="http://schemas.openxmlformats.org/drawingml/2006/main" xmlns:r="http://schemas.openxmlformats.org/officeDocument/2006/relationships" xmlns:mc="http://schemas.openxmlformats.org/markup-compatibility/2006" xmlns:mv="urn:schemas-microsoft-com:mac:vml" xmlns:p="http://schemas.openxmlformats.org/presentationml/2006/main" xmlns:c="http://schemas.openxmlformats.org/drawingml/2006/chart" xmlns:dgm="http://schemas.openxmlformats.org/drawingml/2006/diagram" xmlns:o="urn:schemas-microsoft-com:office:office" xmlns:v="urn:schemas-microsoft-com:vml" xmlns:pvml="urn:schemas-microsoft-com:office:powerpoint" xmlns:com="http://schemas.openxmlformats.org/drawingml/2006/compatibility" xmlns:p14="http://schemas.microsoft.com/office/powerpoint/2010/main" xmlns:p15="http://schemas.microsoft.com/office/powerpoint/2012/main" xmlns:ahyp="http://schemas.microsoft.com/office/drawing/2018/hyperlinkcolor" showMasterPhAnim="0" showMasterSp="0">
+<p:notes xmlns:a="http://schemas.openxmlformats.org/drawingml/2006/main" xmlns:r="http://schemas.openxmlformats.org/officeDocument/2006/relationships" xmlns:p="http://schemas.openxmlformats.org/presentationml/2006/main" showMasterSp="0" showMasterPhAnim="0">
   <p:cSld>
     <p:spTree>
       <p:nvGrpSpPr>
-        <p:cNvPr id="82" name="Shape 82"/>
+        <p:cNvPr id="1" name="Shape 82"/>
         <p:cNvGrpSpPr/>
         <p:nvPr/>
       </p:nvGrpSpPr>
@@ -1709,9 +1774,11 @@
       <p:sp>
         <p:nvSpPr>
           <p:cNvPr id="83" name="Google Shape;83;g2fd6564d57e_0_29:notes"/>
-          <p:cNvSpPr/>
+          <p:cNvSpPr>
+            <a:spLocks noGrp="1" noRot="1" noChangeAspect="1"/>
+          </p:cNvSpPr>
           <p:nvPr>
-            <p:ph idx="2" type="sldImg"/>
+            <p:ph type="sldImg" idx="2"/>
           </p:nvPr>
         </p:nvSpPr>
         <p:spPr>
@@ -1720,9 +1787,13 @@
             <a:ext cx="6096000" cy="3429000"/>
           </a:xfrm>
           <a:custGeom>
-            <a:rect b="b" l="l" r="r" t="t"/>
+            <a:avLst/>
+            <a:gdLst/>
+            <a:ahLst/>
+            <a:cxnLst/>
+            <a:rect l="l" t="t" r="r" b="b"/>
             <a:pathLst>
-              <a:path extrusionOk="0" h="120000" w="120000">
+              <a:path w="120000" h="120000" extrusionOk="0">
                 <a:moveTo>
                   <a:pt x="0" y="0"/>
                 </a:moveTo>
@@ -1744,9 +1815,11 @@
       <p:sp>
         <p:nvSpPr>
           <p:cNvPr id="84" name="Google Shape;84;g2fd6564d57e_0_29:notes"/>
-          <p:cNvSpPr txBox="1"/>
+          <p:cNvSpPr txBox="1">
+            <a:spLocks noGrp="1"/>
+          </p:cNvSpPr>
           <p:nvPr>
-            <p:ph idx="1" type="body"/>
+            <p:ph type="body" idx="1"/>
           </p:nvPr>
         </p:nvSpPr>
         <p:spPr>
@@ -1759,12 +1832,12 @@
           </a:prstGeom>
         </p:spPr>
         <p:txBody>
-          <a:bodyPr anchorCtr="0" anchor="t" bIns="91425" lIns="91425" spcFirstLastPara="1" rIns="91425" wrap="square" tIns="91425">
+          <a:bodyPr spcFirstLastPara="1" wrap="square" lIns="91425" tIns="91425" rIns="91425" bIns="91425" anchor="t" anchorCtr="0">
             <a:noAutofit/>
           </a:bodyPr>
           <a:lstStyle/>
           <a:p>
-            <a:pPr indent="0" lvl="0" marL="0" rtl="0" algn="l">
+            <a:pPr marL="0" lvl="0" indent="0" algn="l" rtl="0">
               <a:spcBef>
                 <a:spcPts val="0"/>
               </a:spcBef>
@@ -1773,9 +1846,6 @@
               </a:spcAft>
               <a:buNone/>
             </a:pPr>
-            <a:r>
-              <a:t/>
-            </a:r>
             <a:endParaRPr/>
           </a:p>
         </p:txBody>
@@ -1789,11 +1859,11 @@
 </file>
 
 <file path=ppt/notesSlides/notesSlide7.xml><?xml version="1.0" encoding="utf-8"?>
-<p:notes xmlns:a="http://schemas.openxmlformats.org/drawingml/2006/main" xmlns:r="http://schemas.openxmlformats.org/officeDocument/2006/relationships" xmlns:mc="http://schemas.openxmlformats.org/markup-compatibility/2006" xmlns:mv="urn:schemas-microsoft-com:mac:vml" xmlns:p="http://schemas.openxmlformats.org/presentationml/2006/main" xmlns:c="http://schemas.openxmlformats.org/drawingml/2006/chart" xmlns:dgm="http://schemas.openxmlformats.org/drawingml/2006/diagram" xmlns:o="urn:schemas-microsoft-com:office:office" xmlns:v="urn:schemas-microsoft-com:vml" xmlns:pvml="urn:schemas-microsoft-com:office:powerpoint" xmlns:com="http://schemas.openxmlformats.org/drawingml/2006/compatibility" xmlns:p14="http://schemas.microsoft.com/office/powerpoint/2010/main" xmlns:p15="http://schemas.microsoft.com/office/powerpoint/2012/main" xmlns:ahyp="http://schemas.microsoft.com/office/drawing/2018/hyperlinkcolor" showMasterPhAnim="0" showMasterSp="0">
+<p:notes xmlns:a="http://schemas.openxmlformats.org/drawingml/2006/main" xmlns:r="http://schemas.openxmlformats.org/officeDocument/2006/relationships" xmlns:p="http://schemas.openxmlformats.org/presentationml/2006/main" showMasterSp="0" showMasterPhAnim="0">
   <p:cSld>
     <p:spTree>
       <p:nvGrpSpPr>
-        <p:cNvPr id="88" name="Shape 88"/>
+        <p:cNvPr id="1" name="Shape 88"/>
         <p:cNvGrpSpPr/>
         <p:nvPr/>
       </p:nvGrpSpPr>
@@ -1808,9 +1878,11 @@
       <p:sp>
         <p:nvSpPr>
           <p:cNvPr id="89" name="Google Shape;89;g2fd6564d57e_0_44:notes"/>
-          <p:cNvSpPr/>
+          <p:cNvSpPr>
+            <a:spLocks noGrp="1" noRot="1" noChangeAspect="1"/>
+          </p:cNvSpPr>
           <p:nvPr>
-            <p:ph idx="2" type="sldImg"/>
+            <p:ph type="sldImg" idx="2"/>
           </p:nvPr>
         </p:nvSpPr>
         <p:spPr>
@@ -1819,9 +1891,13 @@
             <a:ext cx="6096000" cy="3429000"/>
           </a:xfrm>
           <a:custGeom>
-            <a:rect b="b" l="l" r="r" t="t"/>
+            <a:avLst/>
+            <a:gdLst/>
+            <a:ahLst/>
+            <a:cxnLst/>
+            <a:rect l="l" t="t" r="r" b="b"/>
             <a:pathLst>
-              <a:path extrusionOk="0" h="120000" w="120000">
+              <a:path w="120000" h="120000" extrusionOk="0">
                 <a:moveTo>
                   <a:pt x="0" y="0"/>
                 </a:moveTo>
@@ -1843,9 +1919,11 @@
       <p:sp>
         <p:nvSpPr>
           <p:cNvPr id="90" name="Google Shape;90;g2fd6564d57e_0_44:notes"/>
-          <p:cNvSpPr txBox="1"/>
+          <p:cNvSpPr txBox="1">
+            <a:spLocks noGrp="1"/>
+          </p:cNvSpPr>
           <p:nvPr>
-            <p:ph idx="1" type="body"/>
+            <p:ph type="body" idx="1"/>
           </p:nvPr>
         </p:nvSpPr>
         <p:spPr>
@@ -1858,12 +1936,12 @@
           </a:prstGeom>
         </p:spPr>
         <p:txBody>
-          <a:bodyPr anchorCtr="0" anchor="t" bIns="91425" lIns="91425" spcFirstLastPara="1" rIns="91425" wrap="square" tIns="91425">
+          <a:bodyPr spcFirstLastPara="1" wrap="square" lIns="91425" tIns="91425" rIns="91425" bIns="91425" anchor="t" anchorCtr="0">
             <a:noAutofit/>
           </a:bodyPr>
           <a:lstStyle/>
           <a:p>
-            <a:pPr indent="0" lvl="0" marL="0" rtl="0" algn="l">
+            <a:pPr marL="0" lvl="0" indent="0" algn="l" rtl="0">
               <a:spcBef>
                 <a:spcPts val="0"/>
               </a:spcBef>
@@ -1872,9 +1950,6 @@
               </a:spcAft>
               <a:buNone/>
             </a:pPr>
-            <a:r>
-              <a:t/>
-            </a:r>
             <a:endParaRPr/>
           </a:p>
         </p:txBody>
@@ -1888,11 +1963,11 @@
 </file>
 
 <file path=ppt/notesSlides/notesSlide8.xml><?xml version="1.0" encoding="utf-8"?>
-<p:notes xmlns:a="http://schemas.openxmlformats.org/drawingml/2006/main" xmlns:r="http://schemas.openxmlformats.org/officeDocument/2006/relationships" xmlns:mc="http://schemas.openxmlformats.org/markup-compatibility/2006" xmlns:mv="urn:schemas-microsoft-com:mac:vml" xmlns:p="http://schemas.openxmlformats.org/presentationml/2006/main" xmlns:c="http://schemas.openxmlformats.org/drawingml/2006/chart" xmlns:dgm="http://schemas.openxmlformats.org/drawingml/2006/diagram" xmlns:o="urn:schemas-microsoft-com:office:office" xmlns:v="urn:schemas-microsoft-com:vml" xmlns:pvml="urn:schemas-microsoft-com:office:powerpoint" xmlns:com="http://schemas.openxmlformats.org/drawingml/2006/compatibility" xmlns:p14="http://schemas.microsoft.com/office/powerpoint/2010/main" xmlns:p15="http://schemas.microsoft.com/office/powerpoint/2012/main" xmlns:ahyp="http://schemas.microsoft.com/office/drawing/2018/hyperlinkcolor" showMasterPhAnim="0" showMasterSp="0">
+<p:notes xmlns:a="http://schemas.openxmlformats.org/drawingml/2006/main" xmlns:r="http://schemas.openxmlformats.org/officeDocument/2006/relationships" xmlns:p="http://schemas.openxmlformats.org/presentationml/2006/main" showMasterSp="0" showMasterPhAnim="0">
   <p:cSld>
     <p:spTree>
       <p:nvGrpSpPr>
-        <p:cNvPr id="94" name="Shape 94"/>
+        <p:cNvPr id="1" name="Shape 94"/>
         <p:cNvGrpSpPr/>
         <p:nvPr/>
       </p:nvGrpSpPr>
@@ -1907,9 +1982,11 @@
       <p:sp>
         <p:nvSpPr>
           <p:cNvPr id="95" name="Google Shape;95;g2fd6564d57e_0_36:notes"/>
-          <p:cNvSpPr/>
+          <p:cNvSpPr>
+            <a:spLocks noGrp="1" noRot="1" noChangeAspect="1"/>
+          </p:cNvSpPr>
           <p:nvPr>
-            <p:ph idx="2" type="sldImg"/>
+            <p:ph type="sldImg" idx="2"/>
           </p:nvPr>
         </p:nvSpPr>
         <p:spPr>
@@ -1918,9 +1995,13 @@
             <a:ext cx="6096000" cy="3429000"/>
           </a:xfrm>
           <a:custGeom>
-            <a:rect b="b" l="l" r="r" t="t"/>
+            <a:avLst/>
+            <a:gdLst/>
+            <a:ahLst/>
+            <a:cxnLst/>
+            <a:rect l="l" t="t" r="r" b="b"/>
             <a:pathLst>
-              <a:path extrusionOk="0" h="120000" w="120000">
+              <a:path w="120000" h="120000" extrusionOk="0">
                 <a:moveTo>
                   <a:pt x="0" y="0"/>
                 </a:moveTo>
@@ -1942,9 +2023,11 @@
       <p:sp>
         <p:nvSpPr>
           <p:cNvPr id="96" name="Google Shape;96;g2fd6564d57e_0_36:notes"/>
-          <p:cNvSpPr txBox="1"/>
+          <p:cNvSpPr txBox="1">
+            <a:spLocks noGrp="1"/>
+          </p:cNvSpPr>
           <p:nvPr>
-            <p:ph idx="1" type="body"/>
+            <p:ph type="body" idx="1"/>
           </p:nvPr>
         </p:nvSpPr>
         <p:spPr>
@@ -1957,12 +2040,12 @@
           </a:prstGeom>
         </p:spPr>
         <p:txBody>
-          <a:bodyPr anchorCtr="0" anchor="t" bIns="91425" lIns="91425" spcFirstLastPara="1" rIns="91425" wrap="square" tIns="91425">
+          <a:bodyPr spcFirstLastPara="1" wrap="square" lIns="91425" tIns="91425" rIns="91425" bIns="91425" anchor="t" anchorCtr="0">
             <a:noAutofit/>
           </a:bodyPr>
           <a:lstStyle/>
           <a:p>
-            <a:pPr indent="0" lvl="0" marL="0" rtl="0" algn="l">
+            <a:pPr marL="0" lvl="0" indent="0" algn="l" rtl="0">
               <a:spcBef>
                 <a:spcPts val="0"/>
               </a:spcBef>
@@ -1971,9 +2054,6 @@
               </a:spcAft>
               <a:buNone/>
             </a:pPr>
-            <a:r>
-              <a:t/>
-            </a:r>
             <a:endParaRPr/>
           </a:p>
         </p:txBody>
@@ -1987,11 +2067,11 @@
 </file>
 
 <file path=ppt/notesSlides/notesSlide9.xml><?xml version="1.0" encoding="utf-8"?>
-<p:notes xmlns:a="http://schemas.openxmlformats.org/drawingml/2006/main" xmlns:r="http://schemas.openxmlformats.org/officeDocument/2006/relationships" xmlns:mc="http://schemas.openxmlformats.org/markup-compatibility/2006" xmlns:mv="urn:schemas-microsoft-com:mac:vml" xmlns:p="http://schemas.openxmlformats.org/presentationml/2006/main" xmlns:c="http://schemas.openxmlformats.org/drawingml/2006/chart" xmlns:dgm="http://schemas.openxmlformats.org/drawingml/2006/diagram" xmlns:o="urn:schemas-microsoft-com:office:office" xmlns:v="urn:schemas-microsoft-com:vml" xmlns:pvml="urn:schemas-microsoft-com:office:powerpoint" xmlns:com="http://schemas.openxmlformats.org/drawingml/2006/compatibility" xmlns:p14="http://schemas.microsoft.com/office/powerpoint/2010/main" xmlns:p15="http://schemas.microsoft.com/office/powerpoint/2012/main" xmlns:ahyp="http://schemas.microsoft.com/office/drawing/2018/hyperlinkcolor" showMasterPhAnim="0" showMasterSp="0">
+<p:notes xmlns:a="http://schemas.openxmlformats.org/drawingml/2006/main" xmlns:r="http://schemas.openxmlformats.org/officeDocument/2006/relationships" xmlns:p="http://schemas.openxmlformats.org/presentationml/2006/main" showMasterSp="0" showMasterPhAnim="0">
   <p:cSld>
     <p:spTree>
       <p:nvGrpSpPr>
-        <p:cNvPr id="101" name="Shape 101"/>
+        <p:cNvPr id="1" name="Shape 101"/>
         <p:cNvGrpSpPr/>
         <p:nvPr/>
       </p:nvGrpSpPr>
@@ -2006,9 +2086,11 @@
       <p:sp>
         <p:nvSpPr>
           <p:cNvPr id="102" name="Google Shape;102;g2fd6564d57e_0_51:notes"/>
-          <p:cNvSpPr/>
+          <p:cNvSpPr>
+            <a:spLocks noGrp="1" noRot="1" noChangeAspect="1"/>
+          </p:cNvSpPr>
           <p:nvPr>
-            <p:ph idx="2" type="sldImg"/>
+            <p:ph type="sldImg" idx="2"/>
           </p:nvPr>
         </p:nvSpPr>
         <p:spPr>
@@ -2017,9 +2099,13 @@
             <a:ext cx="6096000" cy="3429000"/>
           </a:xfrm>
           <a:custGeom>
-            <a:rect b="b" l="l" r="r" t="t"/>
+            <a:avLst/>
+            <a:gdLst/>
+            <a:ahLst/>
+            <a:cxnLst/>
+            <a:rect l="l" t="t" r="r" b="b"/>
             <a:pathLst>
-              <a:path extrusionOk="0" h="120000" w="120000">
+              <a:path w="120000" h="120000" extrusionOk="0">
                 <a:moveTo>
                   <a:pt x="0" y="0"/>
                 </a:moveTo>
@@ -2041,9 +2127,11 @@
       <p:sp>
         <p:nvSpPr>
           <p:cNvPr id="103" name="Google Shape;103;g2fd6564d57e_0_51:notes"/>
-          <p:cNvSpPr txBox="1"/>
+          <p:cNvSpPr txBox="1">
+            <a:spLocks noGrp="1"/>
+          </p:cNvSpPr>
           <p:nvPr>
-            <p:ph idx="1" type="body"/>
+            <p:ph type="body" idx="1"/>
           </p:nvPr>
         </p:nvSpPr>
         <p:spPr>
@@ -2056,12 +2144,12 @@
           </a:prstGeom>
         </p:spPr>
         <p:txBody>
-          <a:bodyPr anchorCtr="0" anchor="t" bIns="91425" lIns="91425" spcFirstLastPara="1" rIns="91425" wrap="square" tIns="91425">
+          <a:bodyPr spcFirstLastPara="1" wrap="square" lIns="91425" tIns="91425" rIns="91425" bIns="91425" anchor="t" anchorCtr="0">
             <a:noAutofit/>
           </a:bodyPr>
           <a:lstStyle/>
           <a:p>
-            <a:pPr indent="0" lvl="0" marL="0" rtl="0" algn="l">
+            <a:pPr marL="0" lvl="0" indent="0" algn="l" rtl="0">
               <a:spcBef>
                 <a:spcPts val="0"/>
               </a:spcBef>
@@ -2070,9 +2158,6 @@
               </a:spcAft>
               <a:buNone/>
             </a:pPr>
-            <a:r>
-              <a:t/>
-            </a:r>
             <a:endParaRPr/>
           </a:p>
         </p:txBody>
@@ -2086,11 +2171,11 @@
 </file>
 
 <file path=ppt/slideLayouts/slideLayout1.xml><?xml version="1.0" encoding="utf-8"?>
-<p:sldLayout xmlns:a="http://schemas.openxmlformats.org/drawingml/2006/main" xmlns:r="http://schemas.openxmlformats.org/officeDocument/2006/relationships" xmlns:mc="http://schemas.openxmlformats.org/markup-compatibility/2006" xmlns:mv="urn:schemas-microsoft-com:mac:vml" xmlns:p="http://schemas.openxmlformats.org/presentationml/2006/main" xmlns:c="http://schemas.openxmlformats.org/drawingml/2006/chart" xmlns:dgm="http://schemas.openxmlformats.org/drawingml/2006/diagram" xmlns:o="urn:schemas-microsoft-com:office:office" xmlns:v="urn:schemas-microsoft-com:vml" xmlns:pvml="urn:schemas-microsoft-com:office:powerpoint" xmlns:com="http://schemas.openxmlformats.org/drawingml/2006/compatibility" xmlns:p14="http://schemas.microsoft.com/office/powerpoint/2010/main" xmlns:p15="http://schemas.microsoft.com/office/powerpoint/2012/main" xmlns:ahyp="http://schemas.microsoft.com/office/drawing/2018/hyperlinkcolor" matchingName="Title slide" type="title">
+<p:sldLayout xmlns:a="http://schemas.openxmlformats.org/drawingml/2006/main" xmlns:r="http://schemas.openxmlformats.org/officeDocument/2006/relationships" xmlns:p="http://schemas.openxmlformats.org/presentationml/2006/main" matchingName="Title slide" type="title">
   <p:cSld name="TITLE">
     <p:spTree>
       <p:nvGrpSpPr>
-        <p:cNvPr id="9" name="Shape 9"/>
+        <p:cNvPr id="1" name="Shape 9"/>
         <p:cNvGrpSpPr/>
         <p:nvPr/>
       </p:nvGrpSpPr>
@@ -2105,7 +2190,9 @@
       <p:sp>
         <p:nvSpPr>
           <p:cNvPr id="10" name="Google Shape;10;p2"/>
-          <p:cNvSpPr txBox="1"/>
+          <p:cNvSpPr txBox="1">
+            <a:spLocks noGrp="1"/>
+          </p:cNvSpPr>
           <p:nvPr>
             <p:ph type="ctrTitle"/>
           </p:nvPr>
@@ -2120,7 +2207,7 @@
           </a:prstGeom>
         </p:spPr>
         <p:txBody>
-          <a:bodyPr anchorCtr="0" anchor="b" bIns="91425" lIns="91425" spcFirstLastPara="1" rIns="91425" wrap="square" tIns="91425">
+          <a:bodyPr spcFirstLastPara="1" wrap="square" lIns="91425" tIns="91425" rIns="91425" bIns="91425" anchor="b" anchorCtr="0">
             <a:normAutofit/>
           </a:bodyPr>
           <a:lstStyle>
@@ -2224,15 +2311,19 @@
               <a:defRPr sz="5200"/>
             </a:lvl9pPr>
           </a:lstStyle>
-          <a:p/>
+          <a:p>
+            <a:endParaRPr/>
+          </a:p>
         </p:txBody>
       </p:sp>
       <p:sp>
         <p:nvSpPr>
           <p:cNvPr id="11" name="Google Shape;11;p2"/>
-          <p:cNvSpPr txBox="1"/>
+          <p:cNvSpPr txBox="1">
+            <a:spLocks noGrp="1"/>
+          </p:cNvSpPr>
           <p:nvPr>
-            <p:ph idx="1" type="subTitle"/>
+            <p:ph type="subTitle" idx="1"/>
           </p:nvPr>
         </p:nvSpPr>
         <p:spPr>
@@ -2245,7 +2336,7 @@
           </a:prstGeom>
         </p:spPr>
         <p:txBody>
-          <a:bodyPr anchorCtr="0" anchor="t" bIns="91425" lIns="91425" spcFirstLastPara="1" rIns="91425" wrap="square" tIns="91425">
+          <a:bodyPr spcFirstLastPara="1" wrap="square" lIns="91425" tIns="91425" rIns="91425" bIns="91425" anchor="t" anchorCtr="0">
             <a:normAutofit/>
           </a:bodyPr>
           <a:lstStyle>
@@ -2376,15 +2467,19 @@
               <a:defRPr sz="2800"/>
             </a:lvl9pPr>
           </a:lstStyle>
-          <a:p/>
+          <a:p>
+            <a:endParaRPr/>
+          </a:p>
         </p:txBody>
       </p:sp>
       <p:sp>
         <p:nvSpPr>
           <p:cNvPr id="12" name="Google Shape;12;p2"/>
-          <p:cNvSpPr txBox="1"/>
+          <p:cNvSpPr txBox="1">
+            <a:spLocks noGrp="1"/>
+          </p:cNvSpPr>
           <p:nvPr>
-            <p:ph idx="12" type="sldNum"/>
+            <p:ph type="sldNum" idx="12"/>
           </p:nvPr>
         </p:nvSpPr>
         <p:spPr>
@@ -2397,7 +2492,7 @@
           </a:prstGeom>
         </p:spPr>
         <p:txBody>
-          <a:bodyPr anchorCtr="0" anchor="ctr" bIns="91425" lIns="91425" spcFirstLastPara="1" rIns="91425" wrap="square" tIns="91425">
+          <a:bodyPr spcFirstLastPara="1" wrap="square" lIns="91425" tIns="91425" rIns="91425" bIns="91425" anchor="ctr" anchorCtr="0">
             <a:normAutofit/>
           </a:bodyPr>
           <a:lstStyle>
@@ -2439,7 +2534,7 @@
             </a:lvl9pPr>
           </a:lstStyle>
           <a:p>
-            <a:pPr indent="0" lvl="0" marL="0" rtl="0" algn="r">
+            <a:pPr marL="0" lvl="0" indent="0" algn="r" rtl="0">
               <a:spcBef>
                 <a:spcPts val="0"/>
               </a:spcBef>
@@ -2465,11 +2560,11 @@
 </file>
 
 <file path=ppt/slideLayouts/slideLayout10.xml><?xml version="1.0" encoding="utf-8"?>
-<p:sldLayout xmlns:a="http://schemas.openxmlformats.org/drawingml/2006/main" xmlns:r="http://schemas.openxmlformats.org/officeDocument/2006/relationships" xmlns:mc="http://schemas.openxmlformats.org/markup-compatibility/2006" xmlns:mv="urn:schemas-microsoft-com:mac:vml" xmlns:p="http://schemas.openxmlformats.org/presentationml/2006/main" xmlns:c="http://schemas.openxmlformats.org/drawingml/2006/chart" xmlns:dgm="http://schemas.openxmlformats.org/drawingml/2006/diagram" xmlns:o="urn:schemas-microsoft-com:office:office" xmlns:v="urn:schemas-microsoft-com:vml" xmlns:pvml="urn:schemas-microsoft-com:office:powerpoint" xmlns:com="http://schemas.openxmlformats.org/drawingml/2006/compatibility" xmlns:p14="http://schemas.microsoft.com/office/powerpoint/2010/main" xmlns:p15="http://schemas.microsoft.com/office/powerpoint/2012/main" xmlns:ahyp="http://schemas.microsoft.com/office/drawing/2018/hyperlinkcolor" matchingName="Big number">
+<p:sldLayout xmlns:a="http://schemas.openxmlformats.org/drawingml/2006/main" xmlns:r="http://schemas.openxmlformats.org/officeDocument/2006/relationships" xmlns:p="http://schemas.openxmlformats.org/presentationml/2006/main" matchingName="Big number">
   <p:cSld name="BIG_NUMBER">
     <p:spTree>
       <p:nvGrpSpPr>
-        <p:cNvPr id="44" name="Shape 44"/>
+        <p:cNvPr id="1" name="Shape 44"/>
         <p:cNvGrpSpPr/>
         <p:nvPr/>
       </p:nvGrpSpPr>
@@ -2484,9 +2579,11 @@
       <p:sp>
         <p:nvSpPr>
           <p:cNvPr id="45" name="Google Shape;45;p11"/>
-          <p:cNvSpPr txBox="1"/>
+          <p:cNvSpPr txBox="1">
+            <a:spLocks noGrp="1"/>
+          </p:cNvSpPr>
           <p:nvPr>
-            <p:ph hasCustomPrompt="1" type="title"/>
+            <p:ph type="title" hasCustomPrompt="1"/>
           </p:nvPr>
         </p:nvSpPr>
         <p:spPr>
@@ -2499,7 +2596,7 @@
           </a:prstGeom>
         </p:spPr>
         <p:txBody>
-          <a:bodyPr anchorCtr="0" anchor="b" bIns="91425" lIns="91425" spcFirstLastPara="1" rIns="91425" wrap="square" tIns="91425">
+          <a:bodyPr spcFirstLastPara="1" wrap="square" lIns="91425" tIns="91425" rIns="91425" bIns="91425" anchor="b" anchorCtr="0">
             <a:normAutofit/>
           </a:bodyPr>
           <a:lstStyle>
@@ -2613,9 +2710,11 @@
       <p:sp>
         <p:nvSpPr>
           <p:cNvPr id="46" name="Google Shape;46;p11"/>
-          <p:cNvSpPr txBox="1"/>
+          <p:cNvSpPr txBox="1">
+            <a:spLocks noGrp="1"/>
+          </p:cNvSpPr>
           <p:nvPr>
-            <p:ph idx="1" type="body"/>
+            <p:ph type="body" idx="1"/>
           </p:nvPr>
         </p:nvSpPr>
         <p:spPr>
@@ -2628,11 +2727,11 @@
           </a:prstGeom>
         </p:spPr>
         <p:txBody>
-          <a:bodyPr anchorCtr="0" anchor="t" bIns="91425" lIns="91425" spcFirstLastPara="1" rIns="91425" wrap="square" tIns="91425">
+          <a:bodyPr spcFirstLastPara="1" wrap="square" lIns="91425" tIns="91425" rIns="91425" bIns="91425" anchor="t" anchorCtr="0">
             <a:normAutofit/>
           </a:bodyPr>
           <a:lstStyle>
-            <a:lvl1pPr indent="-342900" lvl="0" marL="457200" algn="ctr">
+            <a:lvl1pPr marL="457200" lvl="0" indent="-342900" algn="ctr">
               <a:spcBef>
                 <a:spcPts val="0"/>
               </a:spcBef>
@@ -2643,7 +2742,7 @@
               <a:buChar char="●"/>
               <a:defRPr/>
             </a:lvl1pPr>
-            <a:lvl2pPr indent="-317500" lvl="1" marL="914400" algn="ctr">
+            <a:lvl2pPr marL="914400" lvl="1" indent="-317500" algn="ctr">
               <a:spcBef>
                 <a:spcPts val="0"/>
               </a:spcBef>
@@ -2654,7 +2753,7 @@
               <a:buChar char="○"/>
               <a:defRPr/>
             </a:lvl2pPr>
-            <a:lvl3pPr indent="-317500" lvl="2" marL="1371600" algn="ctr">
+            <a:lvl3pPr marL="1371600" lvl="2" indent="-317500" algn="ctr">
               <a:spcBef>
                 <a:spcPts val="0"/>
               </a:spcBef>
@@ -2665,7 +2764,7 @@
               <a:buChar char="■"/>
               <a:defRPr/>
             </a:lvl3pPr>
-            <a:lvl4pPr indent="-317500" lvl="3" marL="1828800" algn="ctr">
+            <a:lvl4pPr marL="1828800" lvl="3" indent="-317500" algn="ctr">
               <a:spcBef>
                 <a:spcPts val="0"/>
               </a:spcBef>
@@ -2676,7 +2775,7 @@
               <a:buChar char="●"/>
               <a:defRPr/>
             </a:lvl4pPr>
-            <a:lvl5pPr indent="-317500" lvl="4" marL="2286000" algn="ctr">
+            <a:lvl5pPr marL="2286000" lvl="4" indent="-317500" algn="ctr">
               <a:spcBef>
                 <a:spcPts val="0"/>
               </a:spcBef>
@@ -2687,7 +2786,7 @@
               <a:buChar char="○"/>
               <a:defRPr/>
             </a:lvl5pPr>
-            <a:lvl6pPr indent="-317500" lvl="5" marL="2743200" algn="ctr">
+            <a:lvl6pPr marL="2743200" lvl="5" indent="-317500" algn="ctr">
               <a:spcBef>
                 <a:spcPts val="0"/>
               </a:spcBef>
@@ -2698,7 +2797,7 @@
               <a:buChar char="■"/>
               <a:defRPr/>
             </a:lvl6pPr>
-            <a:lvl7pPr indent="-317500" lvl="6" marL="3200400" algn="ctr">
+            <a:lvl7pPr marL="3200400" lvl="6" indent="-317500" algn="ctr">
               <a:spcBef>
                 <a:spcPts val="0"/>
               </a:spcBef>
@@ -2709,7 +2808,7 @@
               <a:buChar char="●"/>
               <a:defRPr/>
             </a:lvl7pPr>
-            <a:lvl8pPr indent="-317500" lvl="7" marL="3657600" algn="ctr">
+            <a:lvl8pPr marL="3657600" lvl="7" indent="-317500" algn="ctr">
               <a:spcBef>
                 <a:spcPts val="0"/>
               </a:spcBef>
@@ -2720,7 +2819,7 @@
               <a:buChar char="○"/>
               <a:defRPr/>
             </a:lvl8pPr>
-            <a:lvl9pPr indent="-317500" lvl="8" marL="4114800" algn="ctr">
+            <a:lvl9pPr marL="4114800" lvl="8" indent="-317500" algn="ctr">
               <a:spcBef>
                 <a:spcPts val="0"/>
               </a:spcBef>
@@ -2732,15 +2831,19 @@
               <a:defRPr/>
             </a:lvl9pPr>
           </a:lstStyle>
-          <a:p/>
+          <a:p>
+            <a:endParaRPr/>
+          </a:p>
         </p:txBody>
       </p:sp>
       <p:sp>
         <p:nvSpPr>
           <p:cNvPr id="47" name="Google Shape;47;p11"/>
-          <p:cNvSpPr txBox="1"/>
+          <p:cNvSpPr txBox="1">
+            <a:spLocks noGrp="1"/>
+          </p:cNvSpPr>
           <p:nvPr>
-            <p:ph idx="12" type="sldNum"/>
+            <p:ph type="sldNum" idx="12"/>
           </p:nvPr>
         </p:nvSpPr>
         <p:spPr>
@@ -2753,7 +2856,7 @@
           </a:prstGeom>
         </p:spPr>
         <p:txBody>
-          <a:bodyPr anchorCtr="0" anchor="ctr" bIns="91425" lIns="91425" spcFirstLastPara="1" rIns="91425" wrap="square" tIns="91425">
+          <a:bodyPr spcFirstLastPara="1" wrap="square" lIns="91425" tIns="91425" rIns="91425" bIns="91425" anchor="ctr" anchorCtr="0">
             <a:normAutofit/>
           </a:bodyPr>
           <a:lstStyle>
@@ -2795,7 +2898,7 @@
             </a:lvl9pPr>
           </a:lstStyle>
           <a:p>
-            <a:pPr indent="0" lvl="0" marL="0" rtl="0" algn="r">
+            <a:pPr marL="0" lvl="0" indent="0" algn="r" rtl="0">
               <a:spcBef>
                 <a:spcPts val="0"/>
               </a:spcBef>
@@ -2821,11 +2924,11 @@
 </file>
 
 <file path=ppt/slideLayouts/slideLayout11.xml><?xml version="1.0" encoding="utf-8"?>
-<p:sldLayout xmlns:a="http://schemas.openxmlformats.org/drawingml/2006/main" xmlns:r="http://schemas.openxmlformats.org/officeDocument/2006/relationships" xmlns:mc="http://schemas.openxmlformats.org/markup-compatibility/2006" xmlns:mv="urn:schemas-microsoft-com:mac:vml" xmlns:p="http://schemas.openxmlformats.org/presentationml/2006/main" xmlns:c="http://schemas.openxmlformats.org/drawingml/2006/chart" xmlns:dgm="http://schemas.openxmlformats.org/drawingml/2006/diagram" xmlns:o="urn:schemas-microsoft-com:office:office" xmlns:v="urn:schemas-microsoft-com:vml" xmlns:pvml="urn:schemas-microsoft-com:office:powerpoint" xmlns:com="http://schemas.openxmlformats.org/drawingml/2006/compatibility" xmlns:p14="http://schemas.microsoft.com/office/powerpoint/2010/main" xmlns:p15="http://schemas.microsoft.com/office/powerpoint/2012/main" xmlns:ahyp="http://schemas.microsoft.com/office/drawing/2018/hyperlinkcolor" matchingName="Blank" type="blank">
+<p:sldLayout xmlns:a="http://schemas.openxmlformats.org/drawingml/2006/main" xmlns:r="http://schemas.openxmlformats.org/officeDocument/2006/relationships" xmlns:p="http://schemas.openxmlformats.org/presentationml/2006/main" matchingName="Blank" type="blank">
   <p:cSld name="BLANK">
     <p:spTree>
       <p:nvGrpSpPr>
-        <p:cNvPr id="48" name="Shape 48"/>
+        <p:cNvPr id="1" name="Shape 48"/>
         <p:cNvGrpSpPr/>
         <p:nvPr/>
       </p:nvGrpSpPr>
@@ -2840,9 +2943,11 @@
       <p:sp>
         <p:nvSpPr>
           <p:cNvPr id="49" name="Google Shape;49;p12"/>
-          <p:cNvSpPr txBox="1"/>
+          <p:cNvSpPr txBox="1">
+            <a:spLocks noGrp="1"/>
+          </p:cNvSpPr>
           <p:nvPr>
-            <p:ph idx="12" type="sldNum"/>
+            <p:ph type="sldNum" idx="12"/>
           </p:nvPr>
         </p:nvSpPr>
         <p:spPr>
@@ -2855,7 +2960,7 @@
           </a:prstGeom>
         </p:spPr>
         <p:txBody>
-          <a:bodyPr anchorCtr="0" anchor="ctr" bIns="91425" lIns="91425" spcFirstLastPara="1" rIns="91425" wrap="square" tIns="91425">
+          <a:bodyPr spcFirstLastPara="1" wrap="square" lIns="91425" tIns="91425" rIns="91425" bIns="91425" anchor="ctr" anchorCtr="0">
             <a:normAutofit/>
           </a:bodyPr>
           <a:lstStyle>
@@ -2897,7 +3002,7 @@
             </a:lvl9pPr>
           </a:lstStyle>
           <a:p>
-            <a:pPr indent="0" lvl="0" marL="0" rtl="0" algn="r">
+            <a:pPr marL="0" lvl="0" indent="0" algn="r" rtl="0">
               <a:spcBef>
                 <a:spcPts val="0"/>
               </a:spcBef>
@@ -2923,11 +3028,11 @@
 </file>
 
 <file path=ppt/slideLayouts/slideLayout2.xml><?xml version="1.0" encoding="utf-8"?>
-<p:sldLayout xmlns:a="http://schemas.openxmlformats.org/drawingml/2006/main" xmlns:r="http://schemas.openxmlformats.org/officeDocument/2006/relationships" xmlns:mc="http://schemas.openxmlformats.org/markup-compatibility/2006" xmlns:mv="urn:schemas-microsoft-com:mac:vml" xmlns:p="http://schemas.openxmlformats.org/presentationml/2006/main" xmlns:c="http://schemas.openxmlformats.org/drawingml/2006/chart" xmlns:dgm="http://schemas.openxmlformats.org/drawingml/2006/diagram" xmlns:o="urn:schemas-microsoft-com:office:office" xmlns:v="urn:schemas-microsoft-com:vml" xmlns:pvml="urn:schemas-microsoft-com:office:powerpoint" xmlns:com="http://schemas.openxmlformats.org/drawingml/2006/compatibility" xmlns:p14="http://schemas.microsoft.com/office/powerpoint/2010/main" xmlns:p15="http://schemas.microsoft.com/office/powerpoint/2012/main" xmlns:ahyp="http://schemas.microsoft.com/office/drawing/2018/hyperlinkcolor" matchingName="Section header" type="secHead">
+<p:sldLayout xmlns:a="http://schemas.openxmlformats.org/drawingml/2006/main" xmlns:r="http://schemas.openxmlformats.org/officeDocument/2006/relationships" xmlns:p="http://schemas.openxmlformats.org/presentationml/2006/main" matchingName="Section header" type="secHead">
   <p:cSld name="SECTION_HEADER">
     <p:spTree>
       <p:nvGrpSpPr>
-        <p:cNvPr id="13" name="Shape 13"/>
+        <p:cNvPr id="1" name="Shape 13"/>
         <p:cNvGrpSpPr/>
         <p:nvPr/>
       </p:nvGrpSpPr>
@@ -2942,7 +3047,9 @@
       <p:sp>
         <p:nvSpPr>
           <p:cNvPr id="14" name="Google Shape;14;p3"/>
-          <p:cNvSpPr txBox="1"/>
+          <p:cNvSpPr txBox="1">
+            <a:spLocks noGrp="1"/>
+          </p:cNvSpPr>
           <p:nvPr>
             <p:ph type="title"/>
           </p:nvPr>
@@ -2957,7 +3064,7 @@
           </a:prstGeom>
         </p:spPr>
         <p:txBody>
-          <a:bodyPr anchorCtr="0" anchor="ctr" bIns="91425" lIns="91425" spcFirstLastPara="1" rIns="91425" wrap="square" tIns="91425">
+          <a:bodyPr spcFirstLastPara="1" wrap="square" lIns="91425" tIns="91425" rIns="91425" bIns="91425" anchor="ctr" anchorCtr="0">
             <a:normAutofit/>
           </a:bodyPr>
           <a:lstStyle>
@@ -3061,15 +3168,19 @@
               <a:defRPr sz="3600"/>
             </a:lvl9pPr>
           </a:lstStyle>
-          <a:p/>
+          <a:p>
+            <a:endParaRPr/>
+          </a:p>
         </p:txBody>
       </p:sp>
       <p:sp>
         <p:nvSpPr>
           <p:cNvPr id="15" name="Google Shape;15;p3"/>
-          <p:cNvSpPr txBox="1"/>
+          <p:cNvSpPr txBox="1">
+            <a:spLocks noGrp="1"/>
+          </p:cNvSpPr>
           <p:nvPr>
-            <p:ph idx="12" type="sldNum"/>
+            <p:ph type="sldNum" idx="12"/>
           </p:nvPr>
         </p:nvSpPr>
         <p:spPr>
@@ -3082,7 +3193,7 @@
           </a:prstGeom>
         </p:spPr>
         <p:txBody>
-          <a:bodyPr anchorCtr="0" anchor="ctr" bIns="91425" lIns="91425" spcFirstLastPara="1" rIns="91425" wrap="square" tIns="91425">
+          <a:bodyPr spcFirstLastPara="1" wrap="square" lIns="91425" tIns="91425" rIns="91425" bIns="91425" anchor="ctr" anchorCtr="0">
             <a:normAutofit/>
           </a:bodyPr>
           <a:lstStyle>
@@ -3124,7 +3235,7 @@
             </a:lvl9pPr>
           </a:lstStyle>
           <a:p>
-            <a:pPr indent="0" lvl="0" marL="0" rtl="0" algn="r">
+            <a:pPr marL="0" lvl="0" indent="0" algn="r" rtl="0">
               <a:spcBef>
                 <a:spcPts val="0"/>
               </a:spcBef>
@@ -3150,11 +3261,11 @@
 </file>
 
 <file path=ppt/slideLayouts/slideLayout3.xml><?xml version="1.0" encoding="utf-8"?>
-<p:sldLayout xmlns:a="http://schemas.openxmlformats.org/drawingml/2006/main" xmlns:r="http://schemas.openxmlformats.org/officeDocument/2006/relationships" xmlns:mc="http://schemas.openxmlformats.org/markup-compatibility/2006" xmlns:mv="urn:schemas-microsoft-com:mac:vml" xmlns:p="http://schemas.openxmlformats.org/presentationml/2006/main" xmlns:c="http://schemas.openxmlformats.org/drawingml/2006/chart" xmlns:dgm="http://schemas.openxmlformats.org/drawingml/2006/diagram" xmlns:o="urn:schemas-microsoft-com:office:office" xmlns:v="urn:schemas-microsoft-com:vml" xmlns:pvml="urn:schemas-microsoft-com:office:powerpoint" xmlns:com="http://schemas.openxmlformats.org/drawingml/2006/compatibility" xmlns:p14="http://schemas.microsoft.com/office/powerpoint/2010/main" xmlns:p15="http://schemas.microsoft.com/office/powerpoint/2012/main" xmlns:ahyp="http://schemas.microsoft.com/office/drawing/2018/hyperlinkcolor" matchingName="Title and body" type="tx">
+<p:sldLayout xmlns:a="http://schemas.openxmlformats.org/drawingml/2006/main" xmlns:r="http://schemas.openxmlformats.org/officeDocument/2006/relationships" xmlns:p="http://schemas.openxmlformats.org/presentationml/2006/main" matchingName="Title and body" type="tx">
   <p:cSld name="TITLE_AND_BODY">
     <p:spTree>
       <p:nvGrpSpPr>
-        <p:cNvPr id="16" name="Shape 16"/>
+        <p:cNvPr id="1" name="Shape 16"/>
         <p:cNvGrpSpPr/>
         <p:nvPr/>
       </p:nvGrpSpPr>
@@ -3169,7 +3280,9 @@
       <p:sp>
         <p:nvSpPr>
           <p:cNvPr id="17" name="Google Shape;17;p4"/>
-          <p:cNvSpPr txBox="1"/>
+          <p:cNvSpPr txBox="1">
+            <a:spLocks noGrp="1"/>
+          </p:cNvSpPr>
           <p:nvPr>
             <p:ph type="title"/>
           </p:nvPr>
@@ -3184,7 +3297,7 @@
           </a:prstGeom>
         </p:spPr>
         <p:txBody>
-          <a:bodyPr anchorCtr="0" anchor="t" bIns="91425" lIns="91425" spcFirstLastPara="1" rIns="91425" wrap="square" tIns="91425">
+          <a:bodyPr spcFirstLastPara="1" wrap="square" lIns="91425" tIns="91425" rIns="91425" bIns="91425" anchor="t" anchorCtr="0">
             <a:normAutofit/>
           </a:bodyPr>
           <a:lstStyle>
@@ -3288,15 +3401,19 @@
               <a:defRPr/>
             </a:lvl9pPr>
           </a:lstStyle>
-          <a:p/>
+          <a:p>
+            <a:endParaRPr/>
+          </a:p>
         </p:txBody>
       </p:sp>
       <p:sp>
         <p:nvSpPr>
           <p:cNvPr id="18" name="Google Shape;18;p4"/>
-          <p:cNvSpPr txBox="1"/>
+          <p:cNvSpPr txBox="1">
+            <a:spLocks noGrp="1"/>
+          </p:cNvSpPr>
           <p:nvPr>
-            <p:ph idx="1" type="body"/>
+            <p:ph type="body" idx="1"/>
           </p:nvPr>
         </p:nvSpPr>
         <p:spPr>
@@ -3309,11 +3426,11 @@
           </a:prstGeom>
         </p:spPr>
         <p:txBody>
-          <a:bodyPr anchorCtr="0" anchor="t" bIns="91425" lIns="91425" spcFirstLastPara="1" rIns="91425" wrap="square" tIns="91425">
+          <a:bodyPr spcFirstLastPara="1" wrap="square" lIns="91425" tIns="91425" rIns="91425" bIns="91425" anchor="t" anchorCtr="0">
             <a:normAutofit/>
           </a:bodyPr>
           <a:lstStyle>
-            <a:lvl1pPr indent="-342900" lvl="0" marL="457200">
+            <a:lvl1pPr marL="457200" lvl="0" indent="-342900">
               <a:spcBef>
                 <a:spcPts val="0"/>
               </a:spcBef>
@@ -3324,7 +3441,7 @@
               <a:buChar char="●"/>
               <a:defRPr/>
             </a:lvl1pPr>
-            <a:lvl2pPr indent="-317500" lvl="1" marL="914400">
+            <a:lvl2pPr marL="914400" lvl="1" indent="-317500">
               <a:spcBef>
                 <a:spcPts val="0"/>
               </a:spcBef>
@@ -3335,7 +3452,7 @@
               <a:buChar char="○"/>
               <a:defRPr/>
             </a:lvl2pPr>
-            <a:lvl3pPr indent="-317500" lvl="2" marL="1371600">
+            <a:lvl3pPr marL="1371600" lvl="2" indent="-317500">
               <a:spcBef>
                 <a:spcPts val="0"/>
               </a:spcBef>
@@ -3346,7 +3463,7 @@
               <a:buChar char="■"/>
               <a:defRPr/>
             </a:lvl3pPr>
-            <a:lvl4pPr indent="-317500" lvl="3" marL="1828800">
+            <a:lvl4pPr marL="1828800" lvl="3" indent="-317500">
               <a:spcBef>
                 <a:spcPts val="0"/>
               </a:spcBef>
@@ -3357,7 +3474,7 @@
               <a:buChar char="●"/>
               <a:defRPr/>
             </a:lvl4pPr>
-            <a:lvl5pPr indent="-317500" lvl="4" marL="2286000">
+            <a:lvl5pPr marL="2286000" lvl="4" indent="-317500">
               <a:spcBef>
                 <a:spcPts val="0"/>
               </a:spcBef>
@@ -3368,7 +3485,7 @@
               <a:buChar char="○"/>
               <a:defRPr/>
             </a:lvl5pPr>
-            <a:lvl6pPr indent="-317500" lvl="5" marL="2743200">
+            <a:lvl6pPr marL="2743200" lvl="5" indent="-317500">
               <a:spcBef>
                 <a:spcPts val="0"/>
               </a:spcBef>
@@ -3379,7 +3496,7 @@
               <a:buChar char="■"/>
               <a:defRPr/>
             </a:lvl6pPr>
-            <a:lvl7pPr indent="-317500" lvl="6" marL="3200400">
+            <a:lvl7pPr marL="3200400" lvl="6" indent="-317500">
               <a:spcBef>
                 <a:spcPts val="0"/>
               </a:spcBef>
@@ -3390,7 +3507,7 @@
               <a:buChar char="●"/>
               <a:defRPr/>
             </a:lvl7pPr>
-            <a:lvl8pPr indent="-317500" lvl="7" marL="3657600">
+            <a:lvl8pPr marL="3657600" lvl="7" indent="-317500">
               <a:spcBef>
                 <a:spcPts val="0"/>
               </a:spcBef>
@@ -3401,7 +3518,7 @@
               <a:buChar char="○"/>
               <a:defRPr/>
             </a:lvl8pPr>
-            <a:lvl9pPr indent="-317500" lvl="8" marL="4114800">
+            <a:lvl9pPr marL="4114800" lvl="8" indent="-317500">
               <a:spcBef>
                 <a:spcPts val="0"/>
               </a:spcBef>
@@ -3413,15 +3530,19 @@
               <a:defRPr/>
             </a:lvl9pPr>
           </a:lstStyle>
-          <a:p/>
+          <a:p>
+            <a:endParaRPr/>
+          </a:p>
         </p:txBody>
       </p:sp>
       <p:sp>
         <p:nvSpPr>
           <p:cNvPr id="19" name="Google Shape;19;p4"/>
-          <p:cNvSpPr txBox="1"/>
+          <p:cNvSpPr txBox="1">
+            <a:spLocks noGrp="1"/>
+          </p:cNvSpPr>
           <p:nvPr>
-            <p:ph idx="12" type="sldNum"/>
+            <p:ph type="sldNum" idx="12"/>
           </p:nvPr>
         </p:nvSpPr>
         <p:spPr>
@@ -3434,7 +3555,7 @@
           </a:prstGeom>
         </p:spPr>
         <p:txBody>
-          <a:bodyPr anchorCtr="0" anchor="ctr" bIns="91425" lIns="91425" spcFirstLastPara="1" rIns="91425" wrap="square" tIns="91425">
+          <a:bodyPr spcFirstLastPara="1" wrap="square" lIns="91425" tIns="91425" rIns="91425" bIns="91425" anchor="ctr" anchorCtr="0">
             <a:normAutofit/>
           </a:bodyPr>
           <a:lstStyle>
@@ -3476,7 +3597,7 @@
             </a:lvl9pPr>
           </a:lstStyle>
           <a:p>
-            <a:pPr indent="0" lvl="0" marL="0" rtl="0" algn="r">
+            <a:pPr marL="0" lvl="0" indent="0" algn="r" rtl="0">
               <a:spcBef>
                 <a:spcPts val="0"/>
               </a:spcBef>
@@ -3502,11 +3623,11 @@
 </file>
 
 <file path=ppt/slideLayouts/slideLayout4.xml><?xml version="1.0" encoding="utf-8"?>
-<p:sldLayout xmlns:a="http://schemas.openxmlformats.org/drawingml/2006/main" xmlns:r="http://schemas.openxmlformats.org/officeDocument/2006/relationships" xmlns:mc="http://schemas.openxmlformats.org/markup-compatibility/2006" xmlns:mv="urn:schemas-microsoft-com:mac:vml" xmlns:p="http://schemas.openxmlformats.org/presentationml/2006/main" xmlns:c="http://schemas.openxmlformats.org/drawingml/2006/chart" xmlns:dgm="http://schemas.openxmlformats.org/drawingml/2006/diagram" xmlns:o="urn:schemas-microsoft-com:office:office" xmlns:v="urn:schemas-microsoft-com:vml" xmlns:pvml="urn:schemas-microsoft-com:office:powerpoint" xmlns:com="http://schemas.openxmlformats.org/drawingml/2006/compatibility" xmlns:p14="http://schemas.microsoft.com/office/powerpoint/2010/main" xmlns:p15="http://schemas.microsoft.com/office/powerpoint/2012/main" xmlns:ahyp="http://schemas.microsoft.com/office/drawing/2018/hyperlinkcolor" matchingName="Title and two columns" type="twoColTx">
+<p:sldLayout xmlns:a="http://schemas.openxmlformats.org/drawingml/2006/main" xmlns:r="http://schemas.openxmlformats.org/officeDocument/2006/relationships" xmlns:p="http://schemas.openxmlformats.org/presentationml/2006/main" matchingName="Title and two columns" type="twoColTx">
   <p:cSld name="TITLE_AND_TWO_COLUMNS">
     <p:spTree>
       <p:nvGrpSpPr>
-        <p:cNvPr id="20" name="Shape 20"/>
+        <p:cNvPr id="1" name="Shape 20"/>
         <p:cNvGrpSpPr/>
         <p:nvPr/>
       </p:nvGrpSpPr>
@@ -3521,7 +3642,9 @@
       <p:sp>
         <p:nvSpPr>
           <p:cNvPr id="21" name="Google Shape;21;p5"/>
-          <p:cNvSpPr txBox="1"/>
+          <p:cNvSpPr txBox="1">
+            <a:spLocks noGrp="1"/>
+          </p:cNvSpPr>
           <p:nvPr>
             <p:ph type="title"/>
           </p:nvPr>
@@ -3536,7 +3659,7 @@
           </a:prstGeom>
         </p:spPr>
         <p:txBody>
-          <a:bodyPr anchorCtr="0" anchor="t" bIns="91425" lIns="91425" spcFirstLastPara="1" rIns="91425" wrap="square" tIns="91425">
+          <a:bodyPr spcFirstLastPara="1" wrap="square" lIns="91425" tIns="91425" rIns="91425" bIns="91425" anchor="t" anchorCtr="0">
             <a:normAutofit/>
           </a:bodyPr>
           <a:lstStyle>
@@ -3640,15 +3763,19 @@
               <a:defRPr/>
             </a:lvl9pPr>
           </a:lstStyle>
-          <a:p/>
+          <a:p>
+            <a:endParaRPr/>
+          </a:p>
         </p:txBody>
       </p:sp>
       <p:sp>
         <p:nvSpPr>
           <p:cNvPr id="22" name="Google Shape;22;p5"/>
-          <p:cNvSpPr txBox="1"/>
+          <p:cNvSpPr txBox="1">
+            <a:spLocks noGrp="1"/>
+          </p:cNvSpPr>
           <p:nvPr>
-            <p:ph idx="1" type="body"/>
+            <p:ph type="body" idx="1"/>
           </p:nvPr>
         </p:nvSpPr>
         <p:spPr>
@@ -3661,11 +3788,11 @@
           </a:prstGeom>
         </p:spPr>
         <p:txBody>
-          <a:bodyPr anchorCtr="0" anchor="t" bIns="91425" lIns="91425" spcFirstLastPara="1" rIns="91425" wrap="square" tIns="91425">
+          <a:bodyPr spcFirstLastPara="1" wrap="square" lIns="91425" tIns="91425" rIns="91425" bIns="91425" anchor="t" anchorCtr="0">
             <a:normAutofit/>
           </a:bodyPr>
           <a:lstStyle>
-            <a:lvl1pPr indent="-317500" lvl="0" marL="457200">
+            <a:lvl1pPr marL="457200" lvl="0" indent="-317500">
               <a:spcBef>
                 <a:spcPts val="0"/>
               </a:spcBef>
@@ -3676,7 +3803,7 @@
               <a:buChar char="●"/>
               <a:defRPr sz="1400"/>
             </a:lvl1pPr>
-            <a:lvl2pPr indent="-304800" lvl="1" marL="914400">
+            <a:lvl2pPr marL="914400" lvl="1" indent="-304800">
               <a:spcBef>
                 <a:spcPts val="0"/>
               </a:spcBef>
@@ -3687,7 +3814,7 @@
               <a:buChar char="○"/>
               <a:defRPr sz="1200"/>
             </a:lvl2pPr>
-            <a:lvl3pPr indent="-304800" lvl="2" marL="1371600">
+            <a:lvl3pPr marL="1371600" lvl="2" indent="-304800">
               <a:spcBef>
                 <a:spcPts val="0"/>
               </a:spcBef>
@@ -3698,7 +3825,7 @@
               <a:buChar char="■"/>
               <a:defRPr sz="1200"/>
             </a:lvl3pPr>
-            <a:lvl4pPr indent="-304800" lvl="3" marL="1828800">
+            <a:lvl4pPr marL="1828800" lvl="3" indent="-304800">
               <a:spcBef>
                 <a:spcPts val="0"/>
               </a:spcBef>
@@ -3709,7 +3836,7 @@
               <a:buChar char="●"/>
               <a:defRPr sz="1200"/>
             </a:lvl4pPr>
-            <a:lvl5pPr indent="-304800" lvl="4" marL="2286000">
+            <a:lvl5pPr marL="2286000" lvl="4" indent="-304800">
               <a:spcBef>
                 <a:spcPts val="0"/>
               </a:spcBef>
@@ -3720,7 +3847,7 @@
               <a:buChar char="○"/>
               <a:defRPr sz="1200"/>
             </a:lvl5pPr>
-            <a:lvl6pPr indent="-304800" lvl="5" marL="2743200">
+            <a:lvl6pPr marL="2743200" lvl="5" indent="-304800">
               <a:spcBef>
                 <a:spcPts val="0"/>
               </a:spcBef>
@@ -3731,7 +3858,7 @@
               <a:buChar char="■"/>
               <a:defRPr sz="1200"/>
             </a:lvl6pPr>
-            <a:lvl7pPr indent="-304800" lvl="6" marL="3200400">
+            <a:lvl7pPr marL="3200400" lvl="6" indent="-304800">
               <a:spcBef>
                 <a:spcPts val="0"/>
               </a:spcBef>
@@ -3742,7 +3869,7 @@
               <a:buChar char="●"/>
               <a:defRPr sz="1200"/>
             </a:lvl7pPr>
-            <a:lvl8pPr indent="-304800" lvl="7" marL="3657600">
+            <a:lvl8pPr marL="3657600" lvl="7" indent="-304800">
               <a:spcBef>
                 <a:spcPts val="0"/>
               </a:spcBef>
@@ -3753,7 +3880,7 @@
               <a:buChar char="○"/>
               <a:defRPr sz="1200"/>
             </a:lvl8pPr>
-            <a:lvl9pPr indent="-304800" lvl="8" marL="4114800">
+            <a:lvl9pPr marL="4114800" lvl="8" indent="-304800">
               <a:spcBef>
                 <a:spcPts val="0"/>
               </a:spcBef>
@@ -3765,15 +3892,19 @@
               <a:defRPr sz="1200"/>
             </a:lvl9pPr>
           </a:lstStyle>
-          <a:p/>
+          <a:p>
+            <a:endParaRPr/>
+          </a:p>
         </p:txBody>
       </p:sp>
       <p:sp>
         <p:nvSpPr>
           <p:cNvPr id="23" name="Google Shape;23;p5"/>
-          <p:cNvSpPr txBox="1"/>
+          <p:cNvSpPr txBox="1">
+            <a:spLocks noGrp="1"/>
+          </p:cNvSpPr>
           <p:nvPr>
-            <p:ph idx="2" type="body"/>
+            <p:ph type="body" idx="2"/>
           </p:nvPr>
         </p:nvSpPr>
         <p:spPr>
@@ -3786,11 +3917,11 @@
           </a:prstGeom>
         </p:spPr>
         <p:txBody>
-          <a:bodyPr anchorCtr="0" anchor="t" bIns="91425" lIns="91425" spcFirstLastPara="1" rIns="91425" wrap="square" tIns="91425">
+          <a:bodyPr spcFirstLastPara="1" wrap="square" lIns="91425" tIns="91425" rIns="91425" bIns="91425" anchor="t" anchorCtr="0">
             <a:normAutofit/>
           </a:bodyPr>
           <a:lstStyle>
-            <a:lvl1pPr indent="-317500" lvl="0" marL="457200">
+            <a:lvl1pPr marL="457200" lvl="0" indent="-317500">
               <a:spcBef>
                 <a:spcPts val="0"/>
               </a:spcBef>
@@ -3801,7 +3932,7 @@
               <a:buChar char="●"/>
               <a:defRPr sz="1400"/>
             </a:lvl1pPr>
-            <a:lvl2pPr indent="-304800" lvl="1" marL="914400">
+            <a:lvl2pPr marL="914400" lvl="1" indent="-304800">
               <a:spcBef>
                 <a:spcPts val="0"/>
               </a:spcBef>
@@ -3812,7 +3943,7 @@
               <a:buChar char="○"/>
               <a:defRPr sz="1200"/>
             </a:lvl2pPr>
-            <a:lvl3pPr indent="-304800" lvl="2" marL="1371600">
+            <a:lvl3pPr marL="1371600" lvl="2" indent="-304800">
               <a:spcBef>
                 <a:spcPts val="0"/>
               </a:spcBef>
@@ -3823,7 +3954,7 @@
               <a:buChar char="■"/>
               <a:defRPr sz="1200"/>
             </a:lvl3pPr>
-            <a:lvl4pPr indent="-304800" lvl="3" marL="1828800">
+            <a:lvl4pPr marL="1828800" lvl="3" indent="-304800">
               <a:spcBef>
                 <a:spcPts val="0"/>
               </a:spcBef>
@@ -3834,7 +3965,7 @@
               <a:buChar char="●"/>
               <a:defRPr sz="1200"/>
             </a:lvl4pPr>
-            <a:lvl5pPr indent="-304800" lvl="4" marL="2286000">
+            <a:lvl5pPr marL="2286000" lvl="4" indent="-304800">
               <a:spcBef>
                 <a:spcPts val="0"/>
               </a:spcBef>
@@ -3845,7 +3976,7 @@
               <a:buChar char="○"/>
               <a:defRPr sz="1200"/>
             </a:lvl5pPr>
-            <a:lvl6pPr indent="-304800" lvl="5" marL="2743200">
+            <a:lvl6pPr marL="2743200" lvl="5" indent="-304800">
               <a:spcBef>
                 <a:spcPts val="0"/>
               </a:spcBef>
@@ -3856,7 +3987,7 @@
               <a:buChar char="■"/>
               <a:defRPr sz="1200"/>
             </a:lvl6pPr>
-            <a:lvl7pPr indent="-304800" lvl="6" marL="3200400">
+            <a:lvl7pPr marL="3200400" lvl="6" indent="-304800">
               <a:spcBef>
                 <a:spcPts val="0"/>
               </a:spcBef>
@@ -3867,7 +3998,7 @@
               <a:buChar char="●"/>
               <a:defRPr sz="1200"/>
             </a:lvl7pPr>
-            <a:lvl8pPr indent="-304800" lvl="7" marL="3657600">
+            <a:lvl8pPr marL="3657600" lvl="7" indent="-304800">
               <a:spcBef>
                 <a:spcPts val="0"/>
               </a:spcBef>
@@ -3878,7 +4009,7 @@
               <a:buChar char="○"/>
               <a:defRPr sz="1200"/>
             </a:lvl8pPr>
-            <a:lvl9pPr indent="-304800" lvl="8" marL="4114800">
+            <a:lvl9pPr marL="4114800" lvl="8" indent="-304800">
               <a:spcBef>
                 <a:spcPts val="0"/>
               </a:spcBef>
@@ -3890,15 +4021,19 @@
               <a:defRPr sz="1200"/>
             </a:lvl9pPr>
           </a:lstStyle>
-          <a:p/>
+          <a:p>
+            <a:endParaRPr/>
+          </a:p>
         </p:txBody>
       </p:sp>
       <p:sp>
         <p:nvSpPr>
           <p:cNvPr id="24" name="Google Shape;24;p5"/>
-          <p:cNvSpPr txBox="1"/>
+          <p:cNvSpPr txBox="1">
+            <a:spLocks noGrp="1"/>
+          </p:cNvSpPr>
           <p:nvPr>
-            <p:ph idx="12" type="sldNum"/>
+            <p:ph type="sldNum" idx="12"/>
           </p:nvPr>
         </p:nvSpPr>
         <p:spPr>
@@ -3911,7 +4046,7 @@
           </a:prstGeom>
         </p:spPr>
         <p:txBody>
-          <a:bodyPr anchorCtr="0" anchor="ctr" bIns="91425" lIns="91425" spcFirstLastPara="1" rIns="91425" wrap="square" tIns="91425">
+          <a:bodyPr spcFirstLastPara="1" wrap="square" lIns="91425" tIns="91425" rIns="91425" bIns="91425" anchor="ctr" anchorCtr="0">
             <a:normAutofit/>
           </a:bodyPr>
           <a:lstStyle>
@@ -3953,7 +4088,7 @@
             </a:lvl9pPr>
           </a:lstStyle>
           <a:p>
-            <a:pPr indent="0" lvl="0" marL="0" rtl="0" algn="r">
+            <a:pPr marL="0" lvl="0" indent="0" algn="r" rtl="0">
               <a:spcBef>
                 <a:spcPts val="0"/>
               </a:spcBef>
@@ -3979,11 +4114,11 @@
 </file>
 
 <file path=ppt/slideLayouts/slideLayout5.xml><?xml version="1.0" encoding="utf-8"?>
-<p:sldLayout xmlns:a="http://schemas.openxmlformats.org/drawingml/2006/main" xmlns:r="http://schemas.openxmlformats.org/officeDocument/2006/relationships" xmlns:mc="http://schemas.openxmlformats.org/markup-compatibility/2006" xmlns:mv="urn:schemas-microsoft-com:mac:vml" xmlns:p="http://schemas.openxmlformats.org/presentationml/2006/main" xmlns:c="http://schemas.openxmlformats.org/drawingml/2006/chart" xmlns:dgm="http://schemas.openxmlformats.org/drawingml/2006/diagram" xmlns:o="urn:schemas-microsoft-com:office:office" xmlns:v="urn:schemas-microsoft-com:vml" xmlns:pvml="urn:schemas-microsoft-com:office:powerpoint" xmlns:com="http://schemas.openxmlformats.org/drawingml/2006/compatibility" xmlns:p14="http://schemas.microsoft.com/office/powerpoint/2010/main" xmlns:p15="http://schemas.microsoft.com/office/powerpoint/2012/main" xmlns:ahyp="http://schemas.microsoft.com/office/drawing/2018/hyperlinkcolor" matchingName="Title only" type="titleOnly">
+<p:sldLayout xmlns:a="http://schemas.openxmlformats.org/drawingml/2006/main" xmlns:r="http://schemas.openxmlformats.org/officeDocument/2006/relationships" xmlns:p="http://schemas.openxmlformats.org/presentationml/2006/main" matchingName="Title only" type="titleOnly">
   <p:cSld name="TITLE_ONLY">
     <p:spTree>
       <p:nvGrpSpPr>
-        <p:cNvPr id="25" name="Shape 25"/>
+        <p:cNvPr id="1" name="Shape 25"/>
         <p:cNvGrpSpPr/>
         <p:nvPr/>
       </p:nvGrpSpPr>
@@ -3998,7 +4133,9 @@
       <p:sp>
         <p:nvSpPr>
           <p:cNvPr id="26" name="Google Shape;26;p6"/>
-          <p:cNvSpPr txBox="1"/>
+          <p:cNvSpPr txBox="1">
+            <a:spLocks noGrp="1"/>
+          </p:cNvSpPr>
           <p:nvPr>
             <p:ph type="title"/>
           </p:nvPr>
@@ -4013,7 +4150,7 @@
           </a:prstGeom>
         </p:spPr>
         <p:txBody>
-          <a:bodyPr anchorCtr="0" anchor="t" bIns="91425" lIns="91425" spcFirstLastPara="1" rIns="91425" wrap="square" tIns="91425">
+          <a:bodyPr spcFirstLastPara="1" wrap="square" lIns="91425" tIns="91425" rIns="91425" bIns="91425" anchor="t" anchorCtr="0">
             <a:normAutofit/>
           </a:bodyPr>
           <a:lstStyle>
@@ -4117,15 +4254,19 @@
               <a:defRPr/>
             </a:lvl9pPr>
           </a:lstStyle>
-          <a:p/>
+          <a:p>
+            <a:endParaRPr/>
+          </a:p>
         </p:txBody>
       </p:sp>
       <p:sp>
         <p:nvSpPr>
           <p:cNvPr id="27" name="Google Shape;27;p6"/>
-          <p:cNvSpPr txBox="1"/>
+          <p:cNvSpPr txBox="1">
+            <a:spLocks noGrp="1"/>
+          </p:cNvSpPr>
           <p:nvPr>
-            <p:ph idx="12" type="sldNum"/>
+            <p:ph type="sldNum" idx="12"/>
           </p:nvPr>
         </p:nvSpPr>
         <p:spPr>
@@ -4138,7 +4279,7 @@
           </a:prstGeom>
         </p:spPr>
         <p:txBody>
-          <a:bodyPr anchorCtr="0" anchor="ctr" bIns="91425" lIns="91425" spcFirstLastPara="1" rIns="91425" wrap="square" tIns="91425">
+          <a:bodyPr spcFirstLastPara="1" wrap="square" lIns="91425" tIns="91425" rIns="91425" bIns="91425" anchor="ctr" anchorCtr="0">
             <a:normAutofit/>
           </a:bodyPr>
           <a:lstStyle>
@@ -4180,7 +4321,7 @@
             </a:lvl9pPr>
           </a:lstStyle>
           <a:p>
-            <a:pPr indent="0" lvl="0" marL="0" rtl="0" algn="r">
+            <a:pPr marL="0" lvl="0" indent="0" algn="r" rtl="0">
               <a:spcBef>
                 <a:spcPts val="0"/>
               </a:spcBef>
@@ -4206,11 +4347,11 @@
 </file>
 
 <file path=ppt/slideLayouts/slideLayout6.xml><?xml version="1.0" encoding="utf-8"?>
-<p:sldLayout xmlns:a="http://schemas.openxmlformats.org/drawingml/2006/main" xmlns:r="http://schemas.openxmlformats.org/officeDocument/2006/relationships" xmlns:mc="http://schemas.openxmlformats.org/markup-compatibility/2006" xmlns:mv="urn:schemas-microsoft-com:mac:vml" xmlns:p="http://schemas.openxmlformats.org/presentationml/2006/main" xmlns:c="http://schemas.openxmlformats.org/drawingml/2006/chart" xmlns:dgm="http://schemas.openxmlformats.org/drawingml/2006/diagram" xmlns:o="urn:schemas-microsoft-com:office:office" xmlns:v="urn:schemas-microsoft-com:vml" xmlns:pvml="urn:schemas-microsoft-com:office:powerpoint" xmlns:com="http://schemas.openxmlformats.org/drawingml/2006/compatibility" xmlns:p14="http://schemas.microsoft.com/office/powerpoint/2010/main" xmlns:p15="http://schemas.microsoft.com/office/powerpoint/2012/main" xmlns:ahyp="http://schemas.microsoft.com/office/drawing/2018/hyperlinkcolor" matchingName="One column text">
+<p:sldLayout xmlns:a="http://schemas.openxmlformats.org/drawingml/2006/main" xmlns:r="http://schemas.openxmlformats.org/officeDocument/2006/relationships" xmlns:p="http://schemas.openxmlformats.org/presentationml/2006/main" matchingName="One column text">
   <p:cSld name="ONE_COLUMN_TEXT">
     <p:spTree>
       <p:nvGrpSpPr>
-        <p:cNvPr id="28" name="Shape 28"/>
+        <p:cNvPr id="1" name="Shape 28"/>
         <p:cNvGrpSpPr/>
         <p:nvPr/>
       </p:nvGrpSpPr>
@@ -4225,7 +4366,9 @@
       <p:sp>
         <p:nvSpPr>
           <p:cNvPr id="29" name="Google Shape;29;p7"/>
-          <p:cNvSpPr txBox="1"/>
+          <p:cNvSpPr txBox="1">
+            <a:spLocks noGrp="1"/>
+          </p:cNvSpPr>
           <p:nvPr>
             <p:ph type="title"/>
           </p:nvPr>
@@ -4240,7 +4383,7 @@
           </a:prstGeom>
         </p:spPr>
         <p:txBody>
-          <a:bodyPr anchorCtr="0" anchor="b" bIns="91425" lIns="91425" spcFirstLastPara="1" rIns="91425" wrap="square" tIns="91425">
+          <a:bodyPr spcFirstLastPara="1" wrap="square" lIns="91425" tIns="91425" rIns="91425" bIns="91425" anchor="b" anchorCtr="0">
             <a:normAutofit/>
           </a:bodyPr>
           <a:lstStyle>
@@ -4344,15 +4487,19 @@
               <a:defRPr sz="2400"/>
             </a:lvl9pPr>
           </a:lstStyle>
-          <a:p/>
+          <a:p>
+            <a:endParaRPr/>
+          </a:p>
         </p:txBody>
       </p:sp>
       <p:sp>
         <p:nvSpPr>
           <p:cNvPr id="30" name="Google Shape;30;p7"/>
-          <p:cNvSpPr txBox="1"/>
+          <p:cNvSpPr txBox="1">
+            <a:spLocks noGrp="1"/>
+          </p:cNvSpPr>
           <p:nvPr>
-            <p:ph idx="1" type="body"/>
+            <p:ph type="body" idx="1"/>
           </p:nvPr>
         </p:nvSpPr>
         <p:spPr>
@@ -4365,11 +4512,11 @@
           </a:prstGeom>
         </p:spPr>
         <p:txBody>
-          <a:bodyPr anchorCtr="0" anchor="t" bIns="91425" lIns="91425" spcFirstLastPara="1" rIns="91425" wrap="square" tIns="91425">
+          <a:bodyPr spcFirstLastPara="1" wrap="square" lIns="91425" tIns="91425" rIns="91425" bIns="91425" anchor="t" anchorCtr="0">
             <a:normAutofit/>
           </a:bodyPr>
           <a:lstStyle>
-            <a:lvl1pPr indent="-304800" lvl="0" marL="457200">
+            <a:lvl1pPr marL="457200" lvl="0" indent="-304800">
               <a:spcBef>
                 <a:spcPts val="0"/>
               </a:spcBef>
@@ -4380,7 +4527,7 @@
               <a:buChar char="●"/>
               <a:defRPr sz="1200"/>
             </a:lvl1pPr>
-            <a:lvl2pPr indent="-304800" lvl="1" marL="914400">
+            <a:lvl2pPr marL="914400" lvl="1" indent="-304800">
               <a:spcBef>
                 <a:spcPts val="0"/>
               </a:spcBef>
@@ -4391,7 +4538,7 @@
               <a:buChar char="○"/>
               <a:defRPr sz="1200"/>
             </a:lvl2pPr>
-            <a:lvl3pPr indent="-304800" lvl="2" marL="1371600">
+            <a:lvl3pPr marL="1371600" lvl="2" indent="-304800">
               <a:spcBef>
                 <a:spcPts val="0"/>
               </a:spcBef>
@@ -4402,7 +4549,7 @@
               <a:buChar char="■"/>
               <a:defRPr sz="1200"/>
             </a:lvl3pPr>
-            <a:lvl4pPr indent="-304800" lvl="3" marL="1828800">
+            <a:lvl4pPr marL="1828800" lvl="3" indent="-304800">
               <a:spcBef>
                 <a:spcPts val="0"/>
               </a:spcBef>
@@ -4413,7 +4560,7 @@
               <a:buChar char="●"/>
               <a:defRPr sz="1200"/>
             </a:lvl4pPr>
-            <a:lvl5pPr indent="-304800" lvl="4" marL="2286000">
+            <a:lvl5pPr marL="2286000" lvl="4" indent="-304800">
               <a:spcBef>
                 <a:spcPts val="0"/>
               </a:spcBef>
@@ -4424,7 +4571,7 @@
               <a:buChar char="○"/>
               <a:defRPr sz="1200"/>
             </a:lvl5pPr>
-            <a:lvl6pPr indent="-304800" lvl="5" marL="2743200">
+            <a:lvl6pPr marL="2743200" lvl="5" indent="-304800">
               <a:spcBef>
                 <a:spcPts val="0"/>
               </a:spcBef>
@@ -4435,7 +4582,7 @@
               <a:buChar char="■"/>
               <a:defRPr sz="1200"/>
             </a:lvl6pPr>
-            <a:lvl7pPr indent="-304800" lvl="6" marL="3200400">
+            <a:lvl7pPr marL="3200400" lvl="6" indent="-304800">
               <a:spcBef>
                 <a:spcPts val="0"/>
               </a:spcBef>
@@ -4446,7 +4593,7 @@
               <a:buChar char="●"/>
               <a:defRPr sz="1200"/>
             </a:lvl7pPr>
-            <a:lvl8pPr indent="-304800" lvl="7" marL="3657600">
+            <a:lvl8pPr marL="3657600" lvl="7" indent="-304800">
               <a:spcBef>
                 <a:spcPts val="0"/>
               </a:spcBef>
@@ -4457,7 +4604,7 @@
               <a:buChar char="○"/>
               <a:defRPr sz="1200"/>
             </a:lvl8pPr>
-            <a:lvl9pPr indent="-304800" lvl="8" marL="4114800">
+            <a:lvl9pPr marL="4114800" lvl="8" indent="-304800">
               <a:spcBef>
                 <a:spcPts val="0"/>
               </a:spcBef>
@@ -4469,15 +4616,19 @@
               <a:defRPr sz="1200"/>
             </a:lvl9pPr>
           </a:lstStyle>
-          <a:p/>
+          <a:p>
+            <a:endParaRPr/>
+          </a:p>
         </p:txBody>
       </p:sp>
       <p:sp>
         <p:nvSpPr>
           <p:cNvPr id="31" name="Google Shape;31;p7"/>
-          <p:cNvSpPr txBox="1"/>
+          <p:cNvSpPr txBox="1">
+            <a:spLocks noGrp="1"/>
+          </p:cNvSpPr>
           <p:nvPr>
-            <p:ph idx="12" type="sldNum"/>
+            <p:ph type="sldNum" idx="12"/>
           </p:nvPr>
         </p:nvSpPr>
         <p:spPr>
@@ -4490,7 +4641,7 @@
           </a:prstGeom>
         </p:spPr>
         <p:txBody>
-          <a:bodyPr anchorCtr="0" anchor="ctr" bIns="91425" lIns="91425" spcFirstLastPara="1" rIns="91425" wrap="square" tIns="91425">
+          <a:bodyPr spcFirstLastPara="1" wrap="square" lIns="91425" tIns="91425" rIns="91425" bIns="91425" anchor="ctr" anchorCtr="0">
             <a:normAutofit/>
           </a:bodyPr>
           <a:lstStyle>
@@ -4532,7 +4683,7 @@
             </a:lvl9pPr>
           </a:lstStyle>
           <a:p>
-            <a:pPr indent="0" lvl="0" marL="0" rtl="0" algn="r">
+            <a:pPr marL="0" lvl="0" indent="0" algn="r" rtl="0">
               <a:spcBef>
                 <a:spcPts val="0"/>
               </a:spcBef>
@@ -4558,11 +4709,11 @@
 </file>
 
 <file path=ppt/slideLayouts/slideLayout7.xml><?xml version="1.0" encoding="utf-8"?>
-<p:sldLayout xmlns:a="http://schemas.openxmlformats.org/drawingml/2006/main" xmlns:r="http://schemas.openxmlformats.org/officeDocument/2006/relationships" xmlns:mc="http://schemas.openxmlformats.org/markup-compatibility/2006" xmlns:mv="urn:schemas-microsoft-com:mac:vml" xmlns:p="http://schemas.openxmlformats.org/presentationml/2006/main" xmlns:c="http://schemas.openxmlformats.org/drawingml/2006/chart" xmlns:dgm="http://schemas.openxmlformats.org/drawingml/2006/diagram" xmlns:o="urn:schemas-microsoft-com:office:office" xmlns:v="urn:schemas-microsoft-com:vml" xmlns:pvml="urn:schemas-microsoft-com:office:powerpoint" xmlns:com="http://schemas.openxmlformats.org/drawingml/2006/compatibility" xmlns:p14="http://schemas.microsoft.com/office/powerpoint/2010/main" xmlns:p15="http://schemas.microsoft.com/office/powerpoint/2012/main" xmlns:ahyp="http://schemas.microsoft.com/office/drawing/2018/hyperlinkcolor" matchingName="Main point">
+<p:sldLayout xmlns:a="http://schemas.openxmlformats.org/drawingml/2006/main" xmlns:r="http://schemas.openxmlformats.org/officeDocument/2006/relationships" xmlns:p="http://schemas.openxmlformats.org/presentationml/2006/main" matchingName="Main point">
   <p:cSld name="MAIN_POINT">
     <p:spTree>
       <p:nvGrpSpPr>
-        <p:cNvPr id="32" name="Shape 32"/>
+        <p:cNvPr id="1" name="Shape 32"/>
         <p:cNvGrpSpPr/>
         <p:nvPr/>
       </p:nvGrpSpPr>
@@ -4577,7 +4728,9 @@
       <p:sp>
         <p:nvSpPr>
           <p:cNvPr id="33" name="Google Shape;33;p8"/>
-          <p:cNvSpPr txBox="1"/>
+          <p:cNvSpPr txBox="1">
+            <a:spLocks noGrp="1"/>
+          </p:cNvSpPr>
           <p:nvPr>
             <p:ph type="title"/>
           </p:nvPr>
@@ -4592,7 +4745,7 @@
           </a:prstGeom>
         </p:spPr>
         <p:txBody>
-          <a:bodyPr anchorCtr="0" anchor="ctr" bIns="91425" lIns="91425" spcFirstLastPara="1" rIns="91425" wrap="square" tIns="91425">
+          <a:bodyPr spcFirstLastPara="1" wrap="square" lIns="91425" tIns="91425" rIns="91425" bIns="91425" anchor="ctr" anchorCtr="0">
             <a:normAutofit/>
           </a:bodyPr>
           <a:lstStyle>
@@ -4696,15 +4849,19 @@
               <a:defRPr sz="4800"/>
             </a:lvl9pPr>
           </a:lstStyle>
-          <a:p/>
+          <a:p>
+            <a:endParaRPr/>
+          </a:p>
         </p:txBody>
       </p:sp>
       <p:sp>
         <p:nvSpPr>
           <p:cNvPr id="34" name="Google Shape;34;p8"/>
-          <p:cNvSpPr txBox="1"/>
+          <p:cNvSpPr txBox="1">
+            <a:spLocks noGrp="1"/>
+          </p:cNvSpPr>
           <p:nvPr>
-            <p:ph idx="12" type="sldNum"/>
+            <p:ph type="sldNum" idx="12"/>
           </p:nvPr>
         </p:nvSpPr>
         <p:spPr>
@@ -4717,7 +4874,7 @@
           </a:prstGeom>
         </p:spPr>
         <p:txBody>
-          <a:bodyPr anchorCtr="0" anchor="ctr" bIns="91425" lIns="91425" spcFirstLastPara="1" rIns="91425" wrap="square" tIns="91425">
+          <a:bodyPr spcFirstLastPara="1" wrap="square" lIns="91425" tIns="91425" rIns="91425" bIns="91425" anchor="ctr" anchorCtr="0">
             <a:normAutofit/>
           </a:bodyPr>
           <a:lstStyle>
@@ -4759,7 +4916,7 @@
             </a:lvl9pPr>
           </a:lstStyle>
           <a:p>
-            <a:pPr indent="0" lvl="0" marL="0" rtl="0" algn="r">
+            <a:pPr marL="0" lvl="0" indent="0" algn="r" rtl="0">
               <a:spcBef>
                 <a:spcPts val="0"/>
               </a:spcBef>
@@ -4785,11 +4942,11 @@
 </file>
 
 <file path=ppt/slideLayouts/slideLayout8.xml><?xml version="1.0" encoding="utf-8"?>
-<p:sldLayout xmlns:a="http://schemas.openxmlformats.org/drawingml/2006/main" xmlns:r="http://schemas.openxmlformats.org/officeDocument/2006/relationships" xmlns:mc="http://schemas.openxmlformats.org/markup-compatibility/2006" xmlns:mv="urn:schemas-microsoft-com:mac:vml" xmlns:p="http://schemas.openxmlformats.org/presentationml/2006/main" xmlns:c="http://schemas.openxmlformats.org/drawingml/2006/chart" xmlns:dgm="http://schemas.openxmlformats.org/drawingml/2006/diagram" xmlns:o="urn:schemas-microsoft-com:office:office" xmlns:v="urn:schemas-microsoft-com:vml" xmlns:pvml="urn:schemas-microsoft-com:office:powerpoint" xmlns:com="http://schemas.openxmlformats.org/drawingml/2006/compatibility" xmlns:p14="http://schemas.microsoft.com/office/powerpoint/2010/main" xmlns:p15="http://schemas.microsoft.com/office/powerpoint/2012/main" xmlns:ahyp="http://schemas.microsoft.com/office/drawing/2018/hyperlinkcolor" matchingName="Section title and description">
+<p:sldLayout xmlns:a="http://schemas.openxmlformats.org/drawingml/2006/main" xmlns:r="http://schemas.openxmlformats.org/officeDocument/2006/relationships" xmlns:p="http://schemas.openxmlformats.org/presentationml/2006/main" matchingName="Section title and description">
   <p:cSld name="SECTION_TITLE_AND_DESCRIPTION">
     <p:spTree>
       <p:nvGrpSpPr>
-        <p:cNvPr id="35" name="Shape 35"/>
+        <p:cNvPr id="1" name="Shape 35"/>
         <p:cNvGrpSpPr/>
         <p:nvPr/>
       </p:nvGrpSpPr>
@@ -4823,12 +4980,12 @@
           </a:ln>
         </p:spPr>
         <p:txBody>
-          <a:bodyPr anchorCtr="0" anchor="ctr" bIns="91425" lIns="91425" spcFirstLastPara="1" rIns="91425" wrap="square" tIns="91425">
+          <a:bodyPr spcFirstLastPara="1" wrap="square" lIns="91425" tIns="91425" rIns="91425" bIns="91425" anchor="ctr" anchorCtr="0">
             <a:noAutofit/>
           </a:bodyPr>
           <a:lstStyle/>
           <a:p>
-            <a:pPr indent="0" lvl="0" marL="0" rtl="0" algn="l">
+            <a:pPr marL="0" lvl="0" indent="0" algn="l" rtl="0">
               <a:spcBef>
                 <a:spcPts val="0"/>
               </a:spcBef>
@@ -4837,9 +4994,6 @@
               </a:spcAft>
               <a:buNone/>
             </a:pPr>
-            <a:r>
-              <a:t/>
-            </a:r>
             <a:endParaRPr/>
           </a:p>
         </p:txBody>
@@ -4847,7 +5001,9 @@
       <p:sp>
         <p:nvSpPr>
           <p:cNvPr id="37" name="Google Shape;37;p9"/>
-          <p:cNvSpPr txBox="1"/>
+          <p:cNvSpPr txBox="1">
+            <a:spLocks noGrp="1"/>
+          </p:cNvSpPr>
           <p:nvPr>
             <p:ph type="title"/>
           </p:nvPr>
@@ -4862,7 +5018,7 @@
           </a:prstGeom>
         </p:spPr>
         <p:txBody>
-          <a:bodyPr anchorCtr="0" anchor="b" bIns="91425" lIns="91425" spcFirstLastPara="1" rIns="91425" wrap="square" tIns="91425">
+          <a:bodyPr spcFirstLastPara="1" wrap="square" lIns="91425" tIns="91425" rIns="91425" bIns="91425" anchor="b" anchorCtr="0">
             <a:normAutofit/>
           </a:bodyPr>
           <a:lstStyle>
@@ -4966,15 +5122,19 @@
               <a:defRPr sz="4200"/>
             </a:lvl9pPr>
           </a:lstStyle>
-          <a:p/>
+          <a:p>
+            <a:endParaRPr/>
+          </a:p>
         </p:txBody>
       </p:sp>
       <p:sp>
         <p:nvSpPr>
           <p:cNvPr id="38" name="Google Shape;38;p9"/>
-          <p:cNvSpPr txBox="1"/>
+          <p:cNvSpPr txBox="1">
+            <a:spLocks noGrp="1"/>
+          </p:cNvSpPr>
           <p:nvPr>
-            <p:ph idx="1" type="subTitle"/>
+            <p:ph type="subTitle" idx="1"/>
           </p:nvPr>
         </p:nvSpPr>
         <p:spPr>
@@ -4987,7 +5147,7 @@
           </a:prstGeom>
         </p:spPr>
         <p:txBody>
-          <a:bodyPr anchorCtr="0" anchor="t" bIns="91425" lIns="91425" spcFirstLastPara="1" rIns="91425" wrap="square" tIns="91425">
+          <a:bodyPr spcFirstLastPara="1" wrap="square" lIns="91425" tIns="91425" rIns="91425" bIns="91425" anchor="t" anchorCtr="0">
             <a:normAutofit/>
           </a:bodyPr>
           <a:lstStyle>
@@ -5118,15 +5278,19 @@
               <a:defRPr sz="2100"/>
             </a:lvl9pPr>
           </a:lstStyle>
-          <a:p/>
+          <a:p>
+            <a:endParaRPr/>
+          </a:p>
         </p:txBody>
       </p:sp>
       <p:sp>
         <p:nvSpPr>
           <p:cNvPr id="39" name="Google Shape;39;p9"/>
-          <p:cNvSpPr txBox="1"/>
+          <p:cNvSpPr txBox="1">
+            <a:spLocks noGrp="1"/>
+          </p:cNvSpPr>
           <p:nvPr>
-            <p:ph idx="2" type="body"/>
+            <p:ph type="body" idx="2"/>
           </p:nvPr>
         </p:nvSpPr>
         <p:spPr>
@@ -5139,11 +5303,11 @@
           </a:prstGeom>
         </p:spPr>
         <p:txBody>
-          <a:bodyPr anchorCtr="0" anchor="ctr" bIns="91425" lIns="91425" spcFirstLastPara="1" rIns="91425" wrap="square" tIns="91425">
+          <a:bodyPr spcFirstLastPara="1" wrap="square" lIns="91425" tIns="91425" rIns="91425" bIns="91425" anchor="ctr" anchorCtr="0">
             <a:normAutofit/>
           </a:bodyPr>
           <a:lstStyle>
-            <a:lvl1pPr indent="-342900" lvl="0" marL="457200">
+            <a:lvl1pPr marL="457200" lvl="0" indent="-342900">
               <a:spcBef>
                 <a:spcPts val="0"/>
               </a:spcBef>
@@ -5154,7 +5318,7 @@
               <a:buChar char="●"/>
               <a:defRPr/>
             </a:lvl1pPr>
-            <a:lvl2pPr indent="-317500" lvl="1" marL="914400">
+            <a:lvl2pPr marL="914400" lvl="1" indent="-317500">
               <a:spcBef>
                 <a:spcPts val="0"/>
               </a:spcBef>
@@ -5165,7 +5329,7 @@
               <a:buChar char="○"/>
               <a:defRPr/>
             </a:lvl2pPr>
-            <a:lvl3pPr indent="-317500" lvl="2" marL="1371600">
+            <a:lvl3pPr marL="1371600" lvl="2" indent="-317500">
               <a:spcBef>
                 <a:spcPts val="0"/>
               </a:spcBef>
@@ -5176,7 +5340,7 @@
               <a:buChar char="■"/>
               <a:defRPr/>
             </a:lvl3pPr>
-            <a:lvl4pPr indent="-317500" lvl="3" marL="1828800">
+            <a:lvl4pPr marL="1828800" lvl="3" indent="-317500">
               <a:spcBef>
                 <a:spcPts val="0"/>
               </a:spcBef>
@@ -5187,7 +5351,7 @@
               <a:buChar char="●"/>
               <a:defRPr/>
             </a:lvl4pPr>
-            <a:lvl5pPr indent="-317500" lvl="4" marL="2286000">
+            <a:lvl5pPr marL="2286000" lvl="4" indent="-317500">
               <a:spcBef>
                 <a:spcPts val="0"/>
               </a:spcBef>
@@ -5198,7 +5362,7 @@
               <a:buChar char="○"/>
               <a:defRPr/>
             </a:lvl5pPr>
-            <a:lvl6pPr indent="-317500" lvl="5" marL="2743200">
+            <a:lvl6pPr marL="2743200" lvl="5" indent="-317500">
               <a:spcBef>
                 <a:spcPts val="0"/>
               </a:spcBef>
@@ -5209,7 +5373,7 @@
               <a:buChar char="■"/>
               <a:defRPr/>
             </a:lvl6pPr>
-            <a:lvl7pPr indent="-317500" lvl="6" marL="3200400">
+            <a:lvl7pPr marL="3200400" lvl="6" indent="-317500">
               <a:spcBef>
                 <a:spcPts val="0"/>
               </a:spcBef>
@@ -5220,7 +5384,7 @@
               <a:buChar char="●"/>
               <a:defRPr/>
             </a:lvl7pPr>
-            <a:lvl8pPr indent="-317500" lvl="7" marL="3657600">
+            <a:lvl8pPr marL="3657600" lvl="7" indent="-317500">
               <a:spcBef>
                 <a:spcPts val="0"/>
               </a:spcBef>
@@ -5231,7 +5395,7 @@
               <a:buChar char="○"/>
               <a:defRPr/>
             </a:lvl8pPr>
-            <a:lvl9pPr indent="-317500" lvl="8" marL="4114800">
+            <a:lvl9pPr marL="4114800" lvl="8" indent="-317500">
               <a:spcBef>
                 <a:spcPts val="0"/>
               </a:spcBef>
@@ -5243,15 +5407,19 @@
               <a:defRPr/>
             </a:lvl9pPr>
           </a:lstStyle>
-          <a:p/>
+          <a:p>
+            <a:endParaRPr/>
+          </a:p>
         </p:txBody>
       </p:sp>
       <p:sp>
         <p:nvSpPr>
           <p:cNvPr id="40" name="Google Shape;40;p9"/>
-          <p:cNvSpPr txBox="1"/>
+          <p:cNvSpPr txBox="1">
+            <a:spLocks noGrp="1"/>
+          </p:cNvSpPr>
           <p:nvPr>
-            <p:ph idx="12" type="sldNum"/>
+            <p:ph type="sldNum" idx="12"/>
           </p:nvPr>
         </p:nvSpPr>
         <p:spPr>
@@ -5264,7 +5432,7 @@
           </a:prstGeom>
         </p:spPr>
         <p:txBody>
-          <a:bodyPr anchorCtr="0" anchor="ctr" bIns="91425" lIns="91425" spcFirstLastPara="1" rIns="91425" wrap="square" tIns="91425">
+          <a:bodyPr spcFirstLastPara="1" wrap="square" lIns="91425" tIns="91425" rIns="91425" bIns="91425" anchor="ctr" anchorCtr="0">
             <a:normAutofit/>
           </a:bodyPr>
           <a:lstStyle>
@@ -5306,7 +5474,7 @@
             </a:lvl9pPr>
           </a:lstStyle>
           <a:p>
-            <a:pPr indent="0" lvl="0" marL="0" rtl="0" algn="r">
+            <a:pPr marL="0" lvl="0" indent="0" algn="r" rtl="0">
               <a:spcBef>
                 <a:spcPts val="0"/>
               </a:spcBef>
@@ -5332,11 +5500,11 @@
 </file>
 
 <file path=ppt/slideLayouts/slideLayout9.xml><?xml version="1.0" encoding="utf-8"?>
-<p:sldLayout xmlns:a="http://schemas.openxmlformats.org/drawingml/2006/main" xmlns:r="http://schemas.openxmlformats.org/officeDocument/2006/relationships" xmlns:mc="http://schemas.openxmlformats.org/markup-compatibility/2006" xmlns:mv="urn:schemas-microsoft-com:mac:vml" xmlns:p="http://schemas.openxmlformats.org/presentationml/2006/main" xmlns:c="http://schemas.openxmlformats.org/drawingml/2006/chart" xmlns:dgm="http://schemas.openxmlformats.org/drawingml/2006/diagram" xmlns:o="urn:schemas-microsoft-com:office:office" xmlns:v="urn:schemas-microsoft-com:vml" xmlns:pvml="urn:schemas-microsoft-com:office:powerpoint" xmlns:com="http://schemas.openxmlformats.org/drawingml/2006/compatibility" xmlns:p14="http://schemas.microsoft.com/office/powerpoint/2010/main" xmlns:p15="http://schemas.microsoft.com/office/powerpoint/2012/main" xmlns:ahyp="http://schemas.microsoft.com/office/drawing/2018/hyperlinkcolor" matchingName="Caption">
+<p:sldLayout xmlns:a="http://schemas.openxmlformats.org/drawingml/2006/main" xmlns:r="http://schemas.openxmlformats.org/officeDocument/2006/relationships" xmlns:p="http://schemas.openxmlformats.org/presentationml/2006/main" matchingName="Caption">
   <p:cSld name="CAPTION_ONLY">
     <p:spTree>
       <p:nvGrpSpPr>
-        <p:cNvPr id="41" name="Shape 41"/>
+        <p:cNvPr id="1" name="Shape 41"/>
         <p:cNvGrpSpPr/>
         <p:nvPr/>
       </p:nvGrpSpPr>
@@ -5351,9 +5519,11 @@
       <p:sp>
         <p:nvSpPr>
           <p:cNvPr id="42" name="Google Shape;42;p10"/>
-          <p:cNvSpPr txBox="1"/>
+          <p:cNvSpPr txBox="1">
+            <a:spLocks noGrp="1"/>
+          </p:cNvSpPr>
           <p:nvPr>
-            <p:ph idx="1" type="body"/>
+            <p:ph type="body" idx="1"/>
           </p:nvPr>
         </p:nvSpPr>
         <p:spPr>
@@ -5366,11 +5536,11 @@
           </a:prstGeom>
         </p:spPr>
         <p:txBody>
-          <a:bodyPr anchorCtr="0" anchor="ctr" bIns="91425" lIns="91425" spcFirstLastPara="1" rIns="91425" wrap="square" tIns="91425">
+          <a:bodyPr spcFirstLastPara="1" wrap="square" lIns="91425" tIns="91425" rIns="91425" bIns="91425" anchor="ctr" anchorCtr="0">
             <a:normAutofit/>
           </a:bodyPr>
           <a:lstStyle>
-            <a:lvl1pPr indent="-228600" lvl="0" marL="457200">
+            <a:lvl1pPr marL="457200" lvl="0" indent="-228600">
               <a:lnSpc>
                 <a:spcPct val="100000"/>
               </a:lnSpc>
@@ -5385,15 +5555,19 @@
               <a:defRPr/>
             </a:lvl1pPr>
           </a:lstStyle>
-          <a:p/>
+          <a:p>
+            <a:endParaRPr/>
+          </a:p>
         </p:txBody>
       </p:sp>
       <p:sp>
         <p:nvSpPr>
           <p:cNvPr id="43" name="Google Shape;43;p10"/>
-          <p:cNvSpPr txBox="1"/>
+          <p:cNvSpPr txBox="1">
+            <a:spLocks noGrp="1"/>
+          </p:cNvSpPr>
           <p:nvPr>
-            <p:ph idx="12" type="sldNum"/>
+            <p:ph type="sldNum" idx="12"/>
           </p:nvPr>
         </p:nvSpPr>
         <p:spPr>
@@ -5406,7 +5580,7 @@
           </a:prstGeom>
         </p:spPr>
         <p:txBody>
-          <a:bodyPr anchorCtr="0" anchor="ctr" bIns="91425" lIns="91425" spcFirstLastPara="1" rIns="91425" wrap="square" tIns="91425">
+          <a:bodyPr spcFirstLastPara="1" wrap="square" lIns="91425" tIns="91425" rIns="91425" bIns="91425" anchor="ctr" anchorCtr="0">
             <a:normAutofit/>
           </a:bodyPr>
           <a:lstStyle>
@@ -5448,7 +5622,7 @@
             </a:lvl9pPr>
           </a:lstStyle>
           <a:p>
-            <a:pPr indent="0" lvl="0" marL="0" rtl="0" algn="r">
+            <a:pPr marL="0" lvl="0" indent="0" algn="r" rtl="0">
               <a:spcBef>
                 <a:spcPts val="0"/>
               </a:spcBef>
@@ -5474,18 +5648,19 @@
 </file>
 
 <file path=ppt/slideMasters/slideMaster1.xml><?xml version="1.0" encoding="utf-8"?>
-<p:sldMaster xmlns:a="http://schemas.openxmlformats.org/drawingml/2006/main" xmlns:r="http://schemas.openxmlformats.org/officeDocument/2006/relationships" xmlns:mc="http://schemas.openxmlformats.org/markup-compatibility/2006" xmlns:mv="urn:schemas-microsoft-com:mac:vml" xmlns:p="http://schemas.openxmlformats.org/presentationml/2006/main" xmlns:c="http://schemas.openxmlformats.org/drawingml/2006/chart" xmlns:dgm="http://schemas.openxmlformats.org/drawingml/2006/diagram" xmlns:o="urn:schemas-microsoft-com:office:office" xmlns:v="urn:schemas-microsoft-com:vml" xmlns:pvml="urn:schemas-microsoft-com:office:powerpoint" xmlns:com="http://schemas.openxmlformats.org/drawingml/2006/compatibility" xmlns:p14="http://schemas.microsoft.com/office/powerpoint/2010/main" xmlns:p15="http://schemas.microsoft.com/office/powerpoint/2012/main" xmlns:ahyp="http://schemas.microsoft.com/office/drawing/2018/hyperlinkcolor">
+<p:sldMaster xmlns:a="http://schemas.openxmlformats.org/drawingml/2006/main" xmlns:r="http://schemas.openxmlformats.org/officeDocument/2006/relationships" xmlns:p="http://schemas.openxmlformats.org/presentationml/2006/main">
   <p:cSld name="simple-light-2">
     <p:bg>
       <p:bgPr>
         <a:solidFill>
           <a:schemeClr val="lt1"/>
         </a:solidFill>
+        <a:effectLst/>
       </p:bgPr>
     </p:bg>
     <p:spTree>
       <p:nvGrpSpPr>
-        <p:cNvPr id="5" name="Shape 5"/>
+        <p:cNvPr id="1" name="Shape 5"/>
         <p:cNvGrpSpPr/>
         <p:nvPr/>
       </p:nvGrpSpPr>
@@ -5500,7 +5675,9 @@
       <p:sp>
         <p:nvSpPr>
           <p:cNvPr id="6" name="Google Shape;6;p1"/>
-          <p:cNvSpPr txBox="1"/>
+          <p:cNvSpPr txBox="1">
+            <a:spLocks noGrp="1"/>
+          </p:cNvSpPr>
           <p:nvPr>
             <p:ph type="title"/>
           </p:nvPr>
@@ -5519,7 +5696,7 @@
           </a:ln>
         </p:spPr>
         <p:txBody>
-          <a:bodyPr anchorCtr="0" anchor="t" bIns="91425" lIns="91425" spcFirstLastPara="1" rIns="91425" wrap="square" tIns="91425">
+          <a:bodyPr spcFirstLastPara="1" wrap="square" lIns="91425" tIns="91425" rIns="91425" bIns="91425" anchor="t" anchorCtr="0">
             <a:normAutofit/>
           </a:bodyPr>
           <a:lstStyle>
@@ -5686,15 +5863,19 @@
               </a:defRPr>
             </a:lvl9pPr>
           </a:lstStyle>
-          <a:p/>
+          <a:p>
+            <a:endParaRPr/>
+          </a:p>
         </p:txBody>
       </p:sp>
       <p:sp>
         <p:nvSpPr>
           <p:cNvPr id="7" name="Google Shape;7;p1"/>
-          <p:cNvSpPr txBox="1"/>
+          <p:cNvSpPr txBox="1">
+            <a:spLocks noGrp="1"/>
+          </p:cNvSpPr>
           <p:nvPr>
-            <p:ph idx="1" type="body"/>
+            <p:ph type="body" idx="1"/>
           </p:nvPr>
         </p:nvSpPr>
         <p:spPr>
@@ -5711,11 +5892,11 @@
           </a:ln>
         </p:spPr>
         <p:txBody>
-          <a:bodyPr anchorCtr="0" anchor="t" bIns="91425" lIns="91425" spcFirstLastPara="1" rIns="91425" wrap="square" tIns="91425">
+          <a:bodyPr spcFirstLastPara="1" wrap="square" lIns="91425" tIns="91425" rIns="91425" bIns="91425" anchor="t" anchorCtr="0">
             <a:normAutofit/>
           </a:bodyPr>
           <a:lstStyle>
-            <a:lvl1pPr indent="-342900" lvl="0" marL="457200">
+            <a:lvl1pPr marL="457200" lvl="0" indent="-342900">
               <a:lnSpc>
                 <a:spcPct val="115000"/>
               </a:lnSpc>
@@ -5736,7 +5917,7 @@
                 </a:solidFill>
               </a:defRPr>
             </a:lvl1pPr>
-            <a:lvl2pPr indent="-317500" lvl="1" marL="914400">
+            <a:lvl2pPr marL="914400" lvl="1" indent="-317500">
               <a:lnSpc>
                 <a:spcPct val="115000"/>
               </a:lnSpc>
@@ -5757,7 +5938,7 @@
                 </a:solidFill>
               </a:defRPr>
             </a:lvl2pPr>
-            <a:lvl3pPr indent="-317500" lvl="2" marL="1371600">
+            <a:lvl3pPr marL="1371600" lvl="2" indent="-317500">
               <a:lnSpc>
                 <a:spcPct val="115000"/>
               </a:lnSpc>
@@ -5778,7 +5959,7 @@
                 </a:solidFill>
               </a:defRPr>
             </a:lvl3pPr>
-            <a:lvl4pPr indent="-317500" lvl="3" marL="1828800">
+            <a:lvl4pPr marL="1828800" lvl="3" indent="-317500">
               <a:lnSpc>
                 <a:spcPct val="115000"/>
               </a:lnSpc>
@@ -5799,7 +5980,7 @@
                 </a:solidFill>
               </a:defRPr>
             </a:lvl4pPr>
-            <a:lvl5pPr indent="-317500" lvl="4" marL="2286000">
+            <a:lvl5pPr marL="2286000" lvl="4" indent="-317500">
               <a:lnSpc>
                 <a:spcPct val="115000"/>
               </a:lnSpc>
@@ -5820,7 +6001,7 @@
                 </a:solidFill>
               </a:defRPr>
             </a:lvl5pPr>
-            <a:lvl6pPr indent="-317500" lvl="5" marL="2743200">
+            <a:lvl6pPr marL="2743200" lvl="5" indent="-317500">
               <a:lnSpc>
                 <a:spcPct val="115000"/>
               </a:lnSpc>
@@ -5841,7 +6022,7 @@
                 </a:solidFill>
               </a:defRPr>
             </a:lvl6pPr>
-            <a:lvl7pPr indent="-317500" lvl="6" marL="3200400">
+            <a:lvl7pPr marL="3200400" lvl="6" indent="-317500">
               <a:lnSpc>
                 <a:spcPct val="115000"/>
               </a:lnSpc>
@@ -5862,7 +6043,7 @@
                 </a:solidFill>
               </a:defRPr>
             </a:lvl7pPr>
-            <a:lvl8pPr indent="-317500" lvl="7" marL="3657600">
+            <a:lvl8pPr marL="3657600" lvl="7" indent="-317500">
               <a:lnSpc>
                 <a:spcPct val="115000"/>
               </a:lnSpc>
@@ -5883,7 +6064,7 @@
                 </a:solidFill>
               </a:defRPr>
             </a:lvl8pPr>
-            <a:lvl9pPr indent="-317500" lvl="8" marL="4114800">
+            <a:lvl9pPr marL="4114800" lvl="8" indent="-317500">
               <a:lnSpc>
                 <a:spcPct val="115000"/>
               </a:lnSpc>
@@ -5905,15 +6086,19 @@
               </a:defRPr>
             </a:lvl9pPr>
           </a:lstStyle>
-          <a:p/>
+          <a:p>
+            <a:endParaRPr/>
+          </a:p>
         </p:txBody>
       </p:sp>
       <p:sp>
         <p:nvSpPr>
           <p:cNvPr id="8" name="Google Shape;8;p1"/>
-          <p:cNvSpPr txBox="1"/>
+          <p:cNvSpPr txBox="1">
+            <a:spLocks noGrp="1"/>
+          </p:cNvSpPr>
           <p:nvPr>
-            <p:ph idx="12" type="sldNum"/>
+            <p:ph type="sldNum" idx="12"/>
           </p:nvPr>
         </p:nvSpPr>
         <p:spPr>
@@ -5930,7 +6115,7 @@
           </a:ln>
         </p:spPr>
         <p:txBody>
-          <a:bodyPr anchorCtr="0" anchor="ctr" bIns="91425" lIns="91425" spcFirstLastPara="1" rIns="91425" wrap="square" tIns="91425">
+          <a:bodyPr spcFirstLastPara="1" wrap="square" lIns="91425" tIns="91425" rIns="91425" bIns="91425" anchor="ctr" anchorCtr="0">
             <a:normAutofit/>
           </a:bodyPr>
           <a:lstStyle>
@@ -6008,7 +6193,7 @@
             </a:lvl9pPr>
           </a:lstStyle>
           <a:p>
-            <a:pPr indent="0" lvl="0" marL="0" rtl="0" algn="r">
+            <a:pPr marL="0" lvl="0" indent="0" algn="r" rtl="0">
               <a:spcBef>
                 <a:spcPts val="0"/>
               </a:spcBef>
@@ -6027,7 +6212,7 @@
       </p:sp>
     </p:spTree>
   </p:cSld>
-  <p:clrMap accent1="accent1" accent2="accent2" accent3="accent3" accent4="accent4" accent5="accent5" accent6="accent6" bg1="lt1" bg2="dk2" tx1="dk1" tx2="lt2" folHlink="folHlink" hlink="hlink"/>
+  <p:clrMap bg1="lt1" tx1="dk1" bg2="dk2" tx2="lt2" accent1="accent1" accent2="accent2" accent3="accent3" accent4="accent4" accent5="accent5" accent6="accent6" hlink="hlink" folHlink="folHlink"/>
   <p:sldLayoutIdLst>
     <p:sldLayoutId id="2147483648" r:id="rId1"/>
     <p:sldLayoutId id="2147483649" r:id="rId2"/>
@@ -6041,10 +6226,10 @@
     <p:sldLayoutId id="2147483657" r:id="rId10"/>
     <p:sldLayoutId id="2147483658" r:id="rId11"/>
   </p:sldLayoutIdLst>
-  <p:hf dt="0" ftr="0" hdr="0" sldNum="0"/>
+  <p:hf sldNum="0" hdr="0" ftr="0" dt="0"/>
   <p:txStyles>
     <p:titleStyle>
-      <a:defPPr lvl="0" marR="0" rtl="0" algn="l">
+      <a:defPPr marR="0" lvl="0" algn="l" rtl="0">
         <a:lnSpc>
           <a:spcPct val="100000"/>
         </a:lnSpc>
@@ -6055,7 +6240,7 @@
           <a:spcPts val="0"/>
         </a:spcAft>
       </a:defPPr>
-      <a:lvl1pPr lvl="0" marR="0" rtl="0" algn="l">
+      <a:lvl1pPr marR="0" lvl="0" algn="l" rtl="0">
         <a:lnSpc>
           <a:spcPct val="100000"/>
         </a:lnSpc>
@@ -6069,7 +6254,7 @@
           <a:srgbClr val="000000"/>
         </a:buClr>
         <a:buFont typeface="Arial"/>
-        <a:defRPr b="0" i="0" sz="1400" u="none" cap="none" strike="noStrike">
+        <a:defRPr sz="1400" b="0" i="0" u="none" strike="noStrike" cap="none">
           <a:solidFill>
             <a:srgbClr val="000000"/>
           </a:solidFill>
@@ -6079,7 +6264,7 @@
           <a:sym typeface="Arial"/>
         </a:defRPr>
       </a:lvl1pPr>
-      <a:lvl2pPr lvl="1" marR="0" rtl="0" algn="l">
+      <a:lvl2pPr marR="0" lvl="1" algn="l" rtl="0">
         <a:lnSpc>
           <a:spcPct val="100000"/>
         </a:lnSpc>
@@ -6093,7 +6278,7 @@
           <a:srgbClr val="000000"/>
         </a:buClr>
         <a:buFont typeface="Arial"/>
-        <a:defRPr b="0" i="0" sz="1400" u="none" cap="none" strike="noStrike">
+        <a:defRPr sz="1400" b="0" i="0" u="none" strike="noStrike" cap="none">
           <a:solidFill>
             <a:srgbClr val="000000"/>
           </a:solidFill>
@@ -6103,7 +6288,7 @@
           <a:sym typeface="Arial"/>
         </a:defRPr>
       </a:lvl2pPr>
-      <a:lvl3pPr lvl="2" marR="0" rtl="0" algn="l">
+      <a:lvl3pPr marR="0" lvl="2" algn="l" rtl="0">
         <a:lnSpc>
           <a:spcPct val="100000"/>
         </a:lnSpc>
@@ -6117,7 +6302,7 @@
           <a:srgbClr val="000000"/>
         </a:buClr>
         <a:buFont typeface="Arial"/>
-        <a:defRPr b="0" i="0" sz="1400" u="none" cap="none" strike="noStrike">
+        <a:defRPr sz="1400" b="0" i="0" u="none" strike="noStrike" cap="none">
           <a:solidFill>
             <a:srgbClr val="000000"/>
           </a:solidFill>
@@ -6127,7 +6312,7 @@
           <a:sym typeface="Arial"/>
         </a:defRPr>
       </a:lvl3pPr>
-      <a:lvl4pPr lvl="3" marR="0" rtl="0" algn="l">
+      <a:lvl4pPr marR="0" lvl="3" algn="l" rtl="0">
         <a:lnSpc>
           <a:spcPct val="100000"/>
         </a:lnSpc>
@@ -6141,7 +6326,7 @@
           <a:srgbClr val="000000"/>
         </a:buClr>
         <a:buFont typeface="Arial"/>
-        <a:defRPr b="0" i="0" sz="1400" u="none" cap="none" strike="noStrike">
+        <a:defRPr sz="1400" b="0" i="0" u="none" strike="noStrike" cap="none">
           <a:solidFill>
             <a:srgbClr val="000000"/>
           </a:solidFill>
@@ -6151,7 +6336,7 @@
           <a:sym typeface="Arial"/>
         </a:defRPr>
       </a:lvl4pPr>
-      <a:lvl5pPr lvl="4" marR="0" rtl="0" algn="l">
+      <a:lvl5pPr marR="0" lvl="4" algn="l" rtl="0">
         <a:lnSpc>
           <a:spcPct val="100000"/>
         </a:lnSpc>
@@ -6165,7 +6350,7 @@
           <a:srgbClr val="000000"/>
         </a:buClr>
         <a:buFont typeface="Arial"/>
-        <a:defRPr b="0" i="0" sz="1400" u="none" cap="none" strike="noStrike">
+        <a:defRPr sz="1400" b="0" i="0" u="none" strike="noStrike" cap="none">
           <a:solidFill>
             <a:srgbClr val="000000"/>
           </a:solidFill>
@@ -6175,7 +6360,7 @@
           <a:sym typeface="Arial"/>
         </a:defRPr>
       </a:lvl5pPr>
-      <a:lvl6pPr lvl="5" marR="0" rtl="0" algn="l">
+      <a:lvl6pPr marR="0" lvl="5" algn="l" rtl="0">
         <a:lnSpc>
           <a:spcPct val="100000"/>
         </a:lnSpc>
@@ -6189,7 +6374,7 @@
           <a:srgbClr val="000000"/>
         </a:buClr>
         <a:buFont typeface="Arial"/>
-        <a:defRPr b="0" i="0" sz="1400" u="none" cap="none" strike="noStrike">
+        <a:defRPr sz="1400" b="0" i="0" u="none" strike="noStrike" cap="none">
           <a:solidFill>
             <a:srgbClr val="000000"/>
           </a:solidFill>
@@ -6199,7 +6384,7 @@
           <a:sym typeface="Arial"/>
         </a:defRPr>
       </a:lvl6pPr>
-      <a:lvl7pPr lvl="6" marR="0" rtl="0" algn="l">
+      <a:lvl7pPr marR="0" lvl="6" algn="l" rtl="0">
         <a:lnSpc>
           <a:spcPct val="100000"/>
         </a:lnSpc>
@@ -6213,7 +6398,7 @@
           <a:srgbClr val="000000"/>
         </a:buClr>
         <a:buFont typeface="Arial"/>
-        <a:defRPr b="0" i="0" sz="1400" u="none" cap="none" strike="noStrike">
+        <a:defRPr sz="1400" b="0" i="0" u="none" strike="noStrike" cap="none">
           <a:solidFill>
             <a:srgbClr val="000000"/>
           </a:solidFill>
@@ -6223,7 +6408,7 @@
           <a:sym typeface="Arial"/>
         </a:defRPr>
       </a:lvl7pPr>
-      <a:lvl8pPr lvl="7" marR="0" rtl="0" algn="l">
+      <a:lvl8pPr marR="0" lvl="7" algn="l" rtl="0">
         <a:lnSpc>
           <a:spcPct val="100000"/>
         </a:lnSpc>
@@ -6237,7 +6422,7 @@
           <a:srgbClr val="000000"/>
         </a:buClr>
         <a:buFont typeface="Arial"/>
-        <a:defRPr b="0" i="0" sz="1400" u="none" cap="none" strike="noStrike">
+        <a:defRPr sz="1400" b="0" i="0" u="none" strike="noStrike" cap="none">
           <a:solidFill>
             <a:srgbClr val="000000"/>
           </a:solidFill>
@@ -6247,7 +6432,7 @@
           <a:sym typeface="Arial"/>
         </a:defRPr>
       </a:lvl8pPr>
-      <a:lvl9pPr lvl="8" marR="0" rtl="0" algn="l">
+      <a:lvl9pPr marR="0" lvl="8" algn="l" rtl="0">
         <a:lnSpc>
           <a:spcPct val="100000"/>
         </a:lnSpc>
@@ -6261,7 +6446,7 @@
           <a:srgbClr val="000000"/>
         </a:buClr>
         <a:buFont typeface="Arial"/>
-        <a:defRPr b="0" i="0" sz="1400" u="none" cap="none" strike="noStrike">
+        <a:defRPr sz="1400" b="0" i="0" u="none" strike="noStrike" cap="none">
           <a:solidFill>
             <a:srgbClr val="000000"/>
           </a:solidFill>
@@ -6273,7 +6458,7 @@
       </a:lvl9pPr>
     </p:titleStyle>
     <p:bodyStyle>
-      <a:defPPr lvl="0" marR="0" rtl="0" algn="l">
+      <a:defPPr marR="0" lvl="0" algn="l" rtl="0">
         <a:lnSpc>
           <a:spcPct val="100000"/>
         </a:lnSpc>
@@ -6284,7 +6469,7 @@
           <a:spcPts val="0"/>
         </a:spcAft>
       </a:defPPr>
-      <a:lvl1pPr lvl="0" marR="0" rtl="0" algn="l">
+      <a:lvl1pPr marR="0" lvl="0" algn="l" rtl="0">
         <a:lnSpc>
           <a:spcPct val="100000"/>
         </a:lnSpc>
@@ -6298,7 +6483,7 @@
           <a:srgbClr val="000000"/>
         </a:buClr>
         <a:buFont typeface="Arial"/>
-        <a:defRPr b="0" i="0" sz="1400" u="none" cap="none" strike="noStrike">
+        <a:defRPr sz="1400" b="0" i="0" u="none" strike="noStrike" cap="none">
           <a:solidFill>
             <a:srgbClr val="000000"/>
           </a:solidFill>
@@ -6308,7 +6493,7 @@
           <a:sym typeface="Arial"/>
         </a:defRPr>
       </a:lvl1pPr>
-      <a:lvl2pPr lvl="1" marR="0" rtl="0" algn="l">
+      <a:lvl2pPr marR="0" lvl="1" algn="l" rtl="0">
         <a:lnSpc>
           <a:spcPct val="100000"/>
         </a:lnSpc>
@@ -6322,7 +6507,7 @@
           <a:srgbClr val="000000"/>
         </a:buClr>
         <a:buFont typeface="Arial"/>
-        <a:defRPr b="0" i="0" sz="1400" u="none" cap="none" strike="noStrike">
+        <a:defRPr sz="1400" b="0" i="0" u="none" strike="noStrike" cap="none">
           <a:solidFill>
             <a:srgbClr val="000000"/>
           </a:solidFill>
@@ -6332,7 +6517,7 @@
           <a:sym typeface="Arial"/>
         </a:defRPr>
       </a:lvl2pPr>
-      <a:lvl3pPr lvl="2" marR="0" rtl="0" algn="l">
+      <a:lvl3pPr marR="0" lvl="2" algn="l" rtl="0">
         <a:lnSpc>
           <a:spcPct val="100000"/>
         </a:lnSpc>
@@ -6346,7 +6531,7 @@
           <a:srgbClr val="000000"/>
         </a:buClr>
         <a:buFont typeface="Arial"/>
-        <a:defRPr b="0" i="0" sz="1400" u="none" cap="none" strike="noStrike">
+        <a:defRPr sz="1400" b="0" i="0" u="none" strike="noStrike" cap="none">
           <a:solidFill>
             <a:srgbClr val="000000"/>
           </a:solidFill>
@@ -6356,7 +6541,7 @@
           <a:sym typeface="Arial"/>
         </a:defRPr>
       </a:lvl3pPr>
-      <a:lvl4pPr lvl="3" marR="0" rtl="0" algn="l">
+      <a:lvl4pPr marR="0" lvl="3" algn="l" rtl="0">
         <a:lnSpc>
           <a:spcPct val="100000"/>
         </a:lnSpc>
@@ -6370,7 +6555,7 @@
           <a:srgbClr val="000000"/>
         </a:buClr>
         <a:buFont typeface="Arial"/>
-        <a:defRPr b="0" i="0" sz="1400" u="none" cap="none" strike="noStrike">
+        <a:defRPr sz="1400" b="0" i="0" u="none" strike="noStrike" cap="none">
           <a:solidFill>
             <a:srgbClr val="000000"/>
           </a:solidFill>
@@ -6380,7 +6565,7 @@
           <a:sym typeface="Arial"/>
         </a:defRPr>
       </a:lvl4pPr>
-      <a:lvl5pPr lvl="4" marR="0" rtl="0" algn="l">
+      <a:lvl5pPr marR="0" lvl="4" algn="l" rtl="0">
         <a:lnSpc>
           <a:spcPct val="100000"/>
         </a:lnSpc>
@@ -6394,7 +6579,7 @@
           <a:srgbClr val="000000"/>
         </a:buClr>
         <a:buFont typeface="Arial"/>
-        <a:defRPr b="0" i="0" sz="1400" u="none" cap="none" strike="noStrike">
+        <a:defRPr sz="1400" b="0" i="0" u="none" strike="noStrike" cap="none">
           <a:solidFill>
             <a:srgbClr val="000000"/>
           </a:solidFill>
@@ -6404,7 +6589,7 @@
           <a:sym typeface="Arial"/>
         </a:defRPr>
       </a:lvl5pPr>
-      <a:lvl6pPr lvl="5" marR="0" rtl="0" algn="l">
+      <a:lvl6pPr marR="0" lvl="5" algn="l" rtl="0">
         <a:lnSpc>
           <a:spcPct val="100000"/>
         </a:lnSpc>
@@ -6418,7 +6603,7 @@
           <a:srgbClr val="000000"/>
         </a:buClr>
         <a:buFont typeface="Arial"/>
-        <a:defRPr b="0" i="0" sz="1400" u="none" cap="none" strike="noStrike">
+        <a:defRPr sz="1400" b="0" i="0" u="none" strike="noStrike" cap="none">
           <a:solidFill>
             <a:srgbClr val="000000"/>
           </a:solidFill>
@@ -6428,7 +6613,7 @@
           <a:sym typeface="Arial"/>
         </a:defRPr>
       </a:lvl6pPr>
-      <a:lvl7pPr lvl="6" marR="0" rtl="0" algn="l">
+      <a:lvl7pPr marR="0" lvl="6" algn="l" rtl="0">
         <a:lnSpc>
           <a:spcPct val="100000"/>
         </a:lnSpc>
@@ -6442,7 +6627,7 @@
           <a:srgbClr val="000000"/>
         </a:buClr>
         <a:buFont typeface="Arial"/>
-        <a:defRPr b="0" i="0" sz="1400" u="none" cap="none" strike="noStrike">
+        <a:defRPr sz="1400" b="0" i="0" u="none" strike="noStrike" cap="none">
           <a:solidFill>
             <a:srgbClr val="000000"/>
           </a:solidFill>
@@ -6452,7 +6637,7 @@
           <a:sym typeface="Arial"/>
         </a:defRPr>
       </a:lvl7pPr>
-      <a:lvl8pPr lvl="7" marR="0" rtl="0" algn="l">
+      <a:lvl8pPr marR="0" lvl="7" algn="l" rtl="0">
         <a:lnSpc>
           <a:spcPct val="100000"/>
         </a:lnSpc>
@@ -6466,7 +6651,7 @@
           <a:srgbClr val="000000"/>
         </a:buClr>
         <a:buFont typeface="Arial"/>
-        <a:defRPr b="0" i="0" sz="1400" u="none" cap="none" strike="noStrike">
+        <a:defRPr sz="1400" b="0" i="0" u="none" strike="noStrike" cap="none">
           <a:solidFill>
             <a:srgbClr val="000000"/>
           </a:solidFill>
@@ -6476,7 +6661,7 @@
           <a:sym typeface="Arial"/>
         </a:defRPr>
       </a:lvl8pPr>
-      <a:lvl9pPr lvl="8" marR="0" rtl="0" algn="l">
+      <a:lvl9pPr marR="0" lvl="8" algn="l" rtl="0">
         <a:lnSpc>
           <a:spcPct val="100000"/>
         </a:lnSpc>
@@ -6490,7 +6675,7 @@
           <a:srgbClr val="000000"/>
         </a:buClr>
         <a:buFont typeface="Arial"/>
-        <a:defRPr b="0" i="0" sz="1400" u="none" cap="none" strike="noStrike">
+        <a:defRPr sz="1400" b="0" i="0" u="none" strike="noStrike" cap="none">
           <a:solidFill>
             <a:srgbClr val="000000"/>
           </a:solidFill>
@@ -6502,7 +6687,7 @@
       </a:lvl9pPr>
     </p:bodyStyle>
     <p:otherStyle>
-      <a:defPPr lvl="0" marR="0" rtl="0" algn="l">
+      <a:defPPr marR="0" lvl="0" algn="l" rtl="0">
         <a:lnSpc>
           <a:spcPct val="100000"/>
         </a:lnSpc>
@@ -6513,7 +6698,7 @@
           <a:spcPts val="0"/>
         </a:spcAft>
       </a:defPPr>
-      <a:lvl1pPr lvl="0" marR="0" rtl="0" algn="l">
+      <a:lvl1pPr marR="0" lvl="0" algn="l" rtl="0">
         <a:lnSpc>
           <a:spcPct val="100000"/>
         </a:lnSpc>
@@ -6527,7 +6712,7 @@
           <a:srgbClr val="000000"/>
         </a:buClr>
         <a:buFont typeface="Arial"/>
-        <a:defRPr b="0" i="0" sz="1400" u="none" cap="none" strike="noStrike">
+        <a:defRPr sz="1400" b="0" i="0" u="none" strike="noStrike" cap="none">
           <a:solidFill>
             <a:srgbClr val="000000"/>
           </a:solidFill>
@@ -6537,7 +6722,7 @@
           <a:sym typeface="Arial"/>
         </a:defRPr>
       </a:lvl1pPr>
-      <a:lvl2pPr lvl="1" marR="0" rtl="0" algn="l">
+      <a:lvl2pPr marR="0" lvl="1" algn="l" rtl="0">
         <a:lnSpc>
           <a:spcPct val="100000"/>
         </a:lnSpc>
@@ -6551,7 +6736,7 @@
           <a:srgbClr val="000000"/>
         </a:buClr>
         <a:buFont typeface="Arial"/>
-        <a:defRPr b="0" i="0" sz="1400" u="none" cap="none" strike="noStrike">
+        <a:defRPr sz="1400" b="0" i="0" u="none" strike="noStrike" cap="none">
           <a:solidFill>
             <a:srgbClr val="000000"/>
           </a:solidFill>
@@ -6561,7 +6746,7 @@
           <a:sym typeface="Arial"/>
         </a:defRPr>
       </a:lvl2pPr>
-      <a:lvl3pPr lvl="2" marR="0" rtl="0" algn="l">
+      <a:lvl3pPr marR="0" lvl="2" algn="l" rtl="0">
         <a:lnSpc>
           <a:spcPct val="100000"/>
         </a:lnSpc>
@@ -6575,7 +6760,7 @@
           <a:srgbClr val="000000"/>
         </a:buClr>
         <a:buFont typeface="Arial"/>
-        <a:defRPr b="0" i="0" sz="1400" u="none" cap="none" strike="noStrike">
+        <a:defRPr sz="1400" b="0" i="0" u="none" strike="noStrike" cap="none">
           <a:solidFill>
             <a:srgbClr val="000000"/>
           </a:solidFill>
@@ -6585,7 +6770,7 @@
           <a:sym typeface="Arial"/>
         </a:defRPr>
       </a:lvl3pPr>
-      <a:lvl4pPr lvl="3" marR="0" rtl="0" algn="l">
+      <a:lvl4pPr marR="0" lvl="3" algn="l" rtl="0">
         <a:lnSpc>
           <a:spcPct val="100000"/>
         </a:lnSpc>
@@ -6599,7 +6784,7 @@
           <a:srgbClr val="000000"/>
         </a:buClr>
         <a:buFont typeface="Arial"/>
-        <a:defRPr b="0" i="0" sz="1400" u="none" cap="none" strike="noStrike">
+        <a:defRPr sz="1400" b="0" i="0" u="none" strike="noStrike" cap="none">
           <a:solidFill>
             <a:srgbClr val="000000"/>
           </a:solidFill>
@@ -6609,7 +6794,7 @@
           <a:sym typeface="Arial"/>
         </a:defRPr>
       </a:lvl4pPr>
-      <a:lvl5pPr lvl="4" marR="0" rtl="0" algn="l">
+      <a:lvl5pPr marR="0" lvl="4" algn="l" rtl="0">
         <a:lnSpc>
           <a:spcPct val="100000"/>
         </a:lnSpc>
@@ -6623,7 +6808,7 @@
           <a:srgbClr val="000000"/>
         </a:buClr>
         <a:buFont typeface="Arial"/>
-        <a:defRPr b="0" i="0" sz="1400" u="none" cap="none" strike="noStrike">
+        <a:defRPr sz="1400" b="0" i="0" u="none" strike="noStrike" cap="none">
           <a:solidFill>
             <a:srgbClr val="000000"/>
           </a:solidFill>
@@ -6633,7 +6818,7 @@
           <a:sym typeface="Arial"/>
         </a:defRPr>
       </a:lvl5pPr>
-      <a:lvl6pPr lvl="5" marR="0" rtl="0" algn="l">
+      <a:lvl6pPr marR="0" lvl="5" algn="l" rtl="0">
         <a:lnSpc>
           <a:spcPct val="100000"/>
         </a:lnSpc>
@@ -6647,7 +6832,7 @@
           <a:srgbClr val="000000"/>
         </a:buClr>
         <a:buFont typeface="Arial"/>
-        <a:defRPr b="0" i="0" sz="1400" u="none" cap="none" strike="noStrike">
+        <a:defRPr sz="1400" b="0" i="0" u="none" strike="noStrike" cap="none">
           <a:solidFill>
             <a:srgbClr val="000000"/>
           </a:solidFill>
@@ -6657,7 +6842,7 @@
           <a:sym typeface="Arial"/>
         </a:defRPr>
       </a:lvl6pPr>
-      <a:lvl7pPr lvl="6" marR="0" rtl="0" algn="l">
+      <a:lvl7pPr marR="0" lvl="6" algn="l" rtl="0">
         <a:lnSpc>
           <a:spcPct val="100000"/>
         </a:lnSpc>
@@ -6671,7 +6856,7 @@
           <a:srgbClr val="000000"/>
         </a:buClr>
         <a:buFont typeface="Arial"/>
-        <a:defRPr b="0" i="0" sz="1400" u="none" cap="none" strike="noStrike">
+        <a:defRPr sz="1400" b="0" i="0" u="none" strike="noStrike" cap="none">
           <a:solidFill>
             <a:srgbClr val="000000"/>
           </a:solidFill>
@@ -6681,7 +6866,7 @@
           <a:sym typeface="Arial"/>
         </a:defRPr>
       </a:lvl7pPr>
-      <a:lvl8pPr lvl="7" marR="0" rtl="0" algn="l">
+      <a:lvl8pPr marR="0" lvl="7" algn="l" rtl="0">
         <a:lnSpc>
           <a:spcPct val="100000"/>
         </a:lnSpc>
@@ -6695,7 +6880,7 @@
           <a:srgbClr val="000000"/>
         </a:buClr>
         <a:buFont typeface="Arial"/>
-        <a:defRPr b="0" i="0" sz="1400" u="none" cap="none" strike="noStrike">
+        <a:defRPr sz="1400" b="0" i="0" u="none" strike="noStrike" cap="none">
           <a:solidFill>
             <a:srgbClr val="000000"/>
           </a:solidFill>
@@ -6705,7 +6890,7 @@
           <a:sym typeface="Arial"/>
         </a:defRPr>
       </a:lvl8pPr>
-      <a:lvl9pPr lvl="8" marR="0" rtl="0" algn="l">
+      <a:lvl9pPr marR="0" lvl="8" algn="l" rtl="0">
         <a:lnSpc>
           <a:spcPct val="100000"/>
         </a:lnSpc>
@@ -6719,7 +6904,7 @@
           <a:srgbClr val="000000"/>
         </a:buClr>
         <a:buFont typeface="Arial"/>
-        <a:defRPr b="0" i="0" sz="1400" u="none" cap="none" strike="noStrike">
+        <a:defRPr sz="1400" b="0" i="0" u="none" strike="noStrike" cap="none">
           <a:solidFill>
             <a:srgbClr val="000000"/>
           </a:solidFill>
@@ -6735,11 +6920,11 @@
 </file>
 
 <file path=ppt/slides/slide1.xml><?xml version="1.0" encoding="utf-8"?>
-<p:sld xmlns:a="http://schemas.openxmlformats.org/drawingml/2006/main" xmlns:r="http://schemas.openxmlformats.org/officeDocument/2006/relationships" xmlns:mc="http://schemas.openxmlformats.org/markup-compatibility/2006" xmlns:mv="urn:schemas-microsoft-com:mac:vml" xmlns:p="http://schemas.openxmlformats.org/presentationml/2006/main" xmlns:c="http://schemas.openxmlformats.org/drawingml/2006/chart" xmlns:dgm="http://schemas.openxmlformats.org/drawingml/2006/diagram" xmlns:o="urn:schemas-microsoft-com:office:office" xmlns:v="urn:schemas-microsoft-com:vml" xmlns:pvml="urn:schemas-microsoft-com:office:powerpoint" xmlns:com="http://schemas.openxmlformats.org/drawingml/2006/compatibility" xmlns:p14="http://schemas.microsoft.com/office/powerpoint/2010/main" xmlns:p15="http://schemas.microsoft.com/office/powerpoint/2012/main" xmlns:ahyp="http://schemas.microsoft.com/office/drawing/2018/hyperlinkcolor">
+<p:sld xmlns:a="http://schemas.openxmlformats.org/drawingml/2006/main" xmlns:r="http://schemas.openxmlformats.org/officeDocument/2006/relationships" xmlns:p="http://schemas.openxmlformats.org/presentationml/2006/main">
   <p:cSld>
     <p:spTree>
       <p:nvGrpSpPr>
-        <p:cNvPr id="53" name="Shape 53"/>
+        <p:cNvPr id="1" name="Shape 53"/>
         <p:cNvGrpSpPr/>
         <p:nvPr/>
       </p:nvGrpSpPr>
@@ -6754,7 +6939,9 @@
       <p:sp>
         <p:nvSpPr>
           <p:cNvPr id="54" name="Google Shape;54;p13"/>
-          <p:cNvSpPr txBox="1"/>
+          <p:cNvSpPr txBox="1">
+            <a:spLocks noGrp="1"/>
+          </p:cNvSpPr>
           <p:nvPr>
             <p:ph type="ctrTitle"/>
           </p:nvPr>
@@ -6769,12 +6956,12 @@
           </a:prstGeom>
         </p:spPr>
         <p:txBody>
-          <a:bodyPr anchorCtr="0" anchor="b" bIns="91425" lIns="91425" spcFirstLastPara="1" rIns="91425" wrap="square" tIns="91425">
+          <a:bodyPr spcFirstLastPara="1" wrap="square" lIns="91425" tIns="91425" rIns="91425" bIns="91425" anchor="b" anchorCtr="0">
             <a:normAutofit fontScale="90000"/>
           </a:bodyPr>
           <a:lstStyle/>
           <a:p>
-            <a:pPr indent="0" lvl="0" marL="0" rtl="0" algn="l">
+            <a:pPr marL="0" lvl="0" indent="0" algn="l" rtl="0">
               <a:spcBef>
                 <a:spcPts val="0"/>
               </a:spcBef>
@@ -6794,9 +6981,11 @@
       <p:sp>
         <p:nvSpPr>
           <p:cNvPr id="55" name="Google Shape;55;p13"/>
-          <p:cNvSpPr txBox="1"/>
+          <p:cNvSpPr txBox="1">
+            <a:spLocks noGrp="1"/>
+          </p:cNvSpPr>
           <p:nvPr>
-            <p:ph idx="1" type="subTitle"/>
+            <p:ph type="subTitle" idx="1"/>
           </p:nvPr>
         </p:nvSpPr>
         <p:spPr>
@@ -6809,12 +6998,12 @@
           </a:prstGeom>
         </p:spPr>
         <p:txBody>
-          <a:bodyPr anchorCtr="0" anchor="t" bIns="91425" lIns="91425" spcFirstLastPara="1" rIns="91425" wrap="square" tIns="91425">
+          <a:bodyPr spcFirstLastPara="1" wrap="square" lIns="91425" tIns="91425" rIns="91425" bIns="91425" anchor="t" anchorCtr="0">
             <a:normAutofit/>
           </a:bodyPr>
           <a:lstStyle/>
           <a:p>
-            <a:pPr indent="0" lvl="0" marL="0" rtl="0" algn="l">
+            <a:pPr marL="0" lvl="0" indent="0" algn="l" rtl="0">
               <a:spcBef>
                 <a:spcPts val="0"/>
               </a:spcBef>
@@ -6851,12 +7040,12 @@
           </a:ln>
         </p:spPr>
         <p:txBody>
-          <a:bodyPr anchorCtr="0" anchor="t" bIns="91425" lIns="91425" spcFirstLastPara="1" rIns="91425" wrap="square" tIns="91425">
+          <a:bodyPr spcFirstLastPara="1" wrap="square" lIns="91425" tIns="91425" rIns="91425" bIns="91425" anchor="t" anchorCtr="0">
             <a:spAutoFit/>
           </a:bodyPr>
           <a:lstStyle/>
           <a:p>
-            <a:pPr indent="0" lvl="0" marL="0" rtl="0" algn="l">
+            <a:pPr marL="0" lvl="0" indent="0" algn="l" rtl="0">
               <a:spcBef>
                 <a:spcPts val="0"/>
               </a:spcBef>
@@ -6890,11 +7079,11 @@
 </file>
 
 <file path=ppt/slides/slide10.xml><?xml version="1.0" encoding="utf-8"?>
-<p:sld xmlns:a="http://schemas.openxmlformats.org/drawingml/2006/main" xmlns:r="http://schemas.openxmlformats.org/officeDocument/2006/relationships" xmlns:mc="http://schemas.openxmlformats.org/markup-compatibility/2006" xmlns:mv="urn:schemas-microsoft-com:mac:vml" xmlns:p="http://schemas.openxmlformats.org/presentationml/2006/main" xmlns:c="http://schemas.openxmlformats.org/drawingml/2006/chart" xmlns:dgm="http://schemas.openxmlformats.org/drawingml/2006/diagram" xmlns:o="urn:schemas-microsoft-com:office:office" xmlns:v="urn:schemas-microsoft-com:vml" xmlns:pvml="urn:schemas-microsoft-com:office:powerpoint" xmlns:com="http://schemas.openxmlformats.org/drawingml/2006/compatibility" xmlns:p14="http://schemas.microsoft.com/office/powerpoint/2010/main" xmlns:p15="http://schemas.microsoft.com/office/powerpoint/2012/main" xmlns:ahyp="http://schemas.microsoft.com/office/drawing/2018/hyperlinkcolor">
+<p:sld xmlns:a="http://schemas.openxmlformats.org/drawingml/2006/main" xmlns:r="http://schemas.openxmlformats.org/officeDocument/2006/relationships" xmlns:p="http://schemas.openxmlformats.org/presentationml/2006/main">
   <p:cSld>
     <p:spTree>
       <p:nvGrpSpPr>
-        <p:cNvPr id="112" name="Shape 112"/>
+        <p:cNvPr id="1" name="Shape 112"/>
         <p:cNvGrpSpPr/>
         <p:nvPr/>
       </p:nvGrpSpPr>
@@ -6909,7 +7098,9 @@
       <p:sp>
         <p:nvSpPr>
           <p:cNvPr id="113" name="Google Shape;113;p22"/>
-          <p:cNvSpPr txBox="1"/>
+          <p:cNvSpPr txBox="1">
+            <a:spLocks noGrp="1"/>
+          </p:cNvSpPr>
           <p:nvPr>
             <p:ph type="title"/>
           </p:nvPr>
@@ -6924,12 +7115,12 @@
           </a:prstGeom>
         </p:spPr>
         <p:txBody>
-          <a:bodyPr anchorCtr="0" anchor="t" bIns="91425" lIns="91425" spcFirstLastPara="1" rIns="91425" wrap="square" tIns="91425">
+          <a:bodyPr spcFirstLastPara="1" wrap="square" lIns="91425" tIns="91425" rIns="91425" bIns="91425" anchor="t" anchorCtr="0">
             <a:normAutofit fontScale="90000"/>
           </a:bodyPr>
           <a:lstStyle/>
           <a:p>
-            <a:pPr indent="0" lvl="0" marL="0" rtl="0" algn="l">
+            <a:pPr marL="0" lvl="0" indent="0" algn="l" rtl="0">
               <a:spcBef>
                 <a:spcPts val="0"/>
               </a:spcBef>
@@ -6945,7 +7136,7 @@
             <a:endParaRPr/>
           </a:p>
           <a:p>
-            <a:pPr indent="0" lvl="0" marL="0" rtl="0" algn="l">
+            <a:pPr marL="0" lvl="0" indent="0" algn="l" rtl="0">
               <a:spcBef>
                 <a:spcPts val="0"/>
               </a:spcBef>
@@ -6954,9 +7145,6 @@
               </a:spcAft>
               <a:buNone/>
             </a:pPr>
-            <a:r>
-              <a:t/>
-            </a:r>
             <a:endParaRPr/>
           </a:p>
         </p:txBody>
@@ -6964,9 +7152,11 @@
       <p:sp>
         <p:nvSpPr>
           <p:cNvPr id="114" name="Google Shape;114;p22"/>
-          <p:cNvSpPr txBox="1"/>
+          <p:cNvSpPr txBox="1">
+            <a:spLocks noGrp="1"/>
+          </p:cNvSpPr>
           <p:nvPr>
-            <p:ph idx="1" type="body"/>
+            <p:ph type="body" idx="1"/>
           </p:nvPr>
         </p:nvSpPr>
         <p:spPr>
@@ -6979,12 +7169,12 @@
           </a:prstGeom>
         </p:spPr>
         <p:txBody>
-          <a:bodyPr anchorCtr="0" anchor="t" bIns="91425" lIns="91425" spcFirstLastPara="1" rIns="91425" wrap="square" tIns="91425">
+          <a:bodyPr spcFirstLastPara="1" wrap="square" lIns="91425" tIns="91425" rIns="91425" bIns="91425" anchor="t" anchorCtr="0">
             <a:normAutofit/>
           </a:bodyPr>
           <a:lstStyle/>
           <a:p>
-            <a:pPr indent="0" lvl="0" marL="0" rtl="0" algn="l">
+            <a:pPr marL="0" lvl="0" indent="0" algn="l" rtl="0">
               <a:spcBef>
                 <a:spcPts val="0"/>
               </a:spcBef>
@@ -7000,7 +7190,7 @@
             <a:endParaRPr/>
           </a:p>
           <a:p>
-            <a:pPr indent="0" lvl="0" marL="0" rtl="0" algn="l">
+            <a:pPr marL="0" lvl="0" indent="0" algn="l" rtl="0">
               <a:spcBef>
                 <a:spcPts val="1200"/>
               </a:spcBef>
@@ -7011,16 +7201,12 @@
             </a:pPr>
             <a:r>
               <a:rPr lang="it"/>
-              <a:t>High recall (the most important performance metric for </a:t>
-            </a:r>
-            <a:r>
-              <a:rPr lang="it"/>
-              <a:t>predicting fetal anomalies).</a:t>
+              <a:t>High recall (the most important performance metric for predicting fetal anomalies).</a:t>
             </a:r>
             <a:endParaRPr/>
           </a:p>
           <a:p>
-            <a:pPr indent="0" lvl="0" marL="0" rtl="0" algn="l">
+            <a:pPr marL="0" lvl="0" indent="0" algn="l" rtl="0">
               <a:spcBef>
                 <a:spcPts val="1200"/>
               </a:spcBef>
@@ -7046,11 +7232,11 @@
 </file>
 
 <file path=ppt/slides/slide11.xml><?xml version="1.0" encoding="utf-8"?>
-<p:sld xmlns:a="http://schemas.openxmlformats.org/drawingml/2006/main" xmlns:r="http://schemas.openxmlformats.org/officeDocument/2006/relationships" xmlns:mc="http://schemas.openxmlformats.org/markup-compatibility/2006" xmlns:mv="urn:schemas-microsoft-com:mac:vml" xmlns:p="http://schemas.openxmlformats.org/presentationml/2006/main" xmlns:c="http://schemas.openxmlformats.org/drawingml/2006/chart" xmlns:dgm="http://schemas.openxmlformats.org/drawingml/2006/diagram" xmlns:o="urn:schemas-microsoft-com:office:office" xmlns:v="urn:schemas-microsoft-com:vml" xmlns:pvml="urn:schemas-microsoft-com:office:powerpoint" xmlns:com="http://schemas.openxmlformats.org/drawingml/2006/compatibility" xmlns:p14="http://schemas.microsoft.com/office/powerpoint/2010/main" xmlns:p15="http://schemas.microsoft.com/office/powerpoint/2012/main" xmlns:ahyp="http://schemas.microsoft.com/office/drawing/2018/hyperlinkcolor">
+<p:sld xmlns:a="http://schemas.openxmlformats.org/drawingml/2006/main" xmlns:r="http://schemas.openxmlformats.org/officeDocument/2006/relationships" xmlns:p="http://schemas.openxmlformats.org/presentationml/2006/main">
   <p:cSld>
     <p:spTree>
       <p:nvGrpSpPr>
-        <p:cNvPr id="118" name="Shape 118"/>
+        <p:cNvPr id="1" name="Shape 118"/>
         <p:cNvGrpSpPr/>
         <p:nvPr/>
       </p:nvGrpSpPr>
@@ -7065,7 +7251,9 @@
       <p:sp>
         <p:nvSpPr>
           <p:cNvPr id="119" name="Google Shape;119;p23"/>
-          <p:cNvSpPr txBox="1"/>
+          <p:cNvSpPr txBox="1">
+            <a:spLocks noGrp="1"/>
+          </p:cNvSpPr>
           <p:nvPr>
             <p:ph type="title"/>
           </p:nvPr>
@@ -7080,12 +7268,12 @@
           </a:prstGeom>
         </p:spPr>
         <p:txBody>
-          <a:bodyPr anchorCtr="0" anchor="t" bIns="91425" lIns="91425" spcFirstLastPara="1" rIns="91425" wrap="square" tIns="91425">
+          <a:bodyPr spcFirstLastPara="1" wrap="square" lIns="91425" tIns="91425" rIns="91425" bIns="91425" anchor="t" anchorCtr="0">
             <a:normAutofit fontScale="90000"/>
           </a:bodyPr>
           <a:lstStyle/>
           <a:p>
-            <a:pPr indent="0" lvl="0" marL="0" rtl="0" algn="l">
+            <a:pPr marL="0" lvl="0" indent="0" algn="l" rtl="0">
               <a:spcBef>
                 <a:spcPts val="0"/>
               </a:spcBef>
@@ -7105,9 +7293,11 @@
       <p:sp>
         <p:nvSpPr>
           <p:cNvPr id="120" name="Google Shape;120;p23"/>
-          <p:cNvSpPr txBox="1"/>
+          <p:cNvSpPr txBox="1">
+            <a:spLocks noGrp="1"/>
+          </p:cNvSpPr>
           <p:nvPr>
-            <p:ph idx="1" type="body"/>
+            <p:ph type="body" idx="1"/>
           </p:nvPr>
         </p:nvSpPr>
         <p:spPr>
@@ -7120,12 +7310,12 @@
           </a:prstGeom>
         </p:spPr>
         <p:txBody>
-          <a:bodyPr anchorCtr="0" anchor="t" bIns="91425" lIns="91425" spcFirstLastPara="1" rIns="91425" wrap="square" tIns="91425">
+          <a:bodyPr spcFirstLastPara="1" wrap="square" lIns="91425" tIns="91425" rIns="91425" bIns="91425" anchor="t" anchorCtr="0">
             <a:normAutofit/>
           </a:bodyPr>
           <a:lstStyle/>
           <a:p>
-            <a:pPr indent="-342900" lvl="0" marL="457200" rtl="0" algn="l">
+            <a:pPr marL="457200" lvl="0" indent="-342900" algn="l" rtl="0">
               <a:spcBef>
                 <a:spcPts val="0"/>
               </a:spcBef>
@@ -7142,7 +7332,7 @@
             <a:endParaRPr/>
           </a:p>
           <a:p>
-            <a:pPr indent="-342900" lvl="0" marL="457200" rtl="0" algn="l">
+            <a:pPr marL="457200" lvl="0" indent="-342900" algn="l" rtl="0">
               <a:spcBef>
                 <a:spcPts val="0"/>
               </a:spcBef>
@@ -7159,7 +7349,7 @@
             <a:endParaRPr/>
           </a:p>
           <a:p>
-            <a:pPr indent="-342900" lvl="0" marL="457200" rtl="0" algn="l">
+            <a:pPr marL="457200" lvl="0" indent="-342900" algn="l" rtl="0">
               <a:spcBef>
                 <a:spcPts val="0"/>
               </a:spcBef>
@@ -7176,7 +7366,7 @@
             <a:endParaRPr/>
           </a:p>
           <a:p>
-            <a:pPr indent="-342900" lvl="0" marL="457200" rtl="0" algn="l">
+            <a:pPr marL="457200" lvl="0" indent="-342900" algn="l" rtl="0">
               <a:spcBef>
                 <a:spcPts val="0"/>
               </a:spcBef>
@@ -7193,7 +7383,7 @@
             <a:endParaRPr/>
           </a:p>
           <a:p>
-            <a:pPr indent="-342900" lvl="0" marL="457200" rtl="0" algn="l">
+            <a:pPr marL="457200" lvl="0" indent="-342900" algn="l" rtl="0">
               <a:spcBef>
                 <a:spcPts val="0"/>
               </a:spcBef>
@@ -7220,11 +7410,11 @@
 </file>
 
 <file path=ppt/slides/slide12.xml><?xml version="1.0" encoding="utf-8"?>
-<p:sld xmlns:a="http://schemas.openxmlformats.org/drawingml/2006/main" xmlns:r="http://schemas.openxmlformats.org/officeDocument/2006/relationships" xmlns:mc="http://schemas.openxmlformats.org/markup-compatibility/2006" xmlns:mv="urn:schemas-microsoft-com:mac:vml" xmlns:p="http://schemas.openxmlformats.org/presentationml/2006/main" xmlns:c="http://schemas.openxmlformats.org/drawingml/2006/chart" xmlns:dgm="http://schemas.openxmlformats.org/drawingml/2006/diagram" xmlns:o="urn:schemas-microsoft-com:office:office" xmlns:v="urn:schemas-microsoft-com:vml" xmlns:pvml="urn:schemas-microsoft-com:office:powerpoint" xmlns:com="http://schemas.openxmlformats.org/drawingml/2006/compatibility" xmlns:p14="http://schemas.microsoft.com/office/powerpoint/2010/main" xmlns:p15="http://schemas.microsoft.com/office/powerpoint/2012/main" xmlns:ahyp="http://schemas.microsoft.com/office/drawing/2018/hyperlinkcolor">
+<p:sld xmlns:a="http://schemas.openxmlformats.org/drawingml/2006/main" xmlns:r="http://schemas.openxmlformats.org/officeDocument/2006/relationships" xmlns:p="http://schemas.openxmlformats.org/presentationml/2006/main">
   <p:cSld>
     <p:spTree>
       <p:nvGrpSpPr>
-        <p:cNvPr id="124" name="Shape 124"/>
+        <p:cNvPr id="1" name="Shape 124"/>
         <p:cNvGrpSpPr/>
         <p:nvPr/>
       </p:nvGrpSpPr>
@@ -7239,7 +7429,9 @@
       <p:sp>
         <p:nvSpPr>
           <p:cNvPr id="125" name="Google Shape;125;p24"/>
-          <p:cNvSpPr txBox="1"/>
+          <p:cNvSpPr txBox="1">
+            <a:spLocks noGrp="1"/>
+          </p:cNvSpPr>
           <p:nvPr>
             <p:ph type="title"/>
           </p:nvPr>
@@ -7254,12 +7446,12 @@
           </a:prstGeom>
         </p:spPr>
         <p:txBody>
-          <a:bodyPr anchorCtr="0" anchor="t" bIns="91425" lIns="91425" spcFirstLastPara="1" rIns="91425" wrap="square" tIns="91425">
+          <a:bodyPr spcFirstLastPara="1" wrap="square" lIns="91425" tIns="91425" rIns="91425" bIns="91425" anchor="t" anchorCtr="0">
             <a:normAutofit fontScale="90000"/>
           </a:bodyPr>
           <a:lstStyle/>
           <a:p>
-            <a:pPr indent="0" lvl="0" marL="0" rtl="0" algn="l">
+            <a:pPr marL="0" lvl="0" indent="0" algn="l" rtl="0">
               <a:spcBef>
                 <a:spcPts val="0"/>
               </a:spcBef>
@@ -7275,7 +7467,7 @@
             <a:endParaRPr/>
           </a:p>
           <a:p>
-            <a:pPr indent="0" lvl="0" marL="0" rtl="0" algn="l">
+            <a:pPr marL="0" lvl="0" indent="0" algn="l" rtl="0">
               <a:spcBef>
                 <a:spcPts val="0"/>
               </a:spcBef>
@@ -7284,9 +7476,6 @@
               </a:spcAft>
               <a:buNone/>
             </a:pPr>
-            <a:r>
-              <a:t/>
-            </a:r>
             <a:endParaRPr/>
           </a:p>
         </p:txBody>
@@ -7307,8 +7496,8 @@
         </p:blipFill>
         <p:spPr>
           <a:xfrm>
-            <a:off x="4572000" y="0"/>
-            <a:ext cx="3014751" cy="5401975"/>
+            <a:off x="4572000" y="122464"/>
+            <a:ext cx="2735036" cy="4898571"/>
           </a:xfrm>
           <a:prstGeom prst="rect">
             <a:avLst/>
@@ -7328,11 +7517,11 @@
 </file>
 
 <file path=ppt/slides/slide13.xml><?xml version="1.0" encoding="utf-8"?>
-<p:sld xmlns:a="http://schemas.openxmlformats.org/drawingml/2006/main" xmlns:r="http://schemas.openxmlformats.org/officeDocument/2006/relationships" xmlns:mc="http://schemas.openxmlformats.org/markup-compatibility/2006" xmlns:mv="urn:schemas-microsoft-com:mac:vml" xmlns:p="http://schemas.openxmlformats.org/presentationml/2006/main" xmlns:c="http://schemas.openxmlformats.org/drawingml/2006/chart" xmlns:dgm="http://schemas.openxmlformats.org/drawingml/2006/diagram" xmlns:o="urn:schemas-microsoft-com:office:office" xmlns:v="urn:schemas-microsoft-com:vml" xmlns:pvml="urn:schemas-microsoft-com:office:powerpoint" xmlns:com="http://schemas.openxmlformats.org/drawingml/2006/compatibility" xmlns:p14="http://schemas.microsoft.com/office/powerpoint/2010/main" xmlns:p15="http://schemas.microsoft.com/office/powerpoint/2012/main" xmlns:ahyp="http://schemas.microsoft.com/office/drawing/2018/hyperlinkcolor">
+<p:sld xmlns:a="http://schemas.openxmlformats.org/drawingml/2006/main" xmlns:r="http://schemas.openxmlformats.org/officeDocument/2006/relationships" xmlns:p="http://schemas.openxmlformats.org/presentationml/2006/main">
   <p:cSld>
     <p:spTree>
       <p:nvGrpSpPr>
-        <p:cNvPr id="130" name="Shape 130"/>
+        <p:cNvPr id="1" name="Shape 130"/>
         <p:cNvGrpSpPr/>
         <p:nvPr/>
       </p:nvGrpSpPr>
@@ -7347,7 +7536,9 @@
       <p:sp>
         <p:nvSpPr>
           <p:cNvPr id="131" name="Google Shape;131;p25"/>
-          <p:cNvSpPr txBox="1"/>
+          <p:cNvSpPr txBox="1">
+            <a:spLocks noGrp="1"/>
+          </p:cNvSpPr>
           <p:nvPr>
             <p:ph type="title"/>
           </p:nvPr>
@@ -7362,12 +7553,12 @@
           </a:prstGeom>
         </p:spPr>
         <p:txBody>
-          <a:bodyPr anchorCtr="0" anchor="t" bIns="91425" lIns="91425" spcFirstLastPara="1" rIns="91425" wrap="square" tIns="91425">
+          <a:bodyPr spcFirstLastPara="1" wrap="square" lIns="91425" tIns="91425" rIns="91425" bIns="91425" anchor="t" anchorCtr="0">
             <a:normAutofit fontScale="90000"/>
           </a:bodyPr>
           <a:lstStyle/>
           <a:p>
-            <a:pPr indent="0" lvl="0" marL="0" rtl="0" algn="l">
+            <a:pPr marL="0" lvl="0" indent="0" algn="l" rtl="0">
               <a:spcBef>
                 <a:spcPts val="0"/>
               </a:spcBef>
@@ -7387,9 +7578,11 @@
       <p:sp>
         <p:nvSpPr>
           <p:cNvPr id="132" name="Google Shape;132;p25"/>
-          <p:cNvSpPr txBox="1"/>
+          <p:cNvSpPr txBox="1">
+            <a:spLocks noGrp="1"/>
+          </p:cNvSpPr>
           <p:nvPr>
-            <p:ph idx="1" type="body"/>
+            <p:ph type="body" idx="1"/>
           </p:nvPr>
         </p:nvSpPr>
         <p:spPr>
@@ -7402,12 +7595,12 @@
           </a:prstGeom>
         </p:spPr>
         <p:txBody>
-          <a:bodyPr anchorCtr="0" anchor="t" bIns="91425" lIns="91425" spcFirstLastPara="1" rIns="91425" wrap="square" tIns="91425">
+          <a:bodyPr spcFirstLastPara="1" wrap="square" lIns="91425" tIns="91425" rIns="91425" bIns="91425" anchor="t" anchorCtr="0">
             <a:normAutofit/>
           </a:bodyPr>
           <a:lstStyle/>
           <a:p>
-            <a:pPr indent="0" lvl="0" marL="0" rtl="0" algn="l">
+            <a:pPr marL="0" lvl="0" indent="0" algn="l" rtl="0">
               <a:spcBef>
                 <a:spcPts val="0"/>
               </a:spcBef>
@@ -7417,17 +7610,13 @@
               <a:buNone/>
             </a:pPr>
             <a:r>
-              <a:rPr lang="it"/>
-              <a:t>Outcome: </a:t>
+              <a:rPr lang="it" dirty="0"/>
+              <a:t>Outcome: Effective model for predicting fetal anomalies with high recall, easy to use web service.</a:t>
             </a:r>
-            <a:r>
-              <a:rPr lang="it"/>
-              <a:t>Effective model for predicting fetal anomalies with high recall, easy to use web service.</a:t>
-            </a:r>
-            <a:endParaRPr/>
-          </a:p>
-          <a:p>
-            <a:pPr indent="0" lvl="0" marL="0" rtl="0" algn="l">
+            <a:endParaRPr dirty="0"/>
+          </a:p>
+          <a:p>
+            <a:pPr marL="0" lvl="0" indent="0" algn="l" rtl="0">
               <a:spcBef>
                 <a:spcPts val="1200"/>
               </a:spcBef>
@@ -7437,13 +7626,13 @@
               <a:buNone/>
             </a:pPr>
             <a:r>
-              <a:rPr lang="it"/>
+              <a:rPr lang="it" dirty="0"/>
               <a:t>Future Steps: </a:t>
             </a:r>
-            <a:endParaRPr/>
-          </a:p>
-          <a:p>
-            <a:pPr indent="-342900" lvl="0" marL="457200" rtl="0" algn="l">
+            <a:endParaRPr dirty="0"/>
+          </a:p>
+          <a:p>
+            <a:pPr marL="457200" lvl="0" indent="-342900" algn="l" rtl="0">
               <a:spcBef>
                 <a:spcPts val="1200"/>
               </a:spcBef>
@@ -7454,21 +7643,13 @@
               <a:buAutoNum type="arabicPeriod"/>
             </a:pPr>
             <a:r>
-              <a:rPr lang="it"/>
-              <a:t>Fully-fledged web application (authentication, persistency, integration with </a:t>
+              <a:rPr lang="it" dirty="0"/>
+              <a:t>Fully-fledged web application (authentication, persistency, integration with other digital services).</a:t>
             </a:r>
-            <a:r>
-              <a:rPr lang="it"/>
-              <a:t>other</a:t>
-            </a:r>
-            <a:r>
-              <a:rPr lang="it"/>
-              <a:t> digital services).</a:t>
-            </a:r>
-            <a:endParaRPr/>
-          </a:p>
-          <a:p>
-            <a:pPr indent="-342900" lvl="0" marL="457200" rtl="0" algn="l">
+            <a:endParaRPr dirty="0"/>
+          </a:p>
+          <a:p>
+            <a:pPr marL="457200" lvl="0" indent="-342900" algn="l" rtl="0">
               <a:spcBef>
                 <a:spcPts val="0"/>
               </a:spcBef>
@@ -7479,13 +7660,13 @@
               <a:buAutoNum type="arabicPeriod"/>
             </a:pPr>
             <a:r>
-              <a:rPr lang="it"/>
+              <a:rPr lang="it" dirty="0"/>
               <a:t>Increase model performance and robustness:</a:t>
             </a:r>
-            <a:endParaRPr/>
-          </a:p>
-          <a:p>
-            <a:pPr indent="-317500" lvl="1" marL="914400" rtl="0" algn="l">
+            <a:endParaRPr dirty="0"/>
+          </a:p>
+          <a:p>
+            <a:pPr marL="914400" lvl="1" indent="-317500" algn="l" rtl="0">
               <a:spcBef>
                 <a:spcPts val="0"/>
               </a:spcBef>
@@ -7496,13 +7677,13 @@
               <a:buChar char="○"/>
             </a:pPr>
             <a:r>
-              <a:rPr lang="it"/>
+              <a:rPr lang="it" dirty="0"/>
               <a:t>Cross-validation</a:t>
             </a:r>
-            <a:endParaRPr/>
-          </a:p>
-          <a:p>
-            <a:pPr indent="-317500" lvl="1" marL="914400" rtl="0" algn="l">
+            <a:endParaRPr dirty="0"/>
+          </a:p>
+          <a:p>
+            <a:pPr marL="914400" lvl="1" indent="-317500" algn="l" rtl="0">
               <a:spcBef>
                 <a:spcPts val="0"/>
               </a:spcBef>
@@ -7513,13 +7694,13 @@
               <a:buChar char="○"/>
             </a:pPr>
             <a:r>
-              <a:rPr lang="it"/>
+              <a:rPr lang="it" dirty="0"/>
               <a:t>Expanded dataset</a:t>
             </a:r>
-            <a:endParaRPr/>
-          </a:p>
-          <a:p>
-            <a:pPr indent="-317500" lvl="1" marL="914400" rtl="0" algn="l">
+            <a:endParaRPr dirty="0"/>
+          </a:p>
+          <a:p>
+            <a:pPr marL="914400" lvl="1" indent="-317500" algn="l" rtl="0">
               <a:spcBef>
                 <a:spcPts val="0"/>
               </a:spcBef>
@@ -7530,13 +7711,13 @@
               <a:buChar char="○"/>
             </a:pPr>
             <a:r>
-              <a:rPr lang="it"/>
+              <a:rPr lang="it" dirty="0"/>
               <a:t>Ensemble methods</a:t>
             </a:r>
-            <a:endParaRPr/>
-          </a:p>
-          <a:p>
-            <a:pPr indent="-317500" lvl="1" marL="914400" rtl="0" algn="l">
+            <a:endParaRPr dirty="0"/>
+          </a:p>
+          <a:p>
+            <a:pPr marL="914400" lvl="1" indent="-317500" algn="l" rtl="0">
               <a:spcBef>
                 <a:spcPts val="0"/>
               </a:spcBef>
@@ -7547,10 +7728,10 @@
               <a:buChar char="○"/>
             </a:pPr>
             <a:r>
-              <a:rPr lang="it"/>
+              <a:rPr lang="it" dirty="0"/>
               <a:t>Feature engineering</a:t>
             </a:r>
-            <a:endParaRPr/>
+            <a:endParaRPr dirty="0"/>
           </a:p>
         </p:txBody>
       </p:sp>
@@ -7563,11 +7744,11 @@
 </file>
 
 <file path=ppt/slides/slide14.xml><?xml version="1.0" encoding="utf-8"?>
-<p:sld xmlns:a="http://schemas.openxmlformats.org/drawingml/2006/main" xmlns:r="http://schemas.openxmlformats.org/officeDocument/2006/relationships" xmlns:mc="http://schemas.openxmlformats.org/markup-compatibility/2006" xmlns:mv="urn:schemas-microsoft-com:mac:vml" xmlns:p="http://schemas.openxmlformats.org/presentationml/2006/main" xmlns:c="http://schemas.openxmlformats.org/drawingml/2006/chart" xmlns:dgm="http://schemas.openxmlformats.org/drawingml/2006/diagram" xmlns:o="urn:schemas-microsoft-com:office:office" xmlns:v="urn:schemas-microsoft-com:vml" xmlns:pvml="urn:schemas-microsoft-com:office:powerpoint" xmlns:com="http://schemas.openxmlformats.org/drawingml/2006/compatibility" xmlns:p14="http://schemas.microsoft.com/office/powerpoint/2010/main" xmlns:p15="http://schemas.microsoft.com/office/powerpoint/2012/main" xmlns:ahyp="http://schemas.microsoft.com/office/drawing/2018/hyperlinkcolor">
+<p:sld xmlns:a="http://schemas.openxmlformats.org/drawingml/2006/main" xmlns:r="http://schemas.openxmlformats.org/officeDocument/2006/relationships" xmlns:p="http://schemas.openxmlformats.org/presentationml/2006/main">
   <p:cSld>
     <p:spTree>
       <p:nvGrpSpPr>
-        <p:cNvPr id="136" name="Shape 136"/>
+        <p:cNvPr id="1" name="Shape 136"/>
         <p:cNvGrpSpPr/>
         <p:nvPr/>
       </p:nvGrpSpPr>
@@ -7582,9 +7763,11 @@
       <p:sp>
         <p:nvSpPr>
           <p:cNvPr id="137" name="Google Shape;137;p26"/>
-          <p:cNvSpPr txBox="1"/>
+          <p:cNvSpPr txBox="1">
+            <a:spLocks noGrp="1"/>
+          </p:cNvSpPr>
           <p:nvPr>
-            <p:ph idx="4294967295" type="title"/>
+            <p:ph type="title" idx="4294967295"/>
           </p:nvPr>
         </p:nvSpPr>
         <p:spPr>
@@ -7597,12 +7780,12 @@
           </a:prstGeom>
         </p:spPr>
         <p:txBody>
-          <a:bodyPr anchorCtr="0" anchor="t" bIns="91425" lIns="91425" spcFirstLastPara="1" rIns="91425" wrap="square" tIns="91425">
+          <a:bodyPr spcFirstLastPara="1" wrap="square" lIns="91425" tIns="91425" rIns="91425" bIns="91425" anchor="t" anchorCtr="0">
             <a:normAutofit fontScale="90000"/>
           </a:bodyPr>
           <a:lstStyle/>
           <a:p>
-            <a:pPr indent="0" lvl="0" marL="0" rtl="0" algn="l">
+            <a:pPr marL="0" lvl="0" indent="0" algn="l" rtl="0">
               <a:spcBef>
                 <a:spcPts val="0"/>
               </a:spcBef>
@@ -7612,13 +7795,61 @@
               <a:buNone/>
             </a:pPr>
             <a:r>
-              <a:rPr lang="it"/>
+              <a:rPr lang="it" dirty="0"/>
               <a:t>Thank you for you attention!	</a:t>
             </a:r>
-            <a:endParaRPr/>
-          </a:p>
-          <a:p>
-            <a:pPr indent="0" lvl="0" marL="0" rtl="0" algn="l">
+            <a:endParaRPr dirty="0"/>
+          </a:p>
+          <a:p>
+            <a:pPr marL="0" lvl="0" indent="0" algn="l" rtl="0">
+              <a:spcBef>
+                <a:spcPts val="0"/>
+              </a:spcBef>
+              <a:spcAft>
+                <a:spcPts val="0"/>
+              </a:spcAft>
+              <a:buNone/>
+            </a:pPr>
+            <a:endParaRPr dirty="0"/>
+          </a:p>
+          <a:p>
+            <a:pPr marL="0" lvl="0" indent="0" algn="l" rtl="0">
+              <a:spcBef>
+                <a:spcPts val="0"/>
+              </a:spcBef>
+              <a:spcAft>
+                <a:spcPts val="0"/>
+              </a:spcAft>
+              <a:buNone/>
+            </a:pPr>
+            <a:endParaRPr dirty="0"/>
+          </a:p>
+          <a:p>
+            <a:pPr marL="0" lvl="0" indent="0" algn="l" rtl="0">
+              <a:spcBef>
+                <a:spcPts val="0"/>
+              </a:spcBef>
+              <a:spcAft>
+                <a:spcPts val="0"/>
+              </a:spcAft>
+              <a:buNone/>
+            </a:pPr>
+            <a:endParaRPr dirty="0"/>
+          </a:p>
+          <a:p>
+            <a:pPr marL="0" lvl="0" indent="0" algn="l" rtl="0">
+              <a:spcBef>
+                <a:spcPts val="0"/>
+              </a:spcBef>
+              <a:spcAft>
+                <a:spcPts val="0"/>
+              </a:spcAft>
+              <a:buNone/>
+            </a:pPr>
+            <a:endParaRPr dirty="0"/>
+          </a:p>
+          <a:p>
+            <a:pPr marL="0" lvl="0" indent="0" algn="l" rtl="0">
               <a:spcBef>
                 <a:spcPts val="0"/>
               </a:spcBef>
@@ -7628,79 +7859,21 @@
               <a:buNone/>
             </a:pPr>
             <a:r>
-              <a:t/>
+              <a:rPr lang="it" dirty="0"/>
+              <a:t>Any questions?</a:t>
             </a:r>
-            <a:endParaRPr/>
-          </a:p>
-          <a:p>
-            <a:pPr indent="0" lvl="0" marL="0" rtl="0" algn="l">
-              <a:spcBef>
-                <a:spcPts val="0"/>
-              </a:spcBef>
-              <a:spcAft>
-                <a:spcPts val="0"/>
-              </a:spcAft>
-              <a:buNone/>
-            </a:pPr>
-            <a:r>
-              <a:t/>
-            </a:r>
-            <a:endParaRPr/>
-          </a:p>
-          <a:p>
-            <a:pPr indent="0" lvl="0" marL="0" rtl="0" algn="l">
-              <a:spcBef>
-                <a:spcPts val="0"/>
-              </a:spcBef>
-              <a:spcAft>
-                <a:spcPts val="0"/>
-              </a:spcAft>
-              <a:buNone/>
-            </a:pPr>
-            <a:r>
-              <a:t/>
-            </a:r>
-            <a:endParaRPr/>
-          </a:p>
-          <a:p>
-            <a:pPr indent="0" lvl="0" marL="0" rtl="0" algn="l">
-              <a:spcBef>
-                <a:spcPts val="0"/>
-              </a:spcBef>
-              <a:spcAft>
-                <a:spcPts val="0"/>
-              </a:spcAft>
-              <a:buNone/>
-            </a:pPr>
-            <a:r>
-              <a:t/>
-            </a:r>
-            <a:endParaRPr/>
-          </a:p>
-          <a:p>
-            <a:pPr indent="0" lvl="0" marL="0" rtl="0" algn="l">
-              <a:spcBef>
-                <a:spcPts val="0"/>
-              </a:spcBef>
-              <a:spcAft>
-                <a:spcPts val="0"/>
-              </a:spcAft>
-              <a:buNone/>
-            </a:pPr>
-            <a:r>
-              <a:rPr lang="it"/>
-              <a:t>Questions?</a:t>
-            </a:r>
-            <a:endParaRPr/>
+            <a:endParaRPr dirty="0"/>
           </a:p>
         </p:txBody>
       </p:sp>
       <p:sp>
         <p:nvSpPr>
           <p:cNvPr id="138" name="Google Shape;138;p26"/>
-          <p:cNvSpPr txBox="1"/>
+          <p:cNvSpPr txBox="1">
+            <a:spLocks noGrp="1"/>
+          </p:cNvSpPr>
           <p:nvPr>
-            <p:ph idx="1" type="body"/>
+            <p:ph type="body" idx="1"/>
           </p:nvPr>
         </p:nvSpPr>
         <p:spPr>
@@ -7713,12 +7886,12 @@
           </a:prstGeom>
         </p:spPr>
         <p:txBody>
-          <a:bodyPr anchorCtr="0" anchor="ctr" bIns="91425" lIns="91425" spcFirstLastPara="1" rIns="91425" wrap="square" tIns="91425">
+          <a:bodyPr spcFirstLastPara="1" wrap="square" lIns="91425" tIns="91425" rIns="91425" bIns="91425" anchor="ctr" anchorCtr="0">
             <a:normAutofit/>
           </a:bodyPr>
           <a:lstStyle/>
           <a:p>
-            <a:pPr indent="0" lvl="0" marL="0" rtl="0" algn="l">
+            <a:pPr marL="0" lvl="0" indent="0" algn="l" rtl="0">
               <a:spcBef>
                 <a:spcPts val="0"/>
               </a:spcBef>
@@ -7744,11 +7917,11 @@
 </file>
 
 <file path=ppt/slides/slide2.xml><?xml version="1.0" encoding="utf-8"?>
-<p:sld xmlns:a="http://schemas.openxmlformats.org/drawingml/2006/main" xmlns:r="http://schemas.openxmlformats.org/officeDocument/2006/relationships" xmlns:mc="http://schemas.openxmlformats.org/markup-compatibility/2006" xmlns:mv="urn:schemas-microsoft-com:mac:vml" xmlns:p="http://schemas.openxmlformats.org/presentationml/2006/main" xmlns:c="http://schemas.openxmlformats.org/drawingml/2006/chart" xmlns:dgm="http://schemas.openxmlformats.org/drawingml/2006/diagram" xmlns:o="urn:schemas-microsoft-com:office:office" xmlns:v="urn:schemas-microsoft-com:vml" xmlns:pvml="urn:schemas-microsoft-com:office:powerpoint" xmlns:com="http://schemas.openxmlformats.org/drawingml/2006/compatibility" xmlns:p14="http://schemas.microsoft.com/office/powerpoint/2010/main" xmlns:p15="http://schemas.microsoft.com/office/powerpoint/2012/main" xmlns:ahyp="http://schemas.microsoft.com/office/drawing/2018/hyperlinkcolor">
+<p:sld xmlns:a="http://schemas.openxmlformats.org/drawingml/2006/main" xmlns:r="http://schemas.openxmlformats.org/officeDocument/2006/relationships" xmlns:p="http://schemas.openxmlformats.org/presentationml/2006/main">
   <p:cSld>
     <p:spTree>
       <p:nvGrpSpPr>
-        <p:cNvPr id="60" name="Shape 60"/>
+        <p:cNvPr id="1" name="Shape 60"/>
         <p:cNvGrpSpPr/>
         <p:nvPr/>
       </p:nvGrpSpPr>
@@ -7763,7 +7936,9 @@
       <p:sp>
         <p:nvSpPr>
           <p:cNvPr id="61" name="Google Shape;61;p14"/>
-          <p:cNvSpPr txBox="1"/>
+          <p:cNvSpPr txBox="1">
+            <a:spLocks noGrp="1"/>
+          </p:cNvSpPr>
           <p:nvPr>
             <p:ph type="title"/>
           </p:nvPr>
@@ -7778,12 +7953,12 @@
           </a:prstGeom>
         </p:spPr>
         <p:txBody>
-          <a:bodyPr anchorCtr="0" anchor="t" bIns="91425" lIns="91425" spcFirstLastPara="1" rIns="91425" wrap="square" tIns="91425">
+          <a:bodyPr spcFirstLastPara="1" wrap="square" lIns="91425" tIns="91425" rIns="91425" bIns="91425" anchor="t" anchorCtr="0">
             <a:normAutofit fontScale="90000"/>
           </a:bodyPr>
           <a:lstStyle/>
           <a:p>
-            <a:pPr indent="0" lvl="0" marL="0" rtl="0" algn="l">
+            <a:pPr marL="0" lvl="0" indent="0" algn="l" rtl="0">
               <a:spcBef>
                 <a:spcPts val="0"/>
               </a:spcBef>
@@ -7799,7 +7974,7 @@
             <a:endParaRPr/>
           </a:p>
           <a:p>
-            <a:pPr indent="0" lvl="0" marL="0" rtl="0" algn="l">
+            <a:pPr marL="0" lvl="0" indent="0" algn="l" rtl="0">
               <a:spcBef>
                 <a:spcPts val="0"/>
               </a:spcBef>
@@ -7808,9 +7983,6 @@
               </a:spcAft>
               <a:buNone/>
             </a:pPr>
-            <a:r>
-              <a:t/>
-            </a:r>
             <a:endParaRPr/>
           </a:p>
         </p:txBody>
@@ -7818,9 +7990,11 @@
       <p:sp>
         <p:nvSpPr>
           <p:cNvPr id="62" name="Google Shape;62;p14"/>
-          <p:cNvSpPr txBox="1"/>
+          <p:cNvSpPr txBox="1">
+            <a:spLocks noGrp="1"/>
+          </p:cNvSpPr>
           <p:nvPr>
-            <p:ph idx="1" type="body"/>
+            <p:ph type="body" idx="1"/>
           </p:nvPr>
         </p:nvSpPr>
         <p:spPr>
@@ -7833,12 +8007,12 @@
           </a:prstGeom>
         </p:spPr>
         <p:txBody>
-          <a:bodyPr anchorCtr="0" anchor="t" bIns="91425" lIns="91425" spcFirstLastPara="1" rIns="91425" wrap="square" tIns="91425">
+          <a:bodyPr spcFirstLastPara="1" wrap="square" lIns="91425" tIns="91425" rIns="91425" bIns="91425" anchor="t" anchorCtr="0">
             <a:normAutofit/>
           </a:bodyPr>
           <a:lstStyle/>
           <a:p>
-            <a:pPr indent="0" lvl="0" marL="0" rtl="0" algn="l">
+            <a:pPr marL="0" lvl="0" indent="0" algn="l" rtl="0">
               <a:spcBef>
                 <a:spcPts val="0"/>
               </a:spcBef>
@@ -7848,7 +8022,7 @@
               <a:buNone/>
             </a:pPr>
             <a:r>
-              <a:rPr b="1" lang="it"/>
+              <a:rPr lang="it" b="1"/>
               <a:t>Goal</a:t>
             </a:r>
             <a:r>
@@ -7858,7 +8032,7 @@
             <a:endParaRPr/>
           </a:p>
           <a:p>
-            <a:pPr indent="0" lvl="0" marL="0" rtl="0" algn="l">
+            <a:pPr marL="0" lvl="0" indent="0" algn="l" rtl="0">
               <a:spcBef>
                 <a:spcPts val="1200"/>
               </a:spcBef>
@@ -7868,7 +8042,7 @@
               <a:buNone/>
             </a:pPr>
             <a:r>
-              <a:rPr b="1" lang="it"/>
+              <a:rPr lang="it" b="1"/>
               <a:t>Relevance</a:t>
             </a:r>
             <a:r>
@@ -7888,11 +8062,11 @@
 </file>
 
 <file path=ppt/slides/slide3.xml><?xml version="1.0" encoding="utf-8"?>
-<p:sld xmlns:a="http://schemas.openxmlformats.org/drawingml/2006/main" xmlns:r="http://schemas.openxmlformats.org/officeDocument/2006/relationships" xmlns:mc="http://schemas.openxmlformats.org/markup-compatibility/2006" xmlns:mv="urn:schemas-microsoft-com:mac:vml" xmlns:p="http://schemas.openxmlformats.org/presentationml/2006/main" xmlns:c="http://schemas.openxmlformats.org/drawingml/2006/chart" xmlns:dgm="http://schemas.openxmlformats.org/drawingml/2006/diagram" xmlns:o="urn:schemas-microsoft-com:office:office" xmlns:v="urn:schemas-microsoft-com:vml" xmlns:pvml="urn:schemas-microsoft-com:office:powerpoint" xmlns:com="http://schemas.openxmlformats.org/drawingml/2006/compatibility" xmlns:p14="http://schemas.microsoft.com/office/powerpoint/2010/main" xmlns:p15="http://schemas.microsoft.com/office/powerpoint/2012/main" xmlns:ahyp="http://schemas.microsoft.com/office/drawing/2018/hyperlinkcolor">
+<p:sld xmlns:a="http://schemas.openxmlformats.org/drawingml/2006/main" xmlns:r="http://schemas.openxmlformats.org/officeDocument/2006/relationships" xmlns:p="http://schemas.openxmlformats.org/presentationml/2006/main">
   <p:cSld>
     <p:spTree>
       <p:nvGrpSpPr>
-        <p:cNvPr id="66" name="Shape 66"/>
+        <p:cNvPr id="1" name="Shape 66"/>
         <p:cNvGrpSpPr/>
         <p:nvPr/>
       </p:nvGrpSpPr>
@@ -7907,7 +8081,9 @@
       <p:sp>
         <p:nvSpPr>
           <p:cNvPr id="67" name="Google Shape;67;p15"/>
-          <p:cNvSpPr txBox="1"/>
+          <p:cNvSpPr txBox="1">
+            <a:spLocks noGrp="1"/>
+          </p:cNvSpPr>
           <p:nvPr>
             <p:ph type="title"/>
           </p:nvPr>
@@ -7922,12 +8098,12 @@
           </a:prstGeom>
         </p:spPr>
         <p:txBody>
-          <a:bodyPr anchorCtr="0" anchor="t" bIns="91425" lIns="91425" spcFirstLastPara="1" rIns="91425" wrap="square" tIns="91425">
+          <a:bodyPr spcFirstLastPara="1" wrap="square" lIns="91425" tIns="91425" rIns="91425" bIns="91425" anchor="t" anchorCtr="0">
             <a:normAutofit fontScale="90000"/>
           </a:bodyPr>
           <a:lstStyle/>
           <a:p>
-            <a:pPr indent="0" lvl="0" marL="0" rtl="0" algn="l">
+            <a:pPr marL="0" lvl="0" indent="0" algn="l" rtl="0">
               <a:spcBef>
                 <a:spcPts val="0"/>
               </a:spcBef>
@@ -7947,9 +8123,11 @@
       <p:sp>
         <p:nvSpPr>
           <p:cNvPr id="68" name="Google Shape;68;p15"/>
-          <p:cNvSpPr txBox="1"/>
+          <p:cNvSpPr txBox="1">
+            <a:spLocks noGrp="1"/>
+          </p:cNvSpPr>
           <p:nvPr>
-            <p:ph idx="1" type="body"/>
+            <p:ph type="body" idx="1"/>
           </p:nvPr>
         </p:nvSpPr>
         <p:spPr>
@@ -7962,12 +8140,12 @@
           </a:prstGeom>
         </p:spPr>
         <p:txBody>
-          <a:bodyPr anchorCtr="0" anchor="t" bIns="91425" lIns="91425" spcFirstLastPara="1" rIns="91425" wrap="square" tIns="91425">
+          <a:bodyPr spcFirstLastPara="1" wrap="square" lIns="91425" tIns="91425" rIns="91425" bIns="91425" anchor="t" anchorCtr="0">
             <a:normAutofit/>
           </a:bodyPr>
           <a:lstStyle/>
           <a:p>
-            <a:pPr indent="0" lvl="0" marL="0" rtl="0" algn="l">
+            <a:pPr marL="0" lvl="0" indent="0" algn="l" rtl="0">
               <a:spcBef>
                 <a:spcPts val="0"/>
               </a:spcBef>
@@ -7977,7 +8155,7 @@
               <a:buNone/>
             </a:pPr>
             <a:r>
-              <a:rPr b="1" lang="it"/>
+              <a:rPr lang="it" b="1"/>
               <a:t>Definition</a:t>
             </a:r>
             <a:r>
@@ -7987,7 +8165,7 @@
             <a:endParaRPr/>
           </a:p>
           <a:p>
-            <a:pPr indent="0" lvl="0" marL="0" rtl="0" algn="l">
+            <a:pPr marL="0" lvl="0" indent="0" algn="l" rtl="0">
               <a:spcBef>
                 <a:spcPts val="1200"/>
               </a:spcBef>
@@ -7997,7 +8175,7 @@
               <a:buNone/>
             </a:pPr>
             <a:r>
-              <a:rPr b="1" lang="it"/>
+              <a:rPr lang="it" b="1"/>
               <a:t>Purpose</a:t>
             </a:r>
             <a:r>
@@ -8007,7 +8185,7 @@
             <a:endParaRPr/>
           </a:p>
           <a:p>
-            <a:pPr indent="0" lvl="0" marL="0" rtl="0" algn="l">
+            <a:pPr marL="0" lvl="0" indent="0" algn="l" rtl="0">
               <a:spcBef>
                 <a:spcPts val="1200"/>
               </a:spcBef>
@@ -8016,9 +8194,6 @@
               </a:spcAft>
               <a:buNone/>
             </a:pPr>
-            <a:r>
-              <a:t/>
-            </a:r>
             <a:endParaRPr/>
           </a:p>
         </p:txBody>
@@ -8032,11 +8207,11 @@
 </file>
 
 <file path=ppt/slides/slide4.xml><?xml version="1.0" encoding="utf-8"?>
-<p:sld xmlns:a="http://schemas.openxmlformats.org/drawingml/2006/main" xmlns:r="http://schemas.openxmlformats.org/officeDocument/2006/relationships" xmlns:mc="http://schemas.openxmlformats.org/markup-compatibility/2006" xmlns:mv="urn:schemas-microsoft-com:mac:vml" xmlns:p="http://schemas.openxmlformats.org/presentationml/2006/main" xmlns:c="http://schemas.openxmlformats.org/drawingml/2006/chart" xmlns:dgm="http://schemas.openxmlformats.org/drawingml/2006/diagram" xmlns:o="urn:schemas-microsoft-com:office:office" xmlns:v="urn:schemas-microsoft-com:vml" xmlns:pvml="urn:schemas-microsoft-com:office:powerpoint" xmlns:com="http://schemas.openxmlformats.org/drawingml/2006/compatibility" xmlns:p14="http://schemas.microsoft.com/office/powerpoint/2010/main" xmlns:p15="http://schemas.microsoft.com/office/powerpoint/2012/main" xmlns:ahyp="http://schemas.microsoft.com/office/drawing/2018/hyperlinkcolor">
+<p:sld xmlns:a="http://schemas.openxmlformats.org/drawingml/2006/main" xmlns:r="http://schemas.openxmlformats.org/officeDocument/2006/relationships" xmlns:p="http://schemas.openxmlformats.org/presentationml/2006/main">
   <p:cSld>
     <p:spTree>
       <p:nvGrpSpPr>
-        <p:cNvPr id="72" name="Shape 72"/>
+        <p:cNvPr id="1" name="Shape 72"/>
         <p:cNvGrpSpPr/>
         <p:nvPr/>
       </p:nvGrpSpPr>
@@ -8051,7 +8226,9 @@
       <p:sp>
         <p:nvSpPr>
           <p:cNvPr id="73" name="Google Shape;73;p16"/>
-          <p:cNvSpPr txBox="1"/>
+          <p:cNvSpPr txBox="1">
+            <a:spLocks noGrp="1"/>
+          </p:cNvSpPr>
           <p:nvPr>
             <p:ph type="title"/>
           </p:nvPr>
@@ -8066,12 +8243,12 @@
           </a:prstGeom>
         </p:spPr>
         <p:txBody>
-          <a:bodyPr anchorCtr="0" anchor="t" bIns="91425" lIns="91425" spcFirstLastPara="1" rIns="91425" wrap="square" tIns="91425">
+          <a:bodyPr spcFirstLastPara="1" wrap="square" lIns="91425" tIns="91425" rIns="91425" bIns="91425" anchor="t" anchorCtr="0">
             <a:normAutofit fontScale="90000"/>
           </a:bodyPr>
           <a:lstStyle/>
           <a:p>
-            <a:pPr indent="0" lvl="0" marL="0" rtl="0" algn="l">
+            <a:pPr marL="0" lvl="0" indent="0" algn="l" rtl="0">
               <a:spcBef>
                 <a:spcPts val="0"/>
               </a:spcBef>
@@ -8091,9 +8268,11 @@
       <p:sp>
         <p:nvSpPr>
           <p:cNvPr id="74" name="Google Shape;74;p16"/>
-          <p:cNvSpPr txBox="1"/>
+          <p:cNvSpPr txBox="1">
+            <a:spLocks noGrp="1"/>
+          </p:cNvSpPr>
           <p:nvPr>
-            <p:ph idx="1" type="body"/>
+            <p:ph type="body" idx="1"/>
           </p:nvPr>
         </p:nvSpPr>
         <p:spPr>
@@ -8106,12 +8285,12 @@
           </a:prstGeom>
         </p:spPr>
         <p:txBody>
-          <a:bodyPr anchorCtr="0" anchor="t" bIns="91425" lIns="91425" spcFirstLastPara="1" rIns="91425" wrap="square" tIns="91425">
+          <a:bodyPr spcFirstLastPara="1" wrap="square" lIns="91425" tIns="91425" rIns="91425" bIns="91425" anchor="t" anchorCtr="0">
             <a:normAutofit/>
           </a:bodyPr>
           <a:lstStyle/>
           <a:p>
-            <a:pPr indent="-342900" lvl="0" marL="457200" rtl="0" algn="l">
+            <a:pPr marL="457200" lvl="0" indent="-342900" algn="l" rtl="0">
               <a:spcBef>
                 <a:spcPts val="0"/>
               </a:spcBef>
@@ -8128,7 +8307,7 @@
             <a:endParaRPr/>
           </a:p>
           <a:p>
-            <a:pPr indent="-342900" lvl="0" marL="457200" rtl="0" algn="l">
+            <a:pPr marL="457200" lvl="0" indent="-342900" algn="l" rtl="0">
               <a:spcBef>
                 <a:spcPts val="0"/>
               </a:spcBef>
@@ -8145,7 +8324,7 @@
             <a:endParaRPr/>
           </a:p>
           <a:p>
-            <a:pPr indent="-342900" lvl="0" marL="457200" rtl="0" algn="l">
+            <a:pPr marL="457200" lvl="0" indent="-342900" algn="l" rtl="0">
               <a:spcBef>
                 <a:spcPts val="0"/>
               </a:spcBef>
@@ -8162,7 +8341,7 @@
             <a:endParaRPr/>
           </a:p>
           <a:p>
-            <a:pPr indent="-342900" lvl="0" marL="457200" rtl="0" algn="l">
+            <a:pPr marL="457200" lvl="0" indent="-342900" algn="l" rtl="0">
               <a:spcBef>
                 <a:spcPts val="0"/>
               </a:spcBef>
@@ -8179,7 +8358,7 @@
             <a:endParaRPr/>
           </a:p>
           <a:p>
-            <a:pPr indent="-342900" lvl="0" marL="914400" rtl="0" algn="l">
+            <a:pPr marL="914400" lvl="0" indent="-342900" algn="l" rtl="0">
               <a:spcBef>
                 <a:spcPts val="0"/>
               </a:spcBef>
@@ -8196,7 +8375,7 @@
             <a:endParaRPr/>
           </a:p>
           <a:p>
-            <a:pPr indent="-342900" lvl="0" marL="914400" rtl="0" algn="l">
+            <a:pPr marL="914400" lvl="0" indent="-342900" algn="l" rtl="0">
               <a:spcBef>
                 <a:spcPts val="0"/>
               </a:spcBef>
@@ -8213,7 +8392,7 @@
             <a:endParaRPr/>
           </a:p>
           <a:p>
-            <a:pPr indent="-342900" lvl="0" marL="914400" rtl="0" algn="l">
+            <a:pPr marL="914400" lvl="0" indent="-342900" algn="l" rtl="0">
               <a:spcBef>
                 <a:spcPts val="0"/>
               </a:spcBef>
@@ -8230,7 +8409,7 @@
             <a:endParaRPr/>
           </a:p>
           <a:p>
-            <a:pPr indent="-342900" lvl="0" marL="457200" rtl="0" algn="l">
+            <a:pPr marL="457200" lvl="0" indent="-342900" algn="l" rtl="0">
               <a:spcBef>
                 <a:spcPts val="0"/>
               </a:spcBef>
@@ -8257,11 +8436,11 @@
 </file>
 
 <file path=ppt/slides/slide5.xml><?xml version="1.0" encoding="utf-8"?>
-<p:sld xmlns:a="http://schemas.openxmlformats.org/drawingml/2006/main" xmlns:r="http://schemas.openxmlformats.org/officeDocument/2006/relationships" xmlns:mc="http://schemas.openxmlformats.org/markup-compatibility/2006" xmlns:mv="urn:schemas-microsoft-com:mac:vml" xmlns:p="http://schemas.openxmlformats.org/presentationml/2006/main" xmlns:c="http://schemas.openxmlformats.org/drawingml/2006/chart" xmlns:dgm="http://schemas.openxmlformats.org/drawingml/2006/diagram" xmlns:o="urn:schemas-microsoft-com:office:office" xmlns:v="urn:schemas-microsoft-com:vml" xmlns:pvml="urn:schemas-microsoft-com:office:powerpoint" xmlns:com="http://schemas.openxmlformats.org/drawingml/2006/compatibility" xmlns:p14="http://schemas.microsoft.com/office/powerpoint/2010/main" xmlns:p15="http://schemas.microsoft.com/office/powerpoint/2012/main" xmlns:ahyp="http://schemas.microsoft.com/office/drawing/2018/hyperlinkcolor">
+<p:sld xmlns:a="http://schemas.openxmlformats.org/drawingml/2006/main" xmlns:r="http://schemas.openxmlformats.org/officeDocument/2006/relationships" xmlns:p="http://schemas.openxmlformats.org/presentationml/2006/main">
   <p:cSld>
     <p:spTree>
       <p:nvGrpSpPr>
-        <p:cNvPr id="78" name="Shape 78"/>
+        <p:cNvPr id="1" name="Shape 78"/>
         <p:cNvGrpSpPr/>
         <p:nvPr/>
       </p:nvGrpSpPr>
@@ -8276,7 +8455,9 @@
       <p:sp>
         <p:nvSpPr>
           <p:cNvPr id="79" name="Google Shape;79;p17"/>
-          <p:cNvSpPr txBox="1"/>
+          <p:cNvSpPr txBox="1">
+            <a:spLocks noGrp="1"/>
+          </p:cNvSpPr>
           <p:nvPr>
             <p:ph type="title"/>
           </p:nvPr>
@@ -8291,12 +8472,12 @@
           </a:prstGeom>
         </p:spPr>
         <p:txBody>
-          <a:bodyPr anchorCtr="0" anchor="t" bIns="91425" lIns="91425" spcFirstLastPara="1" rIns="91425" wrap="square" tIns="91425">
+          <a:bodyPr spcFirstLastPara="1" wrap="square" lIns="91425" tIns="91425" rIns="91425" bIns="91425" anchor="t" anchorCtr="0">
             <a:normAutofit fontScale="90000"/>
           </a:bodyPr>
           <a:lstStyle/>
           <a:p>
-            <a:pPr indent="0" lvl="0" marL="0" rtl="0" algn="l">
+            <a:pPr marL="0" lvl="0" indent="0" algn="l" rtl="0">
               <a:spcBef>
                 <a:spcPts val="0"/>
               </a:spcBef>
@@ -8316,9 +8497,11 @@
       <p:sp>
         <p:nvSpPr>
           <p:cNvPr id="80" name="Google Shape;80;p17"/>
-          <p:cNvSpPr txBox="1"/>
+          <p:cNvSpPr txBox="1">
+            <a:spLocks noGrp="1"/>
+          </p:cNvSpPr>
           <p:nvPr>
-            <p:ph idx="1" type="body"/>
+            <p:ph type="body" idx="1"/>
           </p:nvPr>
         </p:nvSpPr>
         <p:spPr>
@@ -8331,12 +8514,12 @@
           </a:prstGeom>
         </p:spPr>
         <p:txBody>
-          <a:bodyPr anchorCtr="0" anchor="t" bIns="91425" lIns="91425" spcFirstLastPara="1" rIns="91425" wrap="square" tIns="91425">
+          <a:bodyPr spcFirstLastPara="1" wrap="square" lIns="91425" tIns="91425" rIns="91425" bIns="91425" anchor="t" anchorCtr="0">
             <a:normAutofit/>
           </a:bodyPr>
           <a:lstStyle/>
           <a:p>
-            <a:pPr indent="0" lvl="0" marL="0" rtl="0" algn="l">
+            <a:pPr marL="0" lvl="0" indent="0" algn="l" rtl="0">
               <a:spcBef>
                 <a:spcPts val="0"/>
               </a:spcBef>
@@ -8352,7 +8535,7 @@
             <a:endParaRPr sz="1600"/>
           </a:p>
           <a:p>
-            <a:pPr indent="0" lvl="0" marL="0" rtl="0" algn="l">
+            <a:pPr marL="0" lvl="0" indent="0" algn="l" rtl="0">
               <a:spcBef>
                 <a:spcPts val="1200"/>
               </a:spcBef>
@@ -8368,7 +8551,7 @@
             <a:endParaRPr sz="1600"/>
           </a:p>
           <a:p>
-            <a:pPr indent="0" lvl="0" marL="0" rtl="0" algn="l">
+            <a:pPr marL="0" lvl="0" indent="0" algn="l" rtl="0">
               <a:spcBef>
                 <a:spcPts val="1200"/>
               </a:spcBef>
@@ -8377,13 +8560,10 @@
               </a:spcAft>
               <a:buNone/>
             </a:pPr>
-            <a:r>
-              <a:t/>
-            </a:r>
             <a:endParaRPr sz="1600"/>
           </a:p>
           <a:p>
-            <a:pPr indent="0" lvl="0" marL="0" rtl="0" algn="l">
+            <a:pPr marL="0" lvl="0" indent="0" algn="l" rtl="0">
               <a:spcBef>
                 <a:spcPts val="1200"/>
               </a:spcBef>
@@ -8392,9 +8572,6 @@
               </a:spcAft>
               <a:buNone/>
             </a:pPr>
-            <a:r>
-              <a:t/>
-            </a:r>
             <a:endParaRPr sz="1600"/>
           </a:p>
         </p:txBody>
@@ -8436,11 +8613,11 @@
 </file>
 
 <file path=ppt/slides/slide6.xml><?xml version="1.0" encoding="utf-8"?>
-<p:sld xmlns:a="http://schemas.openxmlformats.org/drawingml/2006/main" xmlns:r="http://schemas.openxmlformats.org/officeDocument/2006/relationships" xmlns:mc="http://schemas.openxmlformats.org/markup-compatibility/2006" xmlns:mv="urn:schemas-microsoft-com:mac:vml" xmlns:p="http://schemas.openxmlformats.org/presentationml/2006/main" xmlns:c="http://schemas.openxmlformats.org/drawingml/2006/chart" xmlns:dgm="http://schemas.openxmlformats.org/drawingml/2006/diagram" xmlns:o="urn:schemas-microsoft-com:office:office" xmlns:v="urn:schemas-microsoft-com:vml" xmlns:pvml="urn:schemas-microsoft-com:office:powerpoint" xmlns:com="http://schemas.openxmlformats.org/drawingml/2006/compatibility" xmlns:p14="http://schemas.microsoft.com/office/powerpoint/2010/main" xmlns:p15="http://schemas.microsoft.com/office/powerpoint/2012/main" xmlns:ahyp="http://schemas.microsoft.com/office/drawing/2018/hyperlinkcolor">
+<p:sld xmlns:a="http://schemas.openxmlformats.org/drawingml/2006/main" xmlns:r="http://schemas.openxmlformats.org/officeDocument/2006/relationships" xmlns:p="http://schemas.openxmlformats.org/presentationml/2006/main">
   <p:cSld>
     <p:spTree>
       <p:nvGrpSpPr>
-        <p:cNvPr id="85" name="Shape 85"/>
+        <p:cNvPr id="1" name="Shape 85"/>
         <p:cNvGrpSpPr/>
         <p:nvPr/>
       </p:nvGrpSpPr>
@@ -8455,7 +8632,9 @@
       <p:sp>
         <p:nvSpPr>
           <p:cNvPr id="86" name="Google Shape;86;p18"/>
-          <p:cNvSpPr txBox="1"/>
+          <p:cNvSpPr txBox="1">
+            <a:spLocks noGrp="1"/>
+          </p:cNvSpPr>
           <p:nvPr>
             <p:ph type="title"/>
           </p:nvPr>
@@ -8470,12 +8649,12 @@
           </a:prstGeom>
         </p:spPr>
         <p:txBody>
-          <a:bodyPr anchorCtr="0" anchor="t" bIns="91425" lIns="91425" spcFirstLastPara="1" rIns="91425" wrap="square" tIns="91425">
+          <a:bodyPr spcFirstLastPara="1" wrap="square" lIns="91425" tIns="91425" rIns="91425" bIns="91425" anchor="t" anchorCtr="0">
             <a:normAutofit fontScale="90000"/>
           </a:bodyPr>
           <a:lstStyle/>
           <a:p>
-            <a:pPr indent="0" lvl="0" marL="0" rtl="0" algn="l">
+            <a:pPr marL="0" lvl="0" indent="0" algn="l" rtl="0">
               <a:spcBef>
                 <a:spcPts val="0"/>
               </a:spcBef>
@@ -8495,9 +8674,11 @@
       <p:sp>
         <p:nvSpPr>
           <p:cNvPr id="87" name="Google Shape;87;p18"/>
-          <p:cNvSpPr txBox="1"/>
+          <p:cNvSpPr txBox="1">
+            <a:spLocks noGrp="1"/>
+          </p:cNvSpPr>
           <p:nvPr>
-            <p:ph idx="1" type="body"/>
+            <p:ph type="body" idx="1"/>
           </p:nvPr>
         </p:nvSpPr>
         <p:spPr>
@@ -8510,12 +8691,12 @@
           </a:prstGeom>
         </p:spPr>
         <p:txBody>
-          <a:bodyPr anchorCtr="0" anchor="t" bIns="91425" lIns="91425" spcFirstLastPara="1" rIns="91425" wrap="square" tIns="91425">
+          <a:bodyPr spcFirstLastPara="1" wrap="square" lIns="91425" tIns="91425" rIns="91425" bIns="91425" anchor="t" anchorCtr="0">
             <a:normAutofit/>
           </a:bodyPr>
           <a:lstStyle/>
           <a:p>
-            <a:pPr indent="0" lvl="0" marL="0" rtl="0" algn="l">
+            <a:pPr marL="0" lvl="0" indent="0" algn="l" rtl="0">
               <a:spcBef>
                 <a:spcPts val="0"/>
               </a:spcBef>
@@ -8531,7 +8712,7 @@
             <a:endParaRPr/>
           </a:p>
           <a:p>
-            <a:pPr indent="0" lvl="0" marL="0" rtl="0" algn="l">
+            <a:pPr marL="0" lvl="0" indent="0" algn="l" rtl="0">
               <a:spcBef>
                 <a:spcPts val="1200"/>
               </a:spcBef>
@@ -8547,7 +8728,7 @@
             <a:endParaRPr/>
           </a:p>
           <a:p>
-            <a:pPr indent="0" lvl="0" marL="0" rtl="0" algn="l">
+            <a:pPr marL="0" lvl="0" indent="0" algn="l" rtl="0">
               <a:spcBef>
                 <a:spcPts val="1200"/>
               </a:spcBef>
@@ -8563,7 +8744,7 @@
             <a:endParaRPr/>
           </a:p>
           <a:p>
-            <a:pPr indent="0" lvl="0" marL="0" rtl="0" algn="l">
+            <a:pPr marL="0" lvl="0" indent="0" algn="l" rtl="0">
               <a:spcBef>
                 <a:spcPts val="1200"/>
               </a:spcBef>
@@ -8589,11 +8770,11 @@
 </file>
 
 <file path=ppt/slides/slide7.xml><?xml version="1.0" encoding="utf-8"?>
-<p:sld xmlns:a="http://schemas.openxmlformats.org/drawingml/2006/main" xmlns:r="http://schemas.openxmlformats.org/officeDocument/2006/relationships" xmlns:mc="http://schemas.openxmlformats.org/markup-compatibility/2006" xmlns:mv="urn:schemas-microsoft-com:mac:vml" xmlns:p="http://schemas.openxmlformats.org/presentationml/2006/main" xmlns:c="http://schemas.openxmlformats.org/drawingml/2006/chart" xmlns:dgm="http://schemas.openxmlformats.org/drawingml/2006/diagram" xmlns:o="urn:schemas-microsoft-com:office:office" xmlns:v="urn:schemas-microsoft-com:vml" xmlns:pvml="urn:schemas-microsoft-com:office:powerpoint" xmlns:com="http://schemas.openxmlformats.org/drawingml/2006/compatibility" xmlns:p14="http://schemas.microsoft.com/office/powerpoint/2010/main" xmlns:p15="http://schemas.microsoft.com/office/powerpoint/2012/main" xmlns:ahyp="http://schemas.microsoft.com/office/drawing/2018/hyperlinkcolor">
+<p:sld xmlns:a="http://schemas.openxmlformats.org/drawingml/2006/main" xmlns:r="http://schemas.openxmlformats.org/officeDocument/2006/relationships" xmlns:p="http://schemas.openxmlformats.org/presentationml/2006/main">
   <p:cSld>
     <p:spTree>
       <p:nvGrpSpPr>
-        <p:cNvPr id="91" name="Shape 91"/>
+        <p:cNvPr id="1" name="Shape 91"/>
         <p:cNvGrpSpPr/>
         <p:nvPr/>
       </p:nvGrpSpPr>
@@ -8608,7 +8789,9 @@
       <p:sp>
         <p:nvSpPr>
           <p:cNvPr id="92" name="Google Shape;92;p19"/>
-          <p:cNvSpPr txBox="1"/>
+          <p:cNvSpPr txBox="1">
+            <a:spLocks noGrp="1"/>
+          </p:cNvSpPr>
           <p:nvPr>
             <p:ph type="title"/>
           </p:nvPr>
@@ -8623,12 +8806,12 @@
           </a:prstGeom>
         </p:spPr>
         <p:txBody>
-          <a:bodyPr anchorCtr="0" anchor="t" bIns="91425" lIns="91425" spcFirstLastPara="1" rIns="91425" wrap="square" tIns="91425">
+          <a:bodyPr spcFirstLastPara="1" wrap="square" lIns="91425" tIns="91425" rIns="91425" bIns="91425" anchor="t" anchorCtr="0">
             <a:normAutofit fontScale="90000"/>
           </a:bodyPr>
           <a:lstStyle/>
           <a:p>
-            <a:pPr indent="0" lvl="0" marL="0" rtl="0" algn="l">
+            <a:pPr marL="0" lvl="0" indent="0" algn="l" rtl="0">
               <a:spcBef>
                 <a:spcPts val="0"/>
               </a:spcBef>
@@ -8648,9 +8831,11 @@
       <p:sp>
         <p:nvSpPr>
           <p:cNvPr id="93" name="Google Shape;93;p19"/>
-          <p:cNvSpPr txBox="1"/>
+          <p:cNvSpPr txBox="1">
+            <a:spLocks noGrp="1"/>
+          </p:cNvSpPr>
           <p:nvPr>
-            <p:ph idx="1" type="body"/>
+            <p:ph type="body" idx="1"/>
           </p:nvPr>
         </p:nvSpPr>
         <p:spPr>
@@ -8663,12 +8848,12 @@
           </a:prstGeom>
         </p:spPr>
         <p:txBody>
-          <a:bodyPr anchorCtr="0" anchor="t" bIns="91425" lIns="91425" spcFirstLastPara="1" rIns="91425" wrap="square" tIns="91425">
+          <a:bodyPr spcFirstLastPara="1" wrap="square" lIns="91425" tIns="91425" rIns="91425" bIns="91425" anchor="t" anchorCtr="0">
             <a:normAutofit/>
           </a:bodyPr>
           <a:lstStyle/>
           <a:p>
-            <a:pPr indent="-342900" lvl="0" marL="457200" rtl="0" algn="l">
+            <a:pPr marL="457200" lvl="0" indent="-342900" algn="l" rtl="0">
               <a:spcBef>
                 <a:spcPts val="0"/>
               </a:spcBef>
@@ -8679,7 +8864,7 @@
               <a:buChar char="-"/>
             </a:pPr>
             <a:r>
-              <a:rPr b="1" lang="it"/>
+              <a:rPr lang="it" b="1"/>
               <a:t>Extreme Gradient Boosting (XGBoost)</a:t>
             </a:r>
             <a:r>
@@ -8689,7 +8874,7 @@
             <a:endParaRPr/>
           </a:p>
           <a:p>
-            <a:pPr indent="-342900" lvl="0" marL="457200" rtl="0" algn="l">
+            <a:pPr marL="457200" lvl="0" indent="-342900" algn="l" rtl="0">
               <a:spcBef>
                 <a:spcPts val="0"/>
               </a:spcBef>
@@ -8700,7 +8885,7 @@
               <a:buChar char="-"/>
             </a:pPr>
             <a:r>
-              <a:rPr b="1" lang="it"/>
+              <a:rPr lang="it" b="1"/>
               <a:t>Iterative Learning with Weak Learners</a:t>
             </a:r>
             <a:r>
@@ -8710,7 +8895,7 @@
             <a:endParaRPr/>
           </a:p>
           <a:p>
-            <a:pPr indent="-342900" lvl="0" marL="457200" rtl="0" algn="l">
+            <a:pPr marL="457200" lvl="0" indent="-342900" algn="l" rtl="0">
               <a:spcBef>
                 <a:spcPts val="0"/>
               </a:spcBef>
@@ -8721,7 +8906,7 @@
               <a:buChar char="-"/>
             </a:pPr>
             <a:r>
-              <a:rPr b="1" lang="it"/>
+              <a:rPr lang="it" b="1"/>
               <a:t>Built-in Feature Importance</a:t>
             </a:r>
             <a:r>
@@ -8731,7 +8916,7 @@
             <a:endParaRPr/>
           </a:p>
           <a:p>
-            <a:pPr indent="-342900" lvl="0" marL="457200" rtl="0" algn="l">
+            <a:pPr marL="457200" lvl="0" indent="-342900" algn="l" rtl="0">
               <a:spcBef>
                 <a:spcPts val="0"/>
               </a:spcBef>
@@ -8742,7 +8927,7 @@
               <a:buChar char="-"/>
             </a:pPr>
             <a:r>
-              <a:rPr b="1" lang="it"/>
+              <a:rPr lang="it" b="1"/>
               <a:t>Handles Label Imbalance</a:t>
             </a:r>
             <a:r>
@@ -8762,11 +8947,11 @@
 </file>
 
 <file path=ppt/slides/slide8.xml><?xml version="1.0" encoding="utf-8"?>
-<p:sld xmlns:a="http://schemas.openxmlformats.org/drawingml/2006/main" xmlns:r="http://schemas.openxmlformats.org/officeDocument/2006/relationships" xmlns:mc="http://schemas.openxmlformats.org/markup-compatibility/2006" xmlns:mv="urn:schemas-microsoft-com:mac:vml" xmlns:p="http://schemas.openxmlformats.org/presentationml/2006/main" xmlns:c="http://schemas.openxmlformats.org/drawingml/2006/chart" xmlns:dgm="http://schemas.openxmlformats.org/drawingml/2006/diagram" xmlns:o="urn:schemas-microsoft-com:office:office" xmlns:v="urn:schemas-microsoft-com:vml" xmlns:pvml="urn:schemas-microsoft-com:office:powerpoint" xmlns:com="http://schemas.openxmlformats.org/drawingml/2006/compatibility" xmlns:p14="http://schemas.microsoft.com/office/powerpoint/2010/main" xmlns:p15="http://schemas.microsoft.com/office/powerpoint/2012/main" xmlns:ahyp="http://schemas.microsoft.com/office/drawing/2018/hyperlinkcolor">
+<p:sld xmlns:a="http://schemas.openxmlformats.org/drawingml/2006/main" xmlns:r="http://schemas.openxmlformats.org/officeDocument/2006/relationships" xmlns:p="http://schemas.openxmlformats.org/presentationml/2006/main">
   <p:cSld>
     <p:spTree>
       <p:nvGrpSpPr>
-        <p:cNvPr id="97" name="Shape 97"/>
+        <p:cNvPr id="1" name="Shape 97"/>
         <p:cNvGrpSpPr/>
         <p:nvPr/>
       </p:nvGrpSpPr>
@@ -8781,7 +8966,9 @@
       <p:sp>
         <p:nvSpPr>
           <p:cNvPr id="98" name="Google Shape;98;p20"/>
-          <p:cNvSpPr txBox="1"/>
+          <p:cNvSpPr txBox="1">
+            <a:spLocks noGrp="1"/>
+          </p:cNvSpPr>
           <p:nvPr>
             <p:ph type="title"/>
           </p:nvPr>
@@ -8796,12 +8983,12 @@
           </a:prstGeom>
         </p:spPr>
         <p:txBody>
-          <a:bodyPr anchorCtr="0" anchor="t" bIns="91425" lIns="91425" spcFirstLastPara="1" rIns="91425" wrap="square" tIns="91425">
+          <a:bodyPr spcFirstLastPara="1" wrap="square" lIns="91425" tIns="91425" rIns="91425" bIns="91425" anchor="t" anchorCtr="0">
             <a:normAutofit fontScale="90000"/>
           </a:bodyPr>
           <a:lstStyle/>
           <a:p>
-            <a:pPr indent="0" lvl="0" marL="0" rtl="0" algn="l">
+            <a:pPr marL="0" lvl="0" indent="0" algn="l" rtl="0">
               <a:spcBef>
                 <a:spcPts val="0"/>
               </a:spcBef>
@@ -8821,9 +9008,11 @@
       <p:sp>
         <p:nvSpPr>
           <p:cNvPr id="99" name="Google Shape;99;p20"/>
-          <p:cNvSpPr txBox="1"/>
+          <p:cNvSpPr txBox="1">
+            <a:spLocks noGrp="1"/>
+          </p:cNvSpPr>
           <p:nvPr>
-            <p:ph idx="1" type="body"/>
+            <p:ph type="body" idx="1"/>
           </p:nvPr>
         </p:nvSpPr>
         <p:spPr>
@@ -8836,12 +9025,12 @@
           </a:prstGeom>
         </p:spPr>
         <p:txBody>
-          <a:bodyPr anchorCtr="0" anchor="t" bIns="91425" lIns="91425" spcFirstLastPara="1" rIns="91425" wrap="square" tIns="91425">
+          <a:bodyPr spcFirstLastPara="1" wrap="square" lIns="91425" tIns="91425" rIns="91425" bIns="91425" anchor="t" anchorCtr="0">
             <a:normAutofit/>
           </a:bodyPr>
           <a:lstStyle/>
           <a:p>
-            <a:pPr indent="0" lvl="0" marL="0" rtl="0" algn="l">
+            <a:pPr marL="0" lvl="0" indent="0" algn="l" rtl="0">
               <a:spcBef>
                 <a:spcPts val="0"/>
               </a:spcBef>
@@ -8857,7 +9046,7 @@
             <a:endParaRPr/>
           </a:p>
           <a:p>
-            <a:pPr indent="-317500" lvl="0" marL="457200" rtl="0" algn="l">
+            <a:pPr marL="457200" lvl="0" indent="-317500" algn="l" rtl="0">
               <a:spcBef>
                 <a:spcPts val="1200"/>
               </a:spcBef>
@@ -8874,7 +9063,7 @@
             <a:endParaRPr/>
           </a:p>
           <a:p>
-            <a:pPr indent="-317500" lvl="0" marL="457200" rtl="0" algn="l">
+            <a:pPr marL="457200" lvl="0" indent="-317500" algn="l" rtl="0">
               <a:spcBef>
                 <a:spcPts val="0"/>
               </a:spcBef>
@@ -8891,7 +9080,7 @@
             <a:endParaRPr/>
           </a:p>
           <a:p>
-            <a:pPr indent="-317500" lvl="0" marL="457200" rtl="0" algn="l">
+            <a:pPr marL="457200" lvl="0" indent="-317500" algn="l" rtl="0">
               <a:spcBef>
                 <a:spcPts val="0"/>
               </a:spcBef>
@@ -8912,9 +9101,11 @@
       <p:sp>
         <p:nvSpPr>
           <p:cNvPr id="100" name="Google Shape;100;p20"/>
-          <p:cNvSpPr txBox="1"/>
+          <p:cNvSpPr txBox="1">
+            <a:spLocks noGrp="1"/>
+          </p:cNvSpPr>
           <p:nvPr>
-            <p:ph idx="2" type="body"/>
+            <p:ph type="body" idx="2"/>
           </p:nvPr>
         </p:nvSpPr>
         <p:spPr>
@@ -8927,12 +9118,12 @@
           </a:prstGeom>
         </p:spPr>
         <p:txBody>
-          <a:bodyPr anchorCtr="0" anchor="t" bIns="91425" lIns="91425" spcFirstLastPara="1" rIns="91425" wrap="square" tIns="91425">
+          <a:bodyPr spcFirstLastPara="1" wrap="square" lIns="91425" tIns="91425" rIns="91425" bIns="91425" anchor="t" anchorCtr="0">
             <a:normAutofit/>
           </a:bodyPr>
           <a:lstStyle/>
           <a:p>
-            <a:pPr indent="0" lvl="0" marL="0" rtl="0" algn="l">
+            <a:pPr marL="0" lvl="0" indent="0" algn="l" rtl="0">
               <a:spcBef>
                 <a:spcPts val="0"/>
               </a:spcBef>
@@ -8948,7 +9139,7 @@
             <a:endParaRPr/>
           </a:p>
           <a:p>
-            <a:pPr indent="-317500" lvl="0" marL="457200" rtl="0" algn="l">
+            <a:pPr marL="457200" lvl="0" indent="-317500" algn="l" rtl="0">
               <a:spcBef>
                 <a:spcPts val="1200"/>
               </a:spcBef>
@@ -8965,7 +9156,7 @@
             <a:endParaRPr/>
           </a:p>
           <a:p>
-            <a:pPr indent="-317500" lvl="0" marL="457200" rtl="0" algn="l">
+            <a:pPr marL="457200" lvl="0" indent="-317500" algn="l" rtl="0">
               <a:spcBef>
                 <a:spcPts val="0"/>
               </a:spcBef>
@@ -8982,7 +9173,7 @@
             <a:endParaRPr/>
           </a:p>
           <a:p>
-            <a:pPr indent="-317500" lvl="0" marL="457200" rtl="0" algn="l">
+            <a:pPr marL="457200" lvl="0" indent="-317500" algn="l" rtl="0">
               <a:spcBef>
                 <a:spcPts val="0"/>
               </a:spcBef>
@@ -9009,11 +9200,11 @@
 </file>
 
 <file path=ppt/slides/slide9.xml><?xml version="1.0" encoding="utf-8"?>
-<p:sld xmlns:a="http://schemas.openxmlformats.org/drawingml/2006/main" xmlns:r="http://schemas.openxmlformats.org/officeDocument/2006/relationships" xmlns:mc="http://schemas.openxmlformats.org/markup-compatibility/2006" xmlns:mv="urn:schemas-microsoft-com:mac:vml" xmlns:p="http://schemas.openxmlformats.org/presentationml/2006/main" xmlns:c="http://schemas.openxmlformats.org/drawingml/2006/chart" xmlns:dgm="http://schemas.openxmlformats.org/drawingml/2006/diagram" xmlns:o="urn:schemas-microsoft-com:office:office" xmlns:v="urn:schemas-microsoft-com:vml" xmlns:pvml="urn:schemas-microsoft-com:office:powerpoint" xmlns:com="http://schemas.openxmlformats.org/drawingml/2006/compatibility" xmlns:p14="http://schemas.microsoft.com/office/powerpoint/2010/main" xmlns:p15="http://schemas.microsoft.com/office/powerpoint/2012/main" xmlns:ahyp="http://schemas.microsoft.com/office/drawing/2018/hyperlinkcolor">
+<p:sld xmlns:a="http://schemas.openxmlformats.org/drawingml/2006/main" xmlns:r="http://schemas.openxmlformats.org/officeDocument/2006/relationships" xmlns:p="http://schemas.openxmlformats.org/presentationml/2006/main">
   <p:cSld>
     <p:spTree>
       <p:nvGrpSpPr>
-        <p:cNvPr id="104" name="Shape 104"/>
+        <p:cNvPr id="1" name="Shape 104"/>
         <p:cNvGrpSpPr/>
         <p:nvPr/>
       </p:nvGrpSpPr>
@@ -9028,7 +9219,9 @@
       <p:sp>
         <p:nvSpPr>
           <p:cNvPr id="105" name="Google Shape;105;p21"/>
-          <p:cNvSpPr txBox="1"/>
+          <p:cNvSpPr txBox="1">
+            <a:spLocks noGrp="1"/>
+          </p:cNvSpPr>
           <p:nvPr>
             <p:ph type="title"/>
           </p:nvPr>
@@ -9043,12 +9236,12 @@
           </a:prstGeom>
         </p:spPr>
         <p:txBody>
-          <a:bodyPr anchorCtr="0" anchor="t" bIns="91425" lIns="91425" spcFirstLastPara="1" rIns="91425" wrap="square" tIns="91425">
+          <a:bodyPr spcFirstLastPara="1" wrap="square" lIns="91425" tIns="91425" rIns="91425" bIns="91425" anchor="t" anchorCtr="0">
             <a:normAutofit fontScale="90000"/>
           </a:bodyPr>
           <a:lstStyle/>
           <a:p>
-            <a:pPr indent="0" lvl="0" marL="0" rtl="0" algn="l">
+            <a:pPr marL="0" lvl="0" indent="0" algn="l" rtl="0">
               <a:spcBef>
                 <a:spcPts val="0"/>
               </a:spcBef>
@@ -9064,7 +9257,7 @@
             <a:endParaRPr/>
           </a:p>
           <a:p>
-            <a:pPr indent="0" lvl="0" marL="0" rtl="0" algn="l">
+            <a:pPr marL="0" lvl="0" indent="0" algn="l" rtl="0">
               <a:spcBef>
                 <a:spcPts val="0"/>
               </a:spcBef>
@@ -9073,13 +9266,10 @@
               </a:spcAft>
               <a:buNone/>
             </a:pPr>
-            <a:r>
-              <a:t/>
-            </a:r>
             <a:endParaRPr/>
           </a:p>
           <a:p>
-            <a:pPr indent="0" lvl="0" marL="0" rtl="0" algn="l">
+            <a:pPr marL="0" lvl="0" indent="0" algn="l" rtl="0">
               <a:spcBef>
                 <a:spcPts val="0"/>
               </a:spcBef>
@@ -9088,9 +9278,6 @@
               </a:spcAft>
               <a:buNone/>
             </a:pPr>
-            <a:r>
-              <a:t/>
-            </a:r>
             <a:endParaRPr/>
           </a:p>
         </p:txBody>
@@ -9141,10 +9328,34 @@
                 <a:tableStyleId>{881405EB-C8B9-4B88-97AC-4D95FB1B9288}</a:tableStyleId>
               </a:tblPr>
               <a:tblGrid>
-                <a:gridCol w="1747025"/>
-                <a:gridCol w="1747025"/>
-                <a:gridCol w="1747025"/>
-                <a:gridCol w="1747025"/>
+                <a:gridCol w="1747025">
+                  <a:extLst>
+                    <a:ext uri="{9D8B030D-6E8A-4147-A177-3AD203B41FA5}">
+                      <a16:colId xmlns:a16="http://schemas.microsoft.com/office/drawing/2014/main" val="20000"/>
+                    </a:ext>
+                  </a:extLst>
+                </a:gridCol>
+                <a:gridCol w="1747025">
+                  <a:extLst>
+                    <a:ext uri="{9D8B030D-6E8A-4147-A177-3AD203B41FA5}">
+                      <a16:colId xmlns:a16="http://schemas.microsoft.com/office/drawing/2014/main" val="20001"/>
+                    </a:ext>
+                  </a:extLst>
+                </a:gridCol>
+                <a:gridCol w="1747025">
+                  <a:extLst>
+                    <a:ext uri="{9D8B030D-6E8A-4147-A177-3AD203B41FA5}">
+                      <a16:colId xmlns:a16="http://schemas.microsoft.com/office/drawing/2014/main" val="20002"/>
+                    </a:ext>
+                  </a:extLst>
+                </a:gridCol>
+                <a:gridCol w="1747025">
+                  <a:extLst>
+                    <a:ext uri="{9D8B030D-6E8A-4147-A177-3AD203B41FA5}">
+                      <a16:colId xmlns:a16="http://schemas.microsoft.com/office/drawing/2014/main" val="20003"/>
+                    </a:ext>
+                  </a:extLst>
+                </a:gridCol>
               </a:tblGrid>
               <a:tr h="376050">
                 <a:tc>
@@ -9152,7 +9363,7 @@
                     <a:bodyPr/>
                     <a:lstStyle/>
                     <a:p>
-                      <a:pPr indent="0" lvl="0" marL="0" rtl="0" algn="l">
+                      <a:pPr marL="0" lvl="0" indent="0" algn="l" rtl="0">
                         <a:spcBef>
                           <a:spcPts val="0"/>
                         </a:spcBef>
@@ -9168,14 +9379,14 @@
                       <a:endParaRPr/>
                     </a:p>
                   </a:txBody>
-                  <a:tcPr marT="91425" marB="91425" marR="91425" marL="91425"/>
+                  <a:tcPr marL="91425" marR="91425" marT="91425" marB="91425"/>
                 </a:tc>
                 <a:tc>
                   <a:txBody>
                     <a:bodyPr/>
                     <a:lstStyle/>
                     <a:p>
-                      <a:pPr indent="0" lvl="0" marL="0" rtl="0" algn="l">
+                      <a:pPr marL="0" lvl="0" indent="0" algn="l" rtl="0">
                         <a:spcBef>
                           <a:spcPts val="0"/>
                         </a:spcBef>
@@ -9191,14 +9402,14 @@
                       <a:endParaRPr/>
                     </a:p>
                   </a:txBody>
-                  <a:tcPr marT="91425" marB="91425" marR="91425" marL="91425"/>
+                  <a:tcPr marL="91425" marR="91425" marT="91425" marB="91425"/>
                 </a:tc>
                 <a:tc>
                   <a:txBody>
                     <a:bodyPr/>
                     <a:lstStyle/>
                     <a:p>
-                      <a:pPr indent="0" lvl="0" marL="0" rtl="0" algn="l">
+                      <a:pPr marL="0" lvl="0" indent="0" algn="l" rtl="0">
                         <a:spcBef>
                           <a:spcPts val="0"/>
                         </a:spcBef>
@@ -9214,7 +9425,7 @@
                       <a:endParaRPr/>
                     </a:p>
                   </a:txBody>
-                  <a:tcPr marT="91425" marB="91425" marR="91425" marL="91425">
+                  <a:tcPr marL="91425" marR="91425" marT="91425" marB="91425">
                     <a:solidFill>
                       <a:schemeClr val="accent6"/>
                     </a:solidFill>
@@ -9225,7 +9436,7 @@
                     <a:bodyPr/>
                     <a:lstStyle/>
                     <a:p>
-                      <a:pPr indent="0" lvl="0" marL="0" rtl="0" algn="l">
+                      <a:pPr marL="0" lvl="0" indent="0" algn="l" rtl="0">
                         <a:spcBef>
                           <a:spcPts val="0"/>
                         </a:spcBef>
@@ -9241,8 +9452,13 @@
                       <a:endParaRPr/>
                     </a:p>
                   </a:txBody>
-                  <a:tcPr marT="91425" marB="91425" marR="91425" marL="91425"/>
+                  <a:tcPr marL="91425" marR="91425" marT="91425" marB="91425"/>
                 </a:tc>
+                <a:extLst>
+                  <a:ext uri="{0D108BD9-81ED-4DB2-BD59-A6C34878D82A}">
+                    <a16:rowId xmlns:a16="http://schemas.microsoft.com/office/drawing/2014/main" val="10000"/>
+                  </a:ext>
+                </a:extLst>
               </a:tr>
               <a:tr h="376050">
                 <a:tc>
@@ -9250,7 +9466,7 @@
                     <a:bodyPr/>
                     <a:lstStyle/>
                     <a:p>
-                      <a:pPr indent="0" lvl="0" marL="0" rtl="0" algn="l">
+                      <a:pPr marL="0" lvl="0" indent="0" algn="l" rtl="0">
                         <a:spcBef>
                           <a:spcPts val="0"/>
                         </a:spcBef>
@@ -9275,14 +9491,14 @@
                       <a:endParaRPr/>
                     </a:p>
                   </a:txBody>
-                  <a:tcPr marT="91425" marB="91425" marR="91425" marL="91425"/>
+                  <a:tcPr marL="91425" marR="91425" marT="91425" marB="91425"/>
                 </a:tc>
                 <a:tc>
                   <a:txBody>
                     <a:bodyPr/>
                     <a:lstStyle/>
                     <a:p>
-                      <a:pPr indent="0" lvl="0" marL="0" rtl="0" algn="l">
+                      <a:pPr marL="0" lvl="0" indent="0" algn="l" rtl="0">
                         <a:spcBef>
                           <a:spcPts val="0"/>
                         </a:spcBef>
@@ -9298,14 +9514,14 @@
                       <a:endParaRPr/>
                     </a:p>
                   </a:txBody>
-                  <a:tcPr marT="91425" marB="91425" marR="91425" marL="91425"/>
+                  <a:tcPr marL="91425" marR="91425" marT="91425" marB="91425"/>
                 </a:tc>
                 <a:tc>
                   <a:txBody>
                     <a:bodyPr/>
                     <a:lstStyle/>
                     <a:p>
-                      <a:pPr indent="0" lvl="0" marL="0" rtl="0" algn="l">
+                      <a:pPr marL="0" lvl="0" indent="0" algn="l" rtl="0">
                         <a:spcBef>
                           <a:spcPts val="0"/>
                         </a:spcBef>
@@ -9321,7 +9537,7 @@
                       <a:endParaRPr/>
                     </a:p>
                   </a:txBody>
-                  <a:tcPr marT="91425" marB="91425" marR="91425" marL="91425">
+                  <a:tcPr marL="91425" marR="91425" marT="91425" marB="91425">
                     <a:solidFill>
                       <a:schemeClr val="accent6"/>
                     </a:solidFill>
@@ -9332,7 +9548,7 @@
                     <a:bodyPr/>
                     <a:lstStyle/>
                     <a:p>
-                      <a:pPr indent="0" lvl="0" marL="0" rtl="0" algn="l">
+                      <a:pPr marL="0" lvl="0" indent="0" algn="l" rtl="0">
                         <a:spcBef>
                           <a:spcPts val="0"/>
                         </a:spcBef>
@@ -9348,8 +9564,13 @@
                       <a:endParaRPr/>
                     </a:p>
                   </a:txBody>
-                  <a:tcPr marT="91425" marB="91425" marR="91425" marL="91425"/>
+                  <a:tcPr marL="91425" marR="91425" marT="91425" marB="91425"/>
                 </a:tc>
+                <a:extLst>
+                  <a:ext uri="{0D108BD9-81ED-4DB2-BD59-A6C34878D82A}">
+                    <a16:rowId xmlns:a16="http://schemas.microsoft.com/office/drawing/2014/main" val="10001"/>
+                  </a:ext>
+                </a:extLst>
               </a:tr>
               <a:tr h="376050">
                 <a:tc>
@@ -9357,7 +9578,7 @@
                     <a:bodyPr/>
                     <a:lstStyle/>
                     <a:p>
-                      <a:pPr indent="0" lvl="0" marL="0" rtl="0" algn="l">
+                      <a:pPr marL="0" lvl="0" indent="0" algn="l" rtl="0">
                         <a:spcBef>
                           <a:spcPts val="0"/>
                         </a:spcBef>
@@ -9373,14 +9594,14 @@
                       <a:endParaRPr/>
                     </a:p>
                   </a:txBody>
-                  <a:tcPr marT="91425" marB="91425" marR="91425" marL="91425"/>
+                  <a:tcPr marL="91425" marR="91425" marT="91425" marB="91425"/>
                 </a:tc>
                 <a:tc>
                   <a:txBody>
                     <a:bodyPr/>
                     <a:lstStyle/>
                     <a:p>
-                      <a:pPr indent="0" lvl="0" marL="0" rtl="0" algn="l">
+                      <a:pPr marL="0" lvl="0" indent="0" algn="l" rtl="0">
                         <a:spcBef>
                           <a:spcPts val="0"/>
                         </a:spcBef>
@@ -9396,14 +9617,14 @@
                       <a:endParaRPr/>
                     </a:p>
                   </a:txBody>
-                  <a:tcPr marT="91425" marB="91425" marR="91425" marL="91425"/>
+                  <a:tcPr marL="91425" marR="91425" marT="91425" marB="91425"/>
                 </a:tc>
                 <a:tc>
                   <a:txBody>
                     <a:bodyPr/>
                     <a:lstStyle/>
                     <a:p>
-                      <a:pPr indent="0" lvl="0" marL="0" rtl="0" algn="l">
+                      <a:pPr marL="0" lvl="0" indent="0" algn="l" rtl="0">
                         <a:spcBef>
                           <a:spcPts val="0"/>
                         </a:spcBef>
@@ -9419,7 +9640,7 @@
                       <a:endParaRPr/>
                     </a:p>
                   </a:txBody>
-                  <a:tcPr marT="91425" marB="91425" marR="91425" marL="91425">
+                  <a:tcPr marL="91425" marR="91425" marT="91425" marB="91425">
                     <a:solidFill>
                       <a:schemeClr val="accent6"/>
                     </a:solidFill>
@@ -9430,7 +9651,7 @@
                     <a:bodyPr/>
                     <a:lstStyle/>
                     <a:p>
-                      <a:pPr indent="0" lvl="0" marL="0" rtl="0" algn="l">
+                      <a:pPr marL="0" lvl="0" indent="0" algn="l" rtl="0">
                         <a:spcBef>
                           <a:spcPts val="0"/>
                         </a:spcBef>
@@ -9446,8 +9667,13 @@
                       <a:endParaRPr/>
                     </a:p>
                   </a:txBody>
-                  <a:tcPr marT="91425" marB="91425" marR="91425" marL="91425"/>
+                  <a:tcPr marL="91425" marR="91425" marT="91425" marB="91425"/>
                 </a:tc>
+                <a:extLst>
+                  <a:ext uri="{0D108BD9-81ED-4DB2-BD59-A6C34878D82A}">
+                    <a16:rowId xmlns:a16="http://schemas.microsoft.com/office/drawing/2014/main" val="10002"/>
+                  </a:ext>
+                </a:extLst>
               </a:tr>
               <a:tr h="376050">
                 <a:tc>
@@ -9455,7 +9681,7 @@
                     <a:bodyPr/>
                     <a:lstStyle/>
                     <a:p>
-                      <a:pPr indent="0" lvl="0" marL="0" rtl="0" algn="l">
+                      <a:pPr marL="0" lvl="0" indent="0" algn="l" rtl="0">
                         <a:spcBef>
                           <a:spcPts val="0"/>
                         </a:spcBef>
@@ -9471,14 +9697,14 @@
                       <a:endParaRPr/>
                     </a:p>
                   </a:txBody>
-                  <a:tcPr marT="91425" marB="91425" marR="91425" marL="91425"/>
+                  <a:tcPr marL="91425" marR="91425" marT="91425" marB="91425"/>
                 </a:tc>
                 <a:tc>
                   <a:txBody>
                     <a:bodyPr/>
                     <a:lstStyle/>
                     <a:p>
-                      <a:pPr indent="0" lvl="0" marL="0" rtl="0" algn="l">
+                      <a:pPr marL="0" lvl="0" indent="0" algn="l" rtl="0">
                         <a:spcBef>
                           <a:spcPts val="0"/>
                         </a:spcBef>
@@ -9494,14 +9720,14 @@
                       <a:endParaRPr/>
                     </a:p>
                   </a:txBody>
-                  <a:tcPr marT="91425" marB="91425" marR="91425" marL="91425"/>
+                  <a:tcPr marL="91425" marR="91425" marT="91425" marB="91425"/>
                 </a:tc>
                 <a:tc>
                   <a:txBody>
                     <a:bodyPr/>
                     <a:lstStyle/>
                     <a:p>
-                      <a:pPr indent="0" lvl="0" marL="0" rtl="0" algn="l">
+                      <a:pPr marL="0" lvl="0" indent="0" algn="l" rtl="0">
                         <a:spcBef>
                           <a:spcPts val="0"/>
                         </a:spcBef>
@@ -9517,7 +9743,7 @@
                       <a:endParaRPr/>
                     </a:p>
                   </a:txBody>
-                  <a:tcPr marT="91425" marB="91425" marR="91425" marL="91425">
+                  <a:tcPr marL="91425" marR="91425" marT="91425" marB="91425">
                     <a:solidFill>
                       <a:schemeClr val="accent6"/>
                     </a:solidFill>
@@ -9528,7 +9754,7 @@
                     <a:bodyPr/>
                     <a:lstStyle/>
                     <a:p>
-                      <a:pPr indent="0" lvl="0" marL="0" rtl="0" algn="l">
+                      <a:pPr marL="0" lvl="0" indent="0" algn="l" rtl="0">
                         <a:spcBef>
                           <a:spcPts val="0"/>
                         </a:spcBef>
@@ -9544,8 +9770,13 @@
                       <a:endParaRPr/>
                     </a:p>
                   </a:txBody>
-                  <a:tcPr marT="91425" marB="91425" marR="91425" marL="91425"/>
+                  <a:tcPr marL="91425" marR="91425" marT="91425" marB="91425"/>
                 </a:tc>
+                <a:extLst>
+                  <a:ext uri="{0D108BD9-81ED-4DB2-BD59-A6C34878D82A}">
+                    <a16:rowId xmlns:a16="http://schemas.microsoft.com/office/drawing/2014/main" val="10003"/>
+                  </a:ext>
+                </a:extLst>
               </a:tr>
             </a:tbl>
           </a:graphicData>
@@ -9571,12 +9802,12 @@
           </a:ln>
         </p:spPr>
         <p:txBody>
-          <a:bodyPr anchorCtr="0" anchor="t" bIns="91425" lIns="91425" spcFirstLastPara="1" rIns="91425" wrap="square" tIns="91425">
+          <a:bodyPr spcFirstLastPara="1" wrap="square" lIns="91425" tIns="91425" rIns="91425" bIns="91425" anchor="t" anchorCtr="0">
             <a:noAutofit/>
           </a:bodyPr>
           <a:lstStyle/>
           <a:p>
-            <a:pPr indent="0" lvl="0" marL="0" rtl="0" algn="l">
+            <a:pPr marL="0" lvl="0" indent="0" algn="l" rtl="0">
               <a:spcBef>
                 <a:spcPts val="0"/>
               </a:spcBef>
@@ -9605,7 +9836,7 @@
             </a:endParaRPr>
           </a:p>
           <a:p>
-            <a:pPr indent="0" lvl="0" marL="0" rtl="0" algn="l">
+            <a:pPr marL="0" lvl="0" indent="0" algn="l" rtl="0">
               <a:spcBef>
                 <a:spcPts val="0"/>
               </a:spcBef>
@@ -9644,7 +9875,7 @@
 </file>
 
 <file path=ppt/theme/theme1.xml><?xml version="1.0" encoding="utf-8"?>
-<a:theme xmlns:a="http://schemas.openxmlformats.org/drawingml/2006/main" xmlns:r="http://schemas.openxmlformats.org/officeDocument/2006/relationships" name="Simple Light">
+<a:theme xmlns:a="http://schemas.openxmlformats.org/drawingml/2006/main" name="Simple Light">
   <a:themeElements>
     <a:clrScheme name="Simple Light">
       <a:dk1>
@@ -9919,11 +10150,13 @@
       </a:bgFillStyleLst>
     </a:fmtScheme>
   </a:themeElements>
+  <a:objectDefaults/>
+  <a:extraClrSchemeLst/>
 </a:theme>
 </file>
 
 <file path=ppt/theme/theme2.xml><?xml version="1.0" encoding="utf-8"?>
-<a:theme xmlns:a="http://schemas.openxmlformats.org/drawingml/2006/main" xmlns:r="http://schemas.openxmlformats.org/officeDocument/2006/relationships">
+<a:theme xmlns:a="http://schemas.openxmlformats.org/drawingml/2006/main">
   <a:themeElements>
     <a:clrScheme name="Default">
       <a:dk1>
@@ -10198,5 +10431,7 @@
       </a:bgFillStyleLst>
     </a:fmtScheme>
   </a:themeElements>
+  <a:objectDefaults/>
+  <a:extraClrSchemeLst/>
 </a:theme>
 </file>